--- a/meanstack.pptx
+++ b/meanstack.pptx
@@ -194,6 +194,32 @@
     </p:ext>
   </p:extLst>
 </p:presentation>
+</file>
+
+<file path=ppt/commentAuthors.xml><?xml version="1.0" encoding="utf-8"?>
+<p:cmAuthorLst xmlns:a="http://schemas.openxmlformats.org/drawingml/2006/main" xmlns:r="http://schemas.openxmlformats.org/officeDocument/2006/relationships" xmlns:p="http://schemas.openxmlformats.org/presentationml/2006/main">
+  <p:cmAuthor id="1" name="Shital Bhayani" initials="SB" lastIdx="1" clrIdx="0">
+    <p:extLst>
+      <p:ext uri="{19B8F6BF-5375-455C-9EA6-DF929625EA0E}">
+        <p15:presenceInfo xmlns:p15="http://schemas.microsoft.com/office/powerpoint/2012/main" userId="Shital Bhayani" providerId="None"/>
+      </p:ext>
+    </p:extLst>
+  </p:cmAuthor>
+</p:cmAuthorLst>
+</file>
+
+<file path=ppt/comments/comment1.xml><?xml version="1.0" encoding="utf-8"?>
+<p:cmLst xmlns:a="http://schemas.openxmlformats.org/drawingml/2006/main" xmlns:r="http://schemas.openxmlformats.org/officeDocument/2006/relationships" xmlns:p="http://schemas.openxmlformats.org/presentationml/2006/main">
+  <p:cm authorId="1" dt="2019-09-29T20:05:20.302" idx="1">
+    <p:pos x="10" y="10"/>
+    <p:text/>
+    <p:extLst>
+      <p:ext uri="{C676402C-5697-4E1C-873F-D02D1690AC5C}">
+        <p15:threadingInfo xmlns:p15="http://schemas.microsoft.com/office/powerpoint/2012/main" timeZoneBias="-330"/>
+      </p:ext>
+    </p:extLst>
+  </p:cm>
+</p:cmLst>
 </file>
 
 <file path=ppt/diagrams/colors1.xml><?xml version="1.0" encoding="utf-8"?>
@@ -9532,9 +9558,18 @@
   <p:clrMapOvr>
     <a:overrideClrMapping bg1="dk1" tx1="lt1" bg2="dk2" tx2="lt2" accent1="accent1" accent2="accent2" accent3="accent3" accent4="accent4" accent5="accent5" accent6="accent6" hlink="hlink" folHlink="folHlink"/>
   </p:clrMapOvr>
-  <p:transition spd="slow">
-    <p:push dir="u"/>
-  </p:transition>
+  <mc:AlternateContent xmlns:mc="http://schemas.openxmlformats.org/markup-compatibility/2006">
+    <mc:Choice xmlns:p14="http://schemas.microsoft.com/office/powerpoint/2010/main" Requires="p14">
+      <p:transition p14:dur="100">
+        <p:cut/>
+      </p:transition>
+    </mc:Choice>
+    <mc:Fallback>
+      <p:transition>
+        <p:cut/>
+      </p:transition>
+    </mc:Fallback>
+  </mc:AlternateContent>
 </p:sld>
 </file>
 
@@ -9804,9 +9839,18 @@
   <p:clrMapOvr>
     <a:overrideClrMapping bg1="dk1" tx1="lt1" bg2="dk2" tx2="lt2" accent1="accent1" accent2="accent2" accent3="accent3" accent4="accent4" accent5="accent5" accent6="accent6" hlink="hlink" folHlink="folHlink"/>
   </p:clrMapOvr>
-  <p:transition spd="slow">
-    <p:push dir="u"/>
-  </p:transition>
+  <mc:AlternateContent xmlns:mc="http://schemas.openxmlformats.org/markup-compatibility/2006">
+    <mc:Choice xmlns:p14="http://schemas.microsoft.com/office/powerpoint/2010/main" Requires="p14">
+      <p:transition p14:dur="100">
+        <p:cut/>
+      </p:transition>
+    </mc:Choice>
+    <mc:Fallback>
+      <p:transition>
+        <p:cut/>
+      </p:transition>
+    </mc:Fallback>
+  </mc:AlternateContent>
 </p:sld>
 </file>
 
@@ -9879,12 +9923,14 @@
         </p:nvSpPr>
         <p:spPr/>
         <p:txBody>
-          <a:bodyPr/>
+          <a:bodyPr>
+            <a:normAutofit/>
+          </a:bodyPr>
           <a:lstStyle/>
           <a:p>
             <a:pPr algn="ctr"/>
             <a:r>
-              <a:rPr lang="en-IN" dirty="0"/>
+              <a:rPr lang="en-IN" sz="3600" b="1" dirty="0"/>
               <a:t>Modules</a:t>
             </a:r>
           </a:p>
@@ -10003,9 +10049,18 @@
   <p:clrMapOvr>
     <a:masterClrMapping/>
   </p:clrMapOvr>
-  <p:transition spd="slow">
-    <p:push dir="u"/>
-  </p:transition>
+  <mc:AlternateContent xmlns:mc="http://schemas.openxmlformats.org/markup-compatibility/2006">
+    <mc:Choice xmlns:p14="http://schemas.microsoft.com/office/powerpoint/2010/main" Requires="p14">
+      <p:transition p14:dur="100">
+        <p:cut/>
+      </p:transition>
+    </mc:Choice>
+    <mc:Fallback>
+      <p:transition>
+        <p:cut/>
+      </p:transition>
+    </mc:Fallback>
+  </mc:AlternateContent>
 </p:sld>
 </file>
 
@@ -10078,12 +10133,14 @@
         </p:nvSpPr>
         <p:spPr/>
         <p:txBody>
-          <a:bodyPr/>
+          <a:bodyPr>
+            <a:normAutofit/>
+          </a:bodyPr>
           <a:lstStyle/>
           <a:p>
             <a:pPr algn="ctr"/>
             <a:r>
-              <a:rPr lang="en-IN" dirty="0"/>
+              <a:rPr lang="en-IN" sz="3600" b="1" dirty="0"/>
               <a:t>Creating a Module</a:t>
             </a:r>
           </a:p>
@@ -10112,7 +10169,7 @@
           <a:p>
             <a:r>
               <a:rPr lang="en-IN" dirty="0">
-                <a:hlinkClick r:id="rId2" action="ppaction://hlinkfile"/>
+                <a:hlinkClick r:id="rId2"/>
               </a:rPr>
               <a:t>logger.js</a:t>
             </a:r>
@@ -10130,9 +10187,18 @@
   <p:clrMapOvr>
     <a:masterClrMapping/>
   </p:clrMapOvr>
-  <p:transition spd="slow">
-    <p:push dir="u"/>
-  </p:transition>
+  <mc:AlternateContent xmlns:mc="http://schemas.openxmlformats.org/markup-compatibility/2006">
+    <mc:Choice xmlns:p14="http://schemas.microsoft.com/office/powerpoint/2010/main" Requires="p14">
+      <p:transition p14:dur="100">
+        <p:cut/>
+      </p:transition>
+    </mc:Choice>
+    <mc:Fallback>
+      <p:transition>
+        <p:cut/>
+      </p:transition>
+    </mc:Fallback>
+  </mc:AlternateContent>
 </p:sld>
 </file>
 
@@ -10205,12 +10271,14 @@
         </p:nvSpPr>
         <p:spPr/>
         <p:txBody>
-          <a:bodyPr/>
+          <a:bodyPr>
+            <a:normAutofit/>
+          </a:bodyPr>
           <a:lstStyle/>
           <a:p>
             <a:pPr algn="ctr"/>
             <a:r>
-              <a:rPr lang="en-IN" dirty="0"/>
+              <a:rPr lang="en-IN" sz="3600" b="1" dirty="0"/>
               <a:t>Loading a Module</a:t>
             </a:r>
           </a:p>
@@ -10239,7 +10307,7 @@
           <a:p>
             <a:r>
               <a:rPr lang="en-IN" dirty="0">
-                <a:hlinkClick r:id="rId2" action="ppaction://hlinkfile"/>
+                <a:hlinkClick r:id="rId2"/>
               </a:rPr>
               <a:t>module_example.js</a:t>
             </a:r>
@@ -10257,9 +10325,18 @@
   <p:clrMapOvr>
     <a:masterClrMapping/>
   </p:clrMapOvr>
-  <p:transition spd="slow">
-    <p:push dir="u"/>
-  </p:transition>
+  <mc:AlternateContent xmlns:mc="http://schemas.openxmlformats.org/markup-compatibility/2006">
+    <mc:Choice xmlns:p14="http://schemas.microsoft.com/office/powerpoint/2010/main" Requires="p14">
+      <p:transition p14:dur="100">
+        <p:cut/>
+      </p:transition>
+    </mc:Choice>
+    <mc:Fallback>
+      <p:transition>
+        <p:cut/>
+      </p:transition>
+    </mc:Fallback>
+  </mc:AlternateContent>
 </p:sld>
 </file>
 
@@ -10332,12 +10409,14 @@
         </p:nvSpPr>
         <p:spPr/>
         <p:txBody>
-          <a:bodyPr/>
+          <a:bodyPr>
+            <a:normAutofit/>
+          </a:bodyPr>
           <a:lstStyle/>
           <a:p>
             <a:pPr algn="ctr"/>
             <a:r>
-              <a:rPr lang="en-IN" dirty="0"/>
+              <a:rPr lang="en-IN" sz="3600" b="1" dirty="0"/>
               <a:t>Inbuilt Module</a:t>
             </a:r>
           </a:p>
@@ -10393,9 +10472,18 @@
   <p:clrMapOvr>
     <a:masterClrMapping/>
   </p:clrMapOvr>
-  <p:transition spd="slow">
-    <p:push dir="u"/>
-  </p:transition>
+  <mc:AlternateContent xmlns:mc="http://schemas.openxmlformats.org/markup-compatibility/2006">
+    <mc:Choice xmlns:p14="http://schemas.microsoft.com/office/powerpoint/2010/main" Requires="p14">
+      <p:transition p14:dur="100">
+        <p:cut/>
+      </p:transition>
+    </mc:Choice>
+    <mc:Fallback>
+      <p:transition>
+        <p:cut/>
+      </p:transition>
+    </mc:Fallback>
+  </mc:AlternateContent>
 </p:sld>
 </file>
 
@@ -10468,12 +10556,14 @@
         </p:nvSpPr>
         <p:spPr/>
         <p:txBody>
-          <a:bodyPr/>
+          <a:bodyPr>
+            <a:normAutofit/>
+          </a:bodyPr>
           <a:lstStyle/>
           <a:p>
             <a:pPr algn="ctr"/>
             <a:r>
-              <a:rPr lang="en-IN" dirty="0"/>
+              <a:rPr lang="en-IN" sz="3600" b="1" dirty="0"/>
               <a:t>Path Module</a:t>
             </a:r>
           </a:p>
@@ -10532,13 +10622,13 @@
           </a:p>
           <a:p>
             <a:endParaRPr lang="en-IN" dirty="0">
-              <a:hlinkClick r:id="rId2" action="ppaction://hlinkfile"/>
+              <a:hlinkClick r:id="rId3"/>
             </a:endParaRPr>
           </a:p>
           <a:p>
             <a:r>
               <a:rPr lang="en-IN" dirty="0">
-                <a:hlinkClick r:id="rId2" action="ppaction://hlinkfile"/>
+                <a:hlinkClick r:id="rId3"/>
               </a:rPr>
               <a:t>path_module.js</a:t>
             </a:r>
@@ -10556,9 +10646,18 @@
   <p:clrMapOvr>
     <a:masterClrMapping/>
   </p:clrMapOvr>
-  <p:transition spd="slow">
-    <p:push dir="u"/>
-  </p:transition>
+  <mc:AlternateContent xmlns:mc="http://schemas.openxmlformats.org/markup-compatibility/2006">
+    <mc:Choice xmlns:p14="http://schemas.microsoft.com/office/powerpoint/2010/main" Requires="p14">
+      <p:transition p14:dur="100">
+        <p:cut/>
+      </p:transition>
+    </mc:Choice>
+    <mc:Fallback>
+      <p:transition>
+        <p:cut/>
+      </p:transition>
+    </mc:Fallback>
+  </mc:AlternateContent>
 </p:sld>
 </file>
 
@@ -10631,12 +10730,14 @@
         </p:nvSpPr>
         <p:spPr/>
         <p:txBody>
-          <a:bodyPr/>
+          <a:bodyPr>
+            <a:normAutofit/>
+          </a:bodyPr>
           <a:lstStyle/>
           <a:p>
             <a:pPr algn="ctr"/>
             <a:r>
-              <a:rPr lang="en-IN" dirty="0"/>
+              <a:rPr lang="en-IN" sz="3600" b="1" dirty="0"/>
               <a:t>OS Module</a:t>
             </a:r>
           </a:p>
@@ -10732,16 +10833,19 @@
           </a:p>
           <a:p>
             <a:endParaRPr lang="en-IN" dirty="0">
-              <a:hlinkClick r:id="rId3" action="ppaction://hlinkfile"/>
+              <a:hlinkClick r:id="rId3"/>
             </a:endParaRPr>
           </a:p>
           <a:p>
             <a:r>
               <a:rPr lang="en-IN" dirty="0">
-                <a:hlinkClick r:id="rId3" action="ppaction://hlinkfile"/>
+                <a:hlinkClick r:id="rId3"/>
               </a:rPr>
               <a:t>os_module.js</a:t>
             </a:r>
+            <a:endParaRPr lang="en-IN" dirty="0">
+              <a:hlinkClick r:id="rId4" action="ppaction://hlinkfile"/>
+            </a:endParaRPr>
           </a:p>
         </p:txBody>
       </p:sp>
@@ -10755,9 +10859,18 @@
   <p:clrMapOvr>
     <a:masterClrMapping/>
   </p:clrMapOvr>
-  <p:transition spd="slow">
-    <p:push dir="u"/>
-  </p:transition>
+  <mc:AlternateContent xmlns:mc="http://schemas.openxmlformats.org/markup-compatibility/2006">
+    <mc:Choice xmlns:p14="http://schemas.microsoft.com/office/powerpoint/2010/main" Requires="p14">
+      <p:transition p14:dur="100">
+        <p:cut/>
+      </p:transition>
+    </mc:Choice>
+    <mc:Fallback>
+      <p:transition>
+        <p:cut/>
+      </p:transition>
+    </mc:Fallback>
+  </mc:AlternateContent>
 </p:sld>
 </file>
 
@@ -10830,12 +10943,14 @@
         </p:nvSpPr>
         <p:spPr/>
         <p:txBody>
-          <a:bodyPr/>
+          <a:bodyPr>
+            <a:normAutofit/>
+          </a:bodyPr>
           <a:lstStyle/>
           <a:p>
             <a:pPr algn="ctr"/>
             <a:r>
-              <a:rPr lang="en-IN" dirty="0"/>
+              <a:rPr lang="en-IN" sz="3600" b="1" dirty="0"/>
               <a:t>File System Module</a:t>
             </a:r>
           </a:p>
@@ -10888,13 +11003,13 @@
           </a:p>
           <a:p>
             <a:endParaRPr lang="en-IN" dirty="0">
-              <a:hlinkClick r:id="rId3" action="ppaction://hlinkfile"/>
+              <a:hlinkClick r:id="rId3"/>
             </a:endParaRPr>
           </a:p>
           <a:p>
             <a:r>
               <a:rPr lang="en-IN" dirty="0">
-                <a:hlinkClick r:id="rId3" action="ppaction://hlinkfile"/>
+                <a:hlinkClick r:id="rId3"/>
               </a:rPr>
               <a:t>fs_module.js</a:t>
             </a:r>
@@ -10914,9 +11029,18 @@
   <p:clrMapOvr>
     <a:masterClrMapping/>
   </p:clrMapOvr>
-  <p:transition spd="slow">
-    <p:push dir="u"/>
-  </p:transition>
+  <mc:AlternateContent xmlns:mc="http://schemas.openxmlformats.org/markup-compatibility/2006">
+    <mc:Choice xmlns:p14="http://schemas.microsoft.com/office/powerpoint/2010/main" Requires="p14">
+      <p:transition p14:dur="100">
+        <p:cut/>
+      </p:transition>
+    </mc:Choice>
+    <mc:Fallback>
+      <p:transition>
+        <p:cut/>
+      </p:transition>
+    </mc:Fallback>
+  </mc:AlternateContent>
 </p:sld>
 </file>
 
@@ -10989,12 +11113,14 @@
         </p:nvSpPr>
         <p:spPr/>
         <p:txBody>
-          <a:bodyPr/>
+          <a:bodyPr>
+            <a:normAutofit/>
+          </a:bodyPr>
           <a:lstStyle/>
           <a:p>
             <a:pPr algn="ctr"/>
             <a:r>
-              <a:rPr lang="en-IN" dirty="0"/>
+              <a:rPr lang="en-IN" sz="3600" b="1" dirty="0"/>
               <a:t>Events Module</a:t>
             </a:r>
           </a:p>
@@ -11049,7 +11175,7 @@
           <a:p>
             <a:r>
               <a:rPr lang="en-IN" dirty="0">
-                <a:hlinkClick r:id="rId2" action="ppaction://hlinkfile"/>
+                <a:hlinkClick r:id="rId2"/>
               </a:rPr>
               <a:t>event_module.js</a:t>
             </a:r>
@@ -11069,9 +11195,18 @@
   <p:clrMapOvr>
     <a:masterClrMapping/>
   </p:clrMapOvr>
-  <p:transition spd="slow">
-    <p:push dir="u"/>
-  </p:transition>
+  <mc:AlternateContent xmlns:mc="http://schemas.openxmlformats.org/markup-compatibility/2006">
+    <mc:Choice xmlns:p14="http://schemas.microsoft.com/office/powerpoint/2010/main" Requires="p14">
+      <p:transition p14:dur="100">
+        <p:cut/>
+      </p:transition>
+    </mc:Choice>
+    <mc:Fallback>
+      <p:transition>
+        <p:cut/>
+      </p:transition>
+    </mc:Fallback>
+  </mc:AlternateContent>
 </p:sld>
 </file>
 
@@ -11144,12 +11279,14 @@
         </p:nvSpPr>
         <p:spPr/>
         <p:txBody>
-          <a:bodyPr/>
+          <a:bodyPr>
+            <a:normAutofit/>
+          </a:bodyPr>
           <a:lstStyle/>
           <a:p>
             <a:pPr algn="ctr"/>
             <a:r>
-              <a:rPr lang="en-IN" dirty="0"/>
+              <a:rPr lang="en-IN" sz="3600" b="1" dirty="0"/>
               <a:t>Events Arguments</a:t>
             </a:r>
           </a:p>
@@ -11181,7 +11318,7 @@
           <a:p>
             <a:r>
               <a:rPr lang="en-IN" dirty="0">
-                <a:hlinkClick r:id="rId2" action="ppaction://hlinkfile"/>
+                <a:hlinkClick r:id="rId2"/>
               </a:rPr>
               <a:t>event_arguments.js</a:t>
             </a:r>
@@ -11201,9 +11338,18 @@
   <p:clrMapOvr>
     <a:masterClrMapping/>
   </p:clrMapOvr>
-  <p:transition spd="slow">
-    <p:push dir="u"/>
-  </p:transition>
+  <mc:AlternateContent xmlns:mc="http://schemas.openxmlformats.org/markup-compatibility/2006">
+    <mc:Choice xmlns:p14="http://schemas.microsoft.com/office/powerpoint/2010/main" Requires="p14">
+      <p:transition p14:dur="100">
+        <p:cut/>
+      </p:transition>
+    </mc:Choice>
+    <mc:Fallback>
+      <p:transition>
+        <p:cut/>
+      </p:transition>
+    </mc:Fallback>
+  </mc:AlternateContent>
 </p:sld>
 </file>
 
@@ -11374,9 +11520,18 @@
   <p:clrMapOvr>
     <a:masterClrMapping/>
   </p:clrMapOvr>
-  <p:transition spd="slow">
-    <p:push dir="u"/>
-  </p:transition>
+  <mc:AlternateContent xmlns:mc="http://schemas.openxmlformats.org/markup-compatibility/2006">
+    <mc:Choice xmlns:p14="http://schemas.microsoft.com/office/powerpoint/2010/main" Requires="p14">
+      <p:transition p14:dur="100">
+        <p:cut/>
+      </p:transition>
+    </mc:Choice>
+    <mc:Fallback>
+      <p:transition>
+        <p:cut/>
+      </p:transition>
+    </mc:Fallback>
+  </mc:AlternateContent>
 </p:sld>
 </file>
 
@@ -11449,12 +11604,14 @@
         </p:nvSpPr>
         <p:spPr/>
         <p:txBody>
-          <a:bodyPr/>
+          <a:bodyPr>
+            <a:normAutofit/>
+          </a:bodyPr>
           <a:lstStyle/>
           <a:p>
             <a:pPr algn="ctr"/>
             <a:r>
-              <a:rPr lang="en-IN" dirty="0"/>
+              <a:rPr lang="en-IN" sz="3600" b="1" dirty="0"/>
               <a:t>HTTP Module</a:t>
             </a:r>
           </a:p>
@@ -11532,7 +11689,7 @@
           <a:p>
             <a:r>
               <a:rPr lang="en-IN" dirty="0">
-                <a:hlinkClick r:id="rId2" action="ppaction://hlinkfile"/>
+                <a:hlinkClick r:id="rId2"/>
               </a:rPr>
               <a:t>http_module.js</a:t>
             </a:r>
@@ -11552,9 +11709,18 @@
   <p:clrMapOvr>
     <a:masterClrMapping/>
   </p:clrMapOvr>
-  <p:transition spd="slow">
-    <p:push dir="u"/>
-  </p:transition>
+  <mc:AlternateContent xmlns:mc="http://schemas.openxmlformats.org/markup-compatibility/2006">
+    <mc:Choice xmlns:p14="http://schemas.microsoft.com/office/powerpoint/2010/main" Requires="p14">
+      <p:transition p14:dur="100">
+        <p:cut/>
+      </p:transition>
+    </mc:Choice>
+    <mc:Fallback>
+      <p:transition>
+        <p:cut/>
+      </p:transition>
+    </mc:Fallback>
+  </mc:AlternateContent>
 </p:sld>
 </file>
 
@@ -11824,9 +11990,18 @@
   <p:clrMapOvr>
     <a:overrideClrMapping bg1="dk1" tx1="lt1" bg2="dk2" tx2="lt2" accent1="accent1" accent2="accent2" accent3="accent3" accent4="accent4" accent5="accent5" accent6="accent6" hlink="hlink" folHlink="folHlink"/>
   </p:clrMapOvr>
-  <p:transition spd="slow">
-    <p:push dir="u"/>
-  </p:transition>
+  <mc:AlternateContent xmlns:mc="http://schemas.openxmlformats.org/markup-compatibility/2006">
+    <mc:Choice xmlns:p14="http://schemas.microsoft.com/office/powerpoint/2010/main" Requires="p14">
+      <p:transition p14:dur="100">
+        <p:cut/>
+      </p:transition>
+    </mc:Choice>
+    <mc:Fallback>
+      <p:transition>
+        <p:cut/>
+      </p:transition>
+    </mc:Fallback>
+  </mc:AlternateContent>
 </p:sld>
 </file>
 
@@ -11899,12 +12074,14 @@
         </p:nvSpPr>
         <p:spPr/>
         <p:txBody>
-          <a:bodyPr/>
+          <a:bodyPr>
+            <a:normAutofit/>
+          </a:bodyPr>
           <a:lstStyle/>
           <a:p>
             <a:pPr algn="ctr"/>
             <a:r>
-              <a:rPr lang="en-IN" dirty="0"/>
+              <a:rPr lang="en-IN" sz="3600" b="1" dirty="0"/>
               <a:t>NPM</a:t>
             </a:r>
           </a:p>
@@ -12016,9 +12193,18 @@
   <p:clrMapOvr>
     <a:masterClrMapping/>
   </p:clrMapOvr>
-  <p:transition spd="slow">
-    <p:push dir="u"/>
-  </p:transition>
+  <mc:AlternateContent xmlns:mc="http://schemas.openxmlformats.org/markup-compatibility/2006">
+    <mc:Choice xmlns:p14="http://schemas.microsoft.com/office/powerpoint/2010/main" Requires="p14">
+      <p:transition p14:dur="100">
+        <p:cut/>
+      </p:transition>
+    </mc:Choice>
+    <mc:Fallback>
+      <p:transition>
+        <p:cut/>
+      </p:transition>
+    </mc:Fallback>
+  </mc:AlternateContent>
 </p:sld>
 </file>
 
@@ -12091,15 +12277,17 @@
         </p:nvSpPr>
         <p:spPr/>
         <p:txBody>
-          <a:bodyPr/>
+          <a:bodyPr>
+            <a:normAutofit/>
+          </a:bodyPr>
           <a:lstStyle/>
           <a:p>
             <a:pPr algn="ctr"/>
             <a:r>
-              <a:rPr lang="en-IN" dirty="0" err="1"/>
+              <a:rPr lang="en-IN" sz="3600" b="1" dirty="0" err="1"/>
               <a:t>Package.json</a:t>
             </a:r>
-            <a:endParaRPr lang="en-IN" dirty="0"/>
+            <a:endParaRPr lang="en-IN" sz="3600" b="1" dirty="0"/>
           </a:p>
         </p:txBody>
       </p:sp>
@@ -12223,9 +12411,18 @@
   <p:clrMapOvr>
     <a:masterClrMapping/>
   </p:clrMapOvr>
-  <p:transition spd="slow">
-    <p:push dir="u"/>
-  </p:transition>
+  <mc:AlternateContent xmlns:mc="http://schemas.openxmlformats.org/markup-compatibility/2006">
+    <mc:Choice xmlns:p14="http://schemas.microsoft.com/office/powerpoint/2010/main" Requires="p14">
+      <p:transition p14:dur="100">
+        <p:cut/>
+      </p:transition>
+    </mc:Choice>
+    <mc:Fallback>
+      <p:transition>
+        <p:cut/>
+      </p:transition>
+    </mc:Fallback>
+  </mc:AlternateContent>
 </p:sld>
 </file>
 
@@ -12298,12 +12495,14 @@
         </p:nvSpPr>
         <p:spPr/>
         <p:txBody>
-          <a:bodyPr/>
+          <a:bodyPr>
+            <a:normAutofit/>
+          </a:bodyPr>
           <a:lstStyle/>
           <a:p>
             <a:pPr algn="ctr"/>
             <a:r>
-              <a:rPr lang="en-IN" dirty="0"/>
+              <a:rPr lang="en-IN" sz="3600" b="1" dirty="0"/>
               <a:t>Installing a Node Package</a:t>
             </a:r>
           </a:p>
@@ -12418,9 +12617,18 @@
   <p:clrMapOvr>
     <a:masterClrMapping/>
   </p:clrMapOvr>
-  <p:transition spd="slow">
-    <p:push dir="u"/>
-  </p:transition>
+  <mc:AlternateContent xmlns:mc="http://schemas.openxmlformats.org/markup-compatibility/2006">
+    <mc:Choice xmlns:p14="http://schemas.microsoft.com/office/powerpoint/2010/main" Requires="p14">
+      <p:transition p14:dur="100">
+        <p:cut/>
+      </p:transition>
+    </mc:Choice>
+    <mc:Fallback>
+      <p:transition>
+        <p:cut/>
+      </p:transition>
+    </mc:Fallback>
+  </mc:AlternateContent>
 </p:sld>
 </file>
 
@@ -12493,12 +12701,14 @@
         </p:nvSpPr>
         <p:spPr/>
         <p:txBody>
-          <a:bodyPr/>
+          <a:bodyPr>
+            <a:normAutofit/>
+          </a:bodyPr>
           <a:lstStyle/>
           <a:p>
             <a:pPr algn="ctr"/>
             <a:r>
-              <a:rPr lang="en-IN" dirty="0"/>
+              <a:rPr lang="en-IN" sz="3600" b="1" dirty="0"/>
               <a:t>Using a Package</a:t>
             </a:r>
           </a:p>
@@ -12541,7 +12751,7 @@
           <a:p>
             <a:r>
               <a:rPr lang="en-IN" dirty="0">
-                <a:hlinkClick r:id="rId3" action="ppaction://hlinkfile"/>
+                <a:hlinkClick r:id="rId3"/>
               </a:rPr>
               <a:t>underscore_module.js</a:t>
             </a:r>
@@ -12611,9 +12821,18 @@
   <p:clrMapOvr>
     <a:masterClrMapping/>
   </p:clrMapOvr>
-  <p:transition spd="slow">
-    <p:push dir="u"/>
-  </p:transition>
+  <mc:AlternateContent xmlns:mc="http://schemas.openxmlformats.org/markup-compatibility/2006">
+    <mc:Choice xmlns:p14="http://schemas.microsoft.com/office/powerpoint/2010/main" Requires="p14">
+      <p:transition p14:dur="100">
+        <p:cut/>
+      </p:transition>
+    </mc:Choice>
+    <mc:Fallback>
+      <p:transition>
+        <p:cut/>
+      </p:transition>
+    </mc:Fallback>
+  </mc:AlternateContent>
 </p:sld>
 </file>
 
@@ -12686,12 +12905,14 @@
         </p:nvSpPr>
         <p:spPr/>
         <p:txBody>
-          <a:bodyPr/>
+          <a:bodyPr>
+            <a:normAutofit/>
+          </a:bodyPr>
           <a:lstStyle/>
           <a:p>
             <a:pPr algn="ctr"/>
             <a:r>
-              <a:rPr lang="en-IN" dirty="0"/>
+              <a:rPr lang="en-IN" sz="3600" b="1" dirty="0"/>
               <a:t>Package Dependencies</a:t>
             </a:r>
           </a:p>
@@ -12758,9 +12979,18 @@
   <p:clrMapOvr>
     <a:masterClrMapping/>
   </p:clrMapOvr>
-  <p:transition spd="slow">
-    <p:push dir="u"/>
-  </p:transition>
+  <mc:AlternateContent xmlns:mc="http://schemas.openxmlformats.org/markup-compatibility/2006">
+    <mc:Choice xmlns:p14="http://schemas.microsoft.com/office/powerpoint/2010/main" Requires="p14">
+      <p:transition p14:dur="100">
+        <p:cut/>
+      </p:transition>
+    </mc:Choice>
+    <mc:Fallback>
+      <p:transition>
+        <p:cut/>
+      </p:transition>
+    </mc:Fallback>
+  </mc:AlternateContent>
 </p:sld>
 </file>
 
@@ -12833,12 +13063,14 @@
         </p:nvSpPr>
         <p:spPr/>
         <p:txBody>
-          <a:bodyPr/>
+          <a:bodyPr>
+            <a:normAutofit/>
+          </a:bodyPr>
           <a:lstStyle/>
           <a:p>
             <a:pPr algn="ctr"/>
             <a:r>
-              <a:rPr lang="en-IN" dirty="0"/>
+              <a:rPr lang="en-IN" sz="3600" b="1" dirty="0"/>
               <a:t>NPM Packages and Source Control</a:t>
             </a:r>
           </a:p>
@@ -12912,9 +13144,18 @@
   <p:clrMapOvr>
     <a:masterClrMapping/>
   </p:clrMapOvr>
-  <p:transition spd="slow">
-    <p:push dir="u"/>
-  </p:transition>
+  <mc:AlternateContent xmlns:mc="http://schemas.openxmlformats.org/markup-compatibility/2006">
+    <mc:Choice xmlns:p14="http://schemas.microsoft.com/office/powerpoint/2010/main" Requires="p14">
+      <p:transition p14:dur="100">
+        <p:cut/>
+      </p:transition>
+    </mc:Choice>
+    <mc:Fallback>
+      <p:transition>
+        <p:cut/>
+      </p:transition>
+    </mc:Fallback>
+  </mc:AlternateContent>
 </p:sld>
 </file>
 
@@ -12987,18 +13228,14 @@
         </p:nvSpPr>
         <p:spPr/>
         <p:txBody>
-          <a:bodyPr/>
+          <a:bodyPr>
+            <a:normAutofit/>
+          </a:bodyPr>
           <a:lstStyle/>
           <a:p>
             <a:pPr algn="ctr"/>
             <a:r>
-              <a:rPr lang="en-IN" dirty="0">
-                <a:solidFill>
-                  <a:schemeClr val="accent6">
-                    <a:lumMod val="75000"/>
-                  </a:schemeClr>
-                </a:solidFill>
-              </a:rPr>
+              <a:rPr lang="en-IN" sz="3600" b="1" dirty="0"/>
               <a:t>Semantic Versioning</a:t>
             </a:r>
           </a:p>
@@ -13144,9 +13381,18 @@
   <p:clrMapOvr>
     <a:masterClrMapping/>
   </p:clrMapOvr>
-  <p:transition spd="slow">
-    <p:push dir="u"/>
-  </p:transition>
+  <mc:AlternateContent xmlns:mc="http://schemas.openxmlformats.org/markup-compatibility/2006">
+    <mc:Choice xmlns:p14="http://schemas.microsoft.com/office/powerpoint/2010/main" Requires="p14">
+      <p:transition p14:dur="100">
+        <p:cut/>
+      </p:transition>
+    </mc:Choice>
+    <mc:Fallback>
+      <p:transition>
+        <p:cut/>
+      </p:transition>
+    </mc:Fallback>
+  </mc:AlternateContent>
 </p:sld>
 </file>
 
@@ -13219,18 +13465,14 @@
         </p:nvSpPr>
         <p:spPr/>
         <p:txBody>
-          <a:bodyPr/>
+          <a:bodyPr>
+            <a:normAutofit/>
+          </a:bodyPr>
           <a:lstStyle/>
           <a:p>
             <a:pPr algn="ctr"/>
             <a:r>
-              <a:rPr lang="en-IN" dirty="0">
-                <a:solidFill>
-                  <a:schemeClr val="accent6">
-                    <a:lumMod val="75000"/>
-                  </a:schemeClr>
-                </a:solidFill>
-              </a:rPr>
+              <a:rPr lang="en-IN" sz="3600" b="1" dirty="0"/>
               <a:t>Listing the Installed Packages</a:t>
             </a:r>
           </a:p>
@@ -13304,9 +13546,18 @@
   <p:clrMapOvr>
     <a:masterClrMapping/>
   </p:clrMapOvr>
-  <p:transition spd="slow">
-    <p:push dir="u"/>
-  </p:transition>
+  <mc:AlternateContent xmlns:mc="http://schemas.openxmlformats.org/markup-compatibility/2006">
+    <mc:Choice xmlns:p14="http://schemas.microsoft.com/office/powerpoint/2010/main" Requires="p14">
+      <p:transition p14:dur="100">
+        <p:cut/>
+      </p:transition>
+    </mc:Choice>
+    <mc:Fallback>
+      <p:transition>
+        <p:cut/>
+      </p:transition>
+    </mc:Fallback>
+  </mc:AlternateContent>
 </p:sld>
 </file>
 
@@ -13379,12 +13630,14 @@
         </p:nvSpPr>
         <p:spPr/>
         <p:txBody>
-          <a:bodyPr/>
+          <a:bodyPr>
+            <a:normAutofit/>
+          </a:bodyPr>
           <a:lstStyle/>
           <a:p>
             <a:pPr algn="ctr"/>
             <a:r>
-              <a:rPr lang="en-IN" dirty="0"/>
+              <a:rPr lang="en-IN" sz="3600" b="1" dirty="0"/>
               <a:t>NODE Architecture</a:t>
             </a:r>
           </a:p>
@@ -13431,9 +13684,18 @@
   <p:clrMapOvr>
     <a:masterClrMapping/>
   </p:clrMapOvr>
-  <p:transition spd="slow">
-    <p:push dir="u"/>
-  </p:transition>
+  <mc:AlternateContent xmlns:mc="http://schemas.openxmlformats.org/markup-compatibility/2006">
+    <mc:Choice xmlns:p14="http://schemas.microsoft.com/office/powerpoint/2010/main" Requires="p14">
+      <p:transition p14:dur="100">
+        <p:cut/>
+      </p:transition>
+    </mc:Choice>
+    <mc:Fallback>
+      <p:transition>
+        <p:cut/>
+      </p:transition>
+    </mc:Fallback>
+  </mc:AlternateContent>
 </p:sld>
 </file>
 
@@ -13506,18 +13768,14 @@
         </p:nvSpPr>
         <p:spPr/>
         <p:txBody>
-          <a:bodyPr/>
+          <a:bodyPr>
+            <a:normAutofit/>
+          </a:bodyPr>
           <a:lstStyle/>
           <a:p>
             <a:pPr algn="ctr"/>
             <a:r>
-              <a:rPr lang="en-IN" dirty="0">
-                <a:solidFill>
-                  <a:schemeClr val="accent6">
-                    <a:lumMod val="75000"/>
-                  </a:schemeClr>
-                </a:solidFill>
-              </a:rPr>
+              <a:rPr lang="en-IN" sz="3600" b="1" dirty="0"/>
               <a:t>Viewing Registry Info for a Package</a:t>
             </a:r>
           </a:p>
@@ -13602,9 +13860,18 @@
   <p:clrMapOvr>
     <a:masterClrMapping/>
   </p:clrMapOvr>
-  <p:transition spd="slow">
-    <p:push dir="u"/>
-  </p:transition>
+  <mc:AlternateContent xmlns:mc="http://schemas.openxmlformats.org/markup-compatibility/2006">
+    <mc:Choice xmlns:p14="http://schemas.microsoft.com/office/powerpoint/2010/main" Requires="p14">
+      <p:transition p14:dur="100">
+        <p:cut/>
+      </p:transition>
+    </mc:Choice>
+    <mc:Fallback>
+      <p:transition>
+        <p:cut/>
+      </p:transition>
+    </mc:Fallback>
+  </mc:AlternateContent>
 </p:sld>
 </file>
 
@@ -13677,18 +13944,14 @@
         </p:nvSpPr>
         <p:spPr/>
         <p:txBody>
-          <a:bodyPr/>
+          <a:bodyPr>
+            <a:normAutofit/>
+          </a:bodyPr>
           <a:lstStyle/>
           <a:p>
             <a:pPr algn="ctr"/>
             <a:r>
-              <a:rPr lang="en-IN" dirty="0">
-                <a:solidFill>
-                  <a:schemeClr val="accent6">
-                    <a:lumMod val="75000"/>
-                  </a:schemeClr>
-                </a:solidFill>
-              </a:rPr>
+              <a:rPr lang="en-IN" sz="3600" b="1" dirty="0"/>
               <a:t>Installing a Specific Version of a Package</a:t>
             </a:r>
           </a:p>
@@ -13753,9 +14016,18 @@
   <p:clrMapOvr>
     <a:masterClrMapping/>
   </p:clrMapOvr>
-  <p:transition spd="slow">
-    <p:push dir="u"/>
-  </p:transition>
+  <mc:AlternateContent xmlns:mc="http://schemas.openxmlformats.org/markup-compatibility/2006">
+    <mc:Choice xmlns:p14="http://schemas.microsoft.com/office/powerpoint/2010/main" Requires="p14">
+      <p:transition p14:dur="100">
+        <p:cut/>
+      </p:transition>
+    </mc:Choice>
+    <mc:Fallback>
+      <p:transition>
+        <p:cut/>
+      </p:transition>
+    </mc:Fallback>
+  </mc:AlternateContent>
 </p:sld>
 </file>
 
@@ -13828,18 +14100,14 @@
         </p:nvSpPr>
         <p:spPr/>
         <p:txBody>
-          <a:bodyPr/>
+          <a:bodyPr>
+            <a:normAutofit/>
+          </a:bodyPr>
           <a:lstStyle/>
           <a:p>
             <a:pPr algn="ctr"/>
             <a:r>
-              <a:rPr lang="en-IN" dirty="0">
-                <a:solidFill>
-                  <a:schemeClr val="accent6">
-                    <a:lumMod val="75000"/>
-                  </a:schemeClr>
-                </a:solidFill>
-              </a:rPr>
+              <a:rPr lang="en-IN" sz="3600" b="1" dirty="0"/>
               <a:t>Updating Local Packages</a:t>
             </a:r>
           </a:p>
@@ -14001,9 +14269,18 @@
   <p:clrMapOvr>
     <a:masterClrMapping/>
   </p:clrMapOvr>
-  <p:transition spd="slow">
-    <p:push dir="u"/>
-  </p:transition>
+  <mc:AlternateContent xmlns:mc="http://schemas.openxmlformats.org/markup-compatibility/2006">
+    <mc:Choice xmlns:p14="http://schemas.microsoft.com/office/powerpoint/2010/main" Requires="p14">
+      <p:transition p14:dur="100">
+        <p:cut/>
+      </p:transition>
+    </mc:Choice>
+    <mc:Fallback>
+      <p:transition>
+        <p:cut/>
+      </p:transition>
+    </mc:Fallback>
+  </mc:AlternateContent>
 </p:sld>
 </file>
 
@@ -14076,27 +14353,17 @@
         </p:nvSpPr>
         <p:spPr/>
         <p:txBody>
-          <a:bodyPr/>
+          <a:bodyPr>
+            <a:normAutofit/>
+          </a:bodyPr>
           <a:lstStyle/>
           <a:p>
             <a:pPr algn="ctr"/>
             <a:r>
-              <a:rPr lang="en-IN" dirty="0" err="1">
-                <a:solidFill>
-                  <a:schemeClr val="accent6">
-                    <a:lumMod val="75000"/>
-                  </a:schemeClr>
-                </a:solidFill>
-              </a:rPr>
+              <a:rPr lang="en-IN" sz="3600" b="1" dirty="0" err="1"/>
               <a:t>DevDependencies</a:t>
             </a:r>
-            <a:endParaRPr lang="en-IN" dirty="0">
-              <a:solidFill>
-                <a:schemeClr val="accent6">
-                  <a:lumMod val="75000"/>
-                </a:schemeClr>
-              </a:solidFill>
-            </a:endParaRPr>
+            <a:endParaRPr lang="en-IN" sz="3600" b="1" dirty="0"/>
           </a:p>
         </p:txBody>
       </p:sp>
@@ -14161,9 +14428,18 @@
   <p:clrMapOvr>
     <a:masterClrMapping/>
   </p:clrMapOvr>
-  <p:transition spd="slow">
-    <p:push dir="u"/>
-  </p:transition>
+  <mc:AlternateContent xmlns:mc="http://schemas.openxmlformats.org/markup-compatibility/2006">
+    <mc:Choice xmlns:p14="http://schemas.microsoft.com/office/powerpoint/2010/main" Requires="p14">
+      <p:transition p14:dur="100">
+        <p:cut/>
+      </p:transition>
+    </mc:Choice>
+    <mc:Fallback>
+      <p:transition>
+        <p:cut/>
+      </p:transition>
+    </mc:Fallback>
+  </mc:AlternateContent>
 </p:sld>
 </file>
 
@@ -14236,18 +14512,14 @@
         </p:nvSpPr>
         <p:spPr/>
         <p:txBody>
-          <a:bodyPr/>
+          <a:bodyPr>
+            <a:normAutofit/>
+          </a:bodyPr>
           <a:lstStyle/>
           <a:p>
             <a:pPr algn="ctr"/>
             <a:r>
-              <a:rPr lang="en-IN" dirty="0">
-                <a:solidFill>
-                  <a:schemeClr val="accent6">
-                    <a:lumMod val="75000"/>
-                  </a:schemeClr>
-                </a:solidFill>
-              </a:rPr>
+              <a:rPr lang="en-IN" sz="3600" b="1" dirty="0"/>
               <a:t>Uninstalling a Package</a:t>
             </a:r>
           </a:p>
@@ -14342,9 +14614,18 @@
   <p:clrMapOvr>
     <a:masterClrMapping/>
   </p:clrMapOvr>
-  <p:transition spd="slow">
-    <p:push dir="u"/>
-  </p:transition>
+  <mc:AlternateContent xmlns:mc="http://schemas.openxmlformats.org/markup-compatibility/2006">
+    <mc:Choice xmlns:p14="http://schemas.microsoft.com/office/powerpoint/2010/main" Requires="p14">
+      <p:transition p14:dur="100">
+        <p:cut/>
+      </p:transition>
+    </mc:Choice>
+    <mc:Fallback>
+      <p:transition>
+        <p:cut/>
+      </p:transition>
+    </mc:Fallback>
+  </mc:AlternateContent>
 </p:sld>
 </file>
 
@@ -14417,18 +14698,14 @@
         </p:nvSpPr>
         <p:spPr/>
         <p:txBody>
-          <a:bodyPr/>
+          <a:bodyPr>
+            <a:normAutofit/>
+          </a:bodyPr>
           <a:lstStyle/>
           <a:p>
             <a:pPr algn="ctr"/>
             <a:r>
-              <a:rPr lang="en-IN" dirty="0">
-                <a:solidFill>
-                  <a:schemeClr val="accent6">
-                    <a:lumMod val="75000"/>
-                  </a:schemeClr>
-                </a:solidFill>
-              </a:rPr>
+              <a:rPr lang="en-IN" sz="3600" b="1" dirty="0"/>
               <a:t>Working with Global Packages</a:t>
             </a:r>
           </a:p>
@@ -14512,9 +14789,18 @@
   <p:clrMapOvr>
     <a:masterClrMapping/>
   </p:clrMapOvr>
-  <p:transition spd="slow">
-    <p:push dir="u"/>
-  </p:transition>
+  <mc:AlternateContent xmlns:mc="http://schemas.openxmlformats.org/markup-compatibility/2006">
+    <mc:Choice xmlns:p14="http://schemas.microsoft.com/office/powerpoint/2010/main" Requires="p14">
+      <p:transition p14:dur="100">
+        <p:cut/>
+      </p:transition>
+    </mc:Choice>
+    <mc:Fallback>
+      <p:transition>
+        <p:cut/>
+      </p:transition>
+    </mc:Fallback>
+  </mc:AlternateContent>
 </p:sld>
 </file>
 
@@ -14587,18 +14873,14 @@
         </p:nvSpPr>
         <p:spPr/>
         <p:txBody>
-          <a:bodyPr/>
+          <a:bodyPr>
+            <a:normAutofit/>
+          </a:bodyPr>
           <a:lstStyle/>
           <a:p>
             <a:pPr algn="ctr"/>
             <a:r>
-              <a:rPr lang="en-IN" dirty="0">
-                <a:solidFill>
-                  <a:schemeClr val="accent6">
-                    <a:lumMod val="75000"/>
-                  </a:schemeClr>
-                </a:solidFill>
-              </a:rPr>
+              <a:rPr lang="en-IN" sz="3600" b="1" dirty="0"/>
               <a:t>Publishing a Package</a:t>
             </a:r>
           </a:p>
@@ -14720,9 +15002,18 @@
   <p:clrMapOvr>
     <a:masterClrMapping/>
   </p:clrMapOvr>
-  <p:transition spd="slow">
-    <p:push dir="u"/>
-  </p:transition>
+  <mc:AlternateContent xmlns:mc="http://schemas.openxmlformats.org/markup-compatibility/2006">
+    <mc:Choice xmlns:p14="http://schemas.microsoft.com/office/powerpoint/2010/main" Requires="p14">
+      <p:transition p14:dur="100">
+        <p:cut/>
+      </p:transition>
+    </mc:Choice>
+    <mc:Fallback>
+      <p:transition>
+        <p:cut/>
+      </p:transition>
+    </mc:Fallback>
+  </mc:AlternateContent>
 </p:sld>
 </file>
 
@@ -14795,18 +15086,14 @@
         </p:nvSpPr>
         <p:spPr/>
         <p:txBody>
-          <a:bodyPr/>
+          <a:bodyPr>
+            <a:normAutofit/>
+          </a:bodyPr>
           <a:lstStyle/>
           <a:p>
             <a:pPr algn="ctr"/>
             <a:r>
-              <a:rPr lang="en-IN" dirty="0">
-                <a:solidFill>
-                  <a:schemeClr val="accent6">
-                    <a:lumMod val="75000"/>
-                  </a:schemeClr>
-                </a:solidFill>
-              </a:rPr>
+              <a:rPr lang="en-IN" sz="3600" b="1" dirty="0"/>
               <a:t>Updating a Published Package</a:t>
             </a:r>
           </a:p>
@@ -14889,9 +15176,18 @@
   <p:clrMapOvr>
     <a:masterClrMapping/>
   </p:clrMapOvr>
-  <p:transition spd="slow">
-    <p:push dir="u"/>
-  </p:transition>
+  <mc:AlternateContent xmlns:mc="http://schemas.openxmlformats.org/markup-compatibility/2006">
+    <mc:Choice xmlns:p14="http://schemas.microsoft.com/office/powerpoint/2010/main" Requires="p14">
+      <p:transition p14:dur="100">
+        <p:cut/>
+      </p:transition>
+    </mc:Choice>
+    <mc:Fallback>
+      <p:transition>
+        <p:cut/>
+      </p:transition>
+    </mc:Fallback>
+  </mc:AlternateContent>
 </p:sld>
 </file>
 
@@ -14964,18 +15260,14 @@
         </p:nvSpPr>
         <p:spPr/>
         <p:txBody>
-          <a:bodyPr/>
+          <a:bodyPr>
+            <a:normAutofit/>
+          </a:bodyPr>
           <a:lstStyle/>
           <a:p>
             <a:pPr algn="ctr"/>
             <a:r>
-              <a:rPr lang="en-IN" dirty="0">
-                <a:solidFill>
-                  <a:schemeClr val="accent6">
-                    <a:lumMod val="75000"/>
-                  </a:schemeClr>
-                </a:solidFill>
-              </a:rPr>
+              <a:rPr lang="en-IN" sz="3600" b="1" dirty="0"/>
               <a:t>CRON JOB in Node JS</a:t>
             </a:r>
           </a:p>
@@ -15022,9 +15314,18 @@
   <p:clrMapOvr>
     <a:masterClrMapping/>
   </p:clrMapOvr>
-  <p:transition spd="slow">
-    <p:push dir="u"/>
-  </p:transition>
+  <mc:AlternateContent xmlns:mc="http://schemas.openxmlformats.org/markup-compatibility/2006">
+    <mc:Choice xmlns:p14="http://schemas.microsoft.com/office/powerpoint/2010/main" Requires="p14">
+      <p:transition p14:dur="100">
+        <p:cut/>
+      </p:transition>
+    </mc:Choice>
+    <mc:Fallback>
+      <p:transition>
+        <p:cut/>
+      </p:transition>
+    </mc:Fallback>
+  </mc:AlternateContent>
 </p:sld>
 </file>
 
@@ -15097,39 +15398,17 @@
         </p:nvSpPr>
         <p:spPr/>
         <p:txBody>
-          <a:bodyPr/>
+          <a:bodyPr>
+            <a:normAutofit/>
+          </a:bodyPr>
           <a:lstStyle/>
           <a:p>
             <a:pPr algn="ctr"/>
             <a:r>
-              <a:rPr lang="en-US" dirty="0">
-                <a:solidFill>
-                  <a:schemeClr val="accent6">
-                    <a:lumMod val="75000"/>
-                  </a:schemeClr>
-                </a:solidFill>
-              </a:rPr>
-              <a:t>Using</a:t>
-            </a:r>
-            <a:r>
-              <a:rPr lang="en-US" dirty="0"/>
-              <a:t> </a:t>
-            </a:r>
-            <a:r>
-              <a:rPr lang="en-US" dirty="0">
-                <a:solidFill>
-                  <a:schemeClr val="accent6">
-                    <a:lumMod val="75000"/>
-                  </a:schemeClr>
-                </a:solidFill>
-              </a:rPr>
-              <a:t>JWT</a:t>
-            </a:r>
-            <a:r>
-              <a:rPr lang="en-US" dirty="0"/>
-              <a:t> (Json Web Token)</a:t>
-            </a:r>
-            <a:endParaRPr lang="en-IN" dirty="0">
+              <a:rPr lang="en-US" sz="3600" b="1" dirty="0"/>
+              <a:t>Using JWT (Json Web Token)</a:t>
+            </a:r>
+            <a:endParaRPr lang="en-IN" sz="3600" b="1" dirty="0">
               <a:solidFill>
                 <a:schemeClr val="accent6">
                   <a:lumMod val="75000"/>
@@ -15180,9 +15459,18 @@
   <p:clrMapOvr>
     <a:masterClrMapping/>
   </p:clrMapOvr>
-  <p:transition spd="slow">
-    <p:push dir="u"/>
-  </p:transition>
+  <mc:AlternateContent xmlns:mc="http://schemas.openxmlformats.org/markup-compatibility/2006">
+    <mc:Choice xmlns:p14="http://schemas.microsoft.com/office/powerpoint/2010/main" Requires="p14">
+      <p:transition p14:dur="100">
+        <p:cut/>
+      </p:transition>
+    </mc:Choice>
+    <mc:Fallback>
+      <p:transition>
+        <p:cut/>
+      </p:transition>
+    </mc:Fallback>
+  </mc:AlternateContent>
 </p:sld>
 </file>
 
@@ -15255,12 +15543,14 @@
         </p:nvSpPr>
         <p:spPr/>
         <p:txBody>
-          <a:bodyPr/>
+          <a:bodyPr>
+            <a:normAutofit/>
+          </a:bodyPr>
           <a:lstStyle/>
           <a:p>
             <a:pPr algn="ctr"/>
             <a:r>
-              <a:rPr lang="en-IN" dirty="0"/>
+              <a:rPr lang="en-IN" sz="3600" b="1" dirty="0"/>
               <a:t>NODE Architecture</a:t>
             </a:r>
           </a:p>
@@ -15307,9 +15597,18 @@
   <p:clrMapOvr>
     <a:masterClrMapping/>
   </p:clrMapOvr>
-  <p:transition spd="slow">
-    <p:push dir="u"/>
-  </p:transition>
+  <mc:AlternateContent xmlns:mc="http://schemas.openxmlformats.org/markup-compatibility/2006">
+    <mc:Choice xmlns:p14="http://schemas.microsoft.com/office/powerpoint/2010/main" Requires="p14">
+      <p:transition p14:dur="100">
+        <p:cut/>
+      </p:transition>
+    </mc:Choice>
+    <mc:Fallback>
+      <p:transition>
+        <p:cut/>
+      </p:transition>
+    </mc:Fallback>
+  </mc:AlternateContent>
 </p:sld>
 </file>
 
@@ -15579,9 +15878,18 @@
   <p:clrMapOvr>
     <a:overrideClrMapping bg1="dk1" tx1="lt1" bg2="dk2" tx2="lt2" accent1="accent1" accent2="accent2" accent3="accent3" accent4="accent4" accent5="accent5" accent6="accent6" hlink="hlink" folHlink="folHlink"/>
   </p:clrMapOvr>
-  <p:transition spd="slow">
-    <p:push dir="u"/>
-  </p:transition>
+  <mc:AlternateContent xmlns:mc="http://schemas.openxmlformats.org/markup-compatibility/2006">
+    <mc:Choice xmlns:p14="http://schemas.microsoft.com/office/powerpoint/2010/main" Requires="p14">
+      <p:transition p14:dur="100">
+        <p:cut/>
+      </p:transition>
+    </mc:Choice>
+    <mc:Fallback>
+      <p:transition>
+        <p:cut/>
+      </p:transition>
+    </mc:Fallback>
+  </mc:AlternateContent>
 </p:sld>
 </file>
 
@@ -15654,18 +15962,14 @@
         </p:nvSpPr>
         <p:spPr/>
         <p:txBody>
-          <a:bodyPr/>
+          <a:bodyPr>
+            <a:normAutofit/>
+          </a:bodyPr>
           <a:lstStyle/>
           <a:p>
             <a:pPr algn="ctr"/>
             <a:r>
-              <a:rPr lang="en-IN" dirty="0">
-                <a:solidFill>
-                  <a:schemeClr val="accent6">
-                    <a:lumMod val="75000"/>
-                  </a:schemeClr>
-                </a:solidFill>
-              </a:rPr>
+              <a:rPr lang="en-IN" sz="3600" b="1" dirty="0"/>
               <a:t>Representational state transfer</a:t>
             </a:r>
           </a:p>
@@ -15720,7 +16024,7 @@
         </p:nvSpPr>
         <p:spPr>
           <a:xfrm>
-            <a:off x="9934112" y="1690688"/>
+            <a:off x="9641149" y="1825625"/>
             <a:ext cx="1571347" cy="648070"/>
           </a:xfrm>
           <a:prstGeom prst="rect">
@@ -15770,9 +16074,18 @@
   <p:clrMapOvr>
     <a:masterClrMapping/>
   </p:clrMapOvr>
-  <p:transition spd="slow">
-    <p:push dir="u"/>
-  </p:transition>
+  <mc:AlternateContent xmlns:mc="http://schemas.openxmlformats.org/markup-compatibility/2006">
+    <mc:Choice xmlns:p14="http://schemas.microsoft.com/office/powerpoint/2010/main" Requires="p14">
+      <p:transition p14:dur="100">
+        <p:cut/>
+      </p:transition>
+    </mc:Choice>
+    <mc:Fallback>
+      <p:transition>
+        <p:cut/>
+      </p:transition>
+    </mc:Fallback>
+  </mc:AlternateContent>
 </p:sld>
 </file>
 
@@ -15845,18 +16158,14 @@
         </p:nvSpPr>
         <p:spPr/>
         <p:txBody>
-          <a:bodyPr/>
+          <a:bodyPr>
+            <a:normAutofit/>
+          </a:bodyPr>
           <a:lstStyle/>
           <a:p>
             <a:pPr algn="ctr"/>
             <a:r>
-              <a:rPr lang="en-IN" dirty="0">
-                <a:solidFill>
-                  <a:schemeClr val="accent6">
-                    <a:lumMod val="75000"/>
-                  </a:schemeClr>
-                </a:solidFill>
-              </a:rPr>
+              <a:rPr lang="en-IN" sz="3600" b="1" dirty="0"/>
               <a:t>CUSTOMERS CRUD APPLICATION</a:t>
             </a:r>
           </a:p>
@@ -15907,9 +16216,18 @@
   <p:clrMapOvr>
     <a:masterClrMapping/>
   </p:clrMapOvr>
-  <p:transition spd="slow">
-    <p:push dir="u"/>
-  </p:transition>
+  <mc:AlternateContent xmlns:mc="http://schemas.openxmlformats.org/markup-compatibility/2006">
+    <mc:Choice xmlns:p14="http://schemas.microsoft.com/office/powerpoint/2010/main" Requires="p14">
+      <p:transition p14:dur="100">
+        <p:cut/>
+      </p:transition>
+    </mc:Choice>
+    <mc:Fallback>
+      <p:transition>
+        <p:cut/>
+      </p:transition>
+    </mc:Fallback>
+  </mc:AlternateContent>
 </p:sld>
 </file>
 
@@ -15982,18 +16300,14 @@
         </p:nvSpPr>
         <p:spPr/>
         <p:txBody>
-          <a:bodyPr/>
+          <a:bodyPr>
+            <a:normAutofit/>
+          </a:bodyPr>
           <a:lstStyle/>
           <a:p>
             <a:pPr algn="ctr"/>
             <a:r>
-              <a:rPr lang="en-IN" dirty="0">
-                <a:solidFill>
-                  <a:schemeClr val="accent6">
-                    <a:lumMod val="75000"/>
-                  </a:schemeClr>
-                </a:solidFill>
-              </a:rPr>
+              <a:rPr lang="en-IN" sz="3600" b="1" dirty="0"/>
               <a:t>Introducing Express</a:t>
             </a:r>
           </a:p>
@@ -16083,9 +16397,18 @@
   <p:clrMapOvr>
     <a:masterClrMapping/>
   </p:clrMapOvr>
-  <p:transition spd="slow">
-    <p:push dir="u"/>
-  </p:transition>
+  <mc:AlternateContent xmlns:mc="http://schemas.openxmlformats.org/markup-compatibility/2006">
+    <mc:Choice xmlns:p14="http://schemas.microsoft.com/office/powerpoint/2010/main" Requires="p14">
+      <p:transition p14:dur="100">
+        <p:cut/>
+      </p:transition>
+    </mc:Choice>
+    <mc:Fallback>
+      <p:transition>
+        <p:cut/>
+      </p:transition>
+    </mc:Fallback>
+  </mc:AlternateContent>
 </p:sld>
 </file>
 
@@ -16158,18 +16481,14 @@
         </p:nvSpPr>
         <p:spPr/>
         <p:txBody>
-          <a:bodyPr/>
+          <a:bodyPr>
+            <a:normAutofit/>
+          </a:bodyPr>
           <a:lstStyle/>
           <a:p>
             <a:pPr algn="ctr"/>
             <a:r>
-              <a:rPr lang="en-IN" dirty="0">
-                <a:solidFill>
-                  <a:schemeClr val="accent6">
-                    <a:lumMod val="75000"/>
-                  </a:schemeClr>
-                </a:solidFill>
-              </a:rPr>
+              <a:rPr lang="en-IN" sz="3600" b="1" dirty="0"/>
               <a:t>Installing Express Framework </a:t>
             </a:r>
           </a:p>
@@ -16277,9 +16596,18 @@
   <p:clrMapOvr>
     <a:masterClrMapping/>
   </p:clrMapOvr>
-  <p:transition spd="slow">
-    <p:push dir="u"/>
-  </p:transition>
+  <mc:AlternateContent xmlns:mc="http://schemas.openxmlformats.org/markup-compatibility/2006">
+    <mc:Choice xmlns:p14="http://schemas.microsoft.com/office/powerpoint/2010/main" Requires="p14">
+      <p:transition p14:dur="100">
+        <p:cut/>
+      </p:transition>
+    </mc:Choice>
+    <mc:Fallback>
+      <p:transition>
+        <p:cut/>
+      </p:transition>
+    </mc:Fallback>
+  </mc:AlternateContent>
 </p:sld>
 </file>
 
@@ -16352,18 +16680,14 @@
         </p:nvSpPr>
         <p:spPr/>
         <p:txBody>
-          <a:bodyPr/>
+          <a:bodyPr>
+            <a:normAutofit/>
+          </a:bodyPr>
           <a:lstStyle/>
           <a:p>
             <a:pPr algn="ctr"/>
             <a:r>
-              <a:rPr lang="en-IN" dirty="0">
-                <a:solidFill>
-                  <a:schemeClr val="accent6">
-                    <a:lumMod val="75000"/>
-                  </a:schemeClr>
-                </a:solidFill>
-              </a:rPr>
+              <a:rPr lang="en-IN" sz="3600" b="1" dirty="0"/>
               <a:t>Building Your First Web Server</a:t>
             </a:r>
           </a:p>
@@ -16541,9 +16865,18 @@
   <p:clrMapOvr>
     <a:masterClrMapping/>
   </p:clrMapOvr>
-  <p:transition spd="slow">
-    <p:push dir="u"/>
-  </p:transition>
+  <mc:AlternateContent xmlns:mc="http://schemas.openxmlformats.org/markup-compatibility/2006">
+    <mc:Choice xmlns:p14="http://schemas.microsoft.com/office/powerpoint/2010/main" Requires="p14">
+      <p:transition p14:dur="100">
+        <p:cut/>
+      </p:transition>
+    </mc:Choice>
+    <mc:Fallback>
+      <p:transition>
+        <p:cut/>
+      </p:transition>
+    </mc:Fallback>
+  </mc:AlternateContent>
 </p:sld>
 </file>
 
@@ -16616,27 +16949,17 @@
         </p:nvSpPr>
         <p:spPr/>
         <p:txBody>
-          <a:bodyPr/>
+          <a:bodyPr>
+            <a:normAutofit/>
+          </a:bodyPr>
           <a:lstStyle/>
           <a:p>
             <a:pPr algn="ctr"/>
             <a:r>
-              <a:rPr lang="en-IN" dirty="0" err="1">
-                <a:solidFill>
-                  <a:schemeClr val="accent6">
-                    <a:lumMod val="75000"/>
-                  </a:schemeClr>
-                </a:solidFill>
-              </a:rPr>
+              <a:rPr lang="en-IN" sz="3600" b="1" dirty="0" err="1"/>
               <a:t>Nodemon</a:t>
             </a:r>
-            <a:endParaRPr lang="en-IN" dirty="0">
-              <a:solidFill>
-                <a:schemeClr val="accent6">
-                  <a:lumMod val="75000"/>
-                </a:schemeClr>
-              </a:solidFill>
-            </a:endParaRPr>
+            <a:endParaRPr lang="en-IN" sz="3600" b="1" dirty="0"/>
           </a:p>
         </p:txBody>
       </p:sp>
@@ -16711,9 +17034,18 @@
   <p:clrMapOvr>
     <a:masterClrMapping/>
   </p:clrMapOvr>
-  <p:transition spd="slow">
-    <p:push dir="u"/>
-  </p:transition>
+  <mc:AlternateContent xmlns:mc="http://schemas.openxmlformats.org/markup-compatibility/2006">
+    <mc:Choice xmlns:p14="http://schemas.microsoft.com/office/powerpoint/2010/main" Requires="p14">
+      <p:transition p14:dur="100">
+        <p:cut/>
+      </p:transition>
+    </mc:Choice>
+    <mc:Fallback>
+      <p:transition>
+        <p:cut/>
+      </p:transition>
+    </mc:Fallback>
+  </mc:AlternateContent>
 </p:sld>
 </file>
 
@@ -16786,18 +17118,14 @@
         </p:nvSpPr>
         <p:spPr/>
         <p:txBody>
-          <a:bodyPr/>
+          <a:bodyPr>
+            <a:normAutofit/>
+          </a:bodyPr>
           <a:lstStyle/>
           <a:p>
             <a:pPr algn="ctr"/>
             <a:r>
-              <a:rPr lang="en-IN" dirty="0">
-                <a:solidFill>
-                  <a:schemeClr val="accent6">
-                    <a:lumMod val="75000"/>
-                  </a:schemeClr>
-                </a:solidFill>
-              </a:rPr>
+              <a:rPr lang="en-IN" sz="3600" b="1" dirty="0"/>
               <a:t>Environment Variables</a:t>
             </a:r>
           </a:p>
@@ -16880,9 +17208,18 @@
   <p:clrMapOvr>
     <a:masterClrMapping/>
   </p:clrMapOvr>
-  <p:transition spd="slow">
-    <p:push dir="u"/>
-  </p:transition>
+  <mc:AlternateContent xmlns:mc="http://schemas.openxmlformats.org/markup-compatibility/2006">
+    <mc:Choice xmlns:p14="http://schemas.microsoft.com/office/powerpoint/2010/main" Requires="p14">
+      <p:transition p14:dur="100">
+        <p:cut/>
+      </p:transition>
+    </mc:Choice>
+    <mc:Fallback>
+      <p:transition>
+        <p:cut/>
+      </p:transition>
+    </mc:Fallback>
+  </mc:AlternateContent>
 </p:sld>
 </file>
 
@@ -16955,18 +17292,14 @@
         </p:nvSpPr>
         <p:spPr/>
         <p:txBody>
-          <a:bodyPr/>
+          <a:bodyPr>
+            <a:normAutofit/>
+          </a:bodyPr>
           <a:lstStyle/>
           <a:p>
             <a:pPr algn="ctr"/>
             <a:r>
-              <a:rPr lang="en-IN" dirty="0">
-                <a:solidFill>
-                  <a:schemeClr val="accent6">
-                    <a:lumMod val="75000"/>
-                  </a:schemeClr>
-                </a:solidFill>
-              </a:rPr>
+              <a:rPr lang="en-IN" sz="3600" b="1" dirty="0"/>
               <a:t>Route Parameters</a:t>
             </a:r>
           </a:p>
@@ -17130,9 +17463,18 @@
   <p:clrMapOvr>
     <a:masterClrMapping/>
   </p:clrMapOvr>
-  <p:transition spd="slow">
-    <p:push dir="u"/>
-  </p:transition>
+  <mc:AlternateContent xmlns:mc="http://schemas.openxmlformats.org/markup-compatibility/2006">
+    <mc:Choice xmlns:p14="http://schemas.microsoft.com/office/powerpoint/2010/main" Requires="p14">
+      <p:transition p14:dur="100">
+        <p:cut/>
+      </p:transition>
+    </mc:Choice>
+    <mc:Fallback>
+      <p:transition>
+        <p:cut/>
+      </p:transition>
+    </mc:Fallback>
+  </mc:AlternateContent>
 </p:sld>
 </file>
 
@@ -17205,18 +17547,14 @@
         </p:nvSpPr>
         <p:spPr/>
         <p:txBody>
-          <a:bodyPr/>
+          <a:bodyPr>
+            <a:normAutofit/>
+          </a:bodyPr>
           <a:lstStyle/>
           <a:p>
             <a:pPr algn="ctr"/>
             <a:r>
-              <a:rPr lang="en-IN" dirty="0">
-                <a:solidFill>
-                  <a:schemeClr val="accent6">
-                    <a:lumMod val="75000"/>
-                  </a:schemeClr>
-                </a:solidFill>
-              </a:rPr>
+              <a:rPr lang="en-IN" sz="3600" b="1" dirty="0"/>
               <a:t>Handling GET Requests</a:t>
             </a:r>
           </a:p>
@@ -17295,7 +17633,7 @@
             </a:pPr>
             <a:r>
               <a:rPr lang="en-IN" dirty="0">
-                <a:hlinkClick r:id="rId2" action="ppaction://hlinkfile"/>
+                <a:hlinkClick r:id="rId2"/>
               </a:rPr>
               <a:t>customer.js</a:t>
             </a:r>
@@ -17322,9 +17660,18 @@
   <p:clrMapOvr>
     <a:masterClrMapping/>
   </p:clrMapOvr>
-  <p:transition spd="slow">
-    <p:push dir="u"/>
-  </p:transition>
+  <mc:AlternateContent xmlns:mc="http://schemas.openxmlformats.org/markup-compatibility/2006">
+    <mc:Choice xmlns:p14="http://schemas.microsoft.com/office/powerpoint/2010/main" Requires="p14">
+      <p:transition p14:dur="100">
+        <p:cut/>
+      </p:transition>
+    </mc:Choice>
+    <mc:Fallback>
+      <p:transition>
+        <p:cut/>
+      </p:transition>
+    </mc:Fallback>
+  </mc:AlternateContent>
 </p:sld>
 </file>
 
@@ -17397,12 +17744,14 @@
         </p:nvSpPr>
         <p:spPr/>
         <p:txBody>
-          <a:bodyPr/>
+          <a:bodyPr>
+            <a:normAutofit/>
+          </a:bodyPr>
           <a:lstStyle/>
           <a:p>
             <a:pPr algn="ctr"/>
             <a:r>
-              <a:rPr lang="en-IN" dirty="0"/>
+              <a:rPr lang="en-IN" sz="3600" b="1" dirty="0"/>
               <a:t>NODE Architecture</a:t>
             </a:r>
           </a:p>
@@ -17486,9 +17835,18 @@
   <p:clrMapOvr>
     <a:masterClrMapping/>
   </p:clrMapOvr>
-  <p:transition spd="slow">
-    <p:push dir="u"/>
-  </p:transition>
+  <mc:AlternateContent xmlns:mc="http://schemas.openxmlformats.org/markup-compatibility/2006">
+    <mc:Choice xmlns:p14="http://schemas.microsoft.com/office/powerpoint/2010/main" Requires="p14">
+      <p:transition p14:dur="100">
+        <p:cut/>
+      </p:transition>
+    </mc:Choice>
+    <mc:Fallback>
+      <p:transition>
+        <p:cut/>
+      </p:transition>
+    </mc:Fallback>
+  </mc:AlternateContent>
 </p:sld>
 </file>
 
@@ -17561,18 +17919,14 @@
         </p:nvSpPr>
         <p:spPr/>
         <p:txBody>
-          <a:bodyPr/>
+          <a:bodyPr>
+            <a:normAutofit/>
+          </a:bodyPr>
           <a:lstStyle/>
           <a:p>
             <a:pPr algn="ctr"/>
             <a:r>
-              <a:rPr lang="en-IN" dirty="0">
-                <a:solidFill>
-                  <a:schemeClr val="accent6">
-                    <a:lumMod val="75000"/>
-                  </a:schemeClr>
-                </a:solidFill>
-              </a:rPr>
+              <a:rPr lang="en-IN" sz="3600" b="1" dirty="0"/>
               <a:t>Calling Endpoints Using Postman</a:t>
             </a:r>
           </a:p>
@@ -17617,7 +17971,7 @@
             </a:pPr>
             <a:r>
               <a:rPr lang="en-IN" dirty="0">
-                <a:hlinkClick r:id="rId2" action="ppaction://hlinkfile"/>
+                <a:hlinkClick r:id="rId2"/>
               </a:rPr>
               <a:t>customer.js</a:t>
             </a:r>
@@ -17644,9 +17998,18 @@
   <p:clrMapOvr>
     <a:masterClrMapping/>
   </p:clrMapOvr>
-  <p:transition spd="slow">
-    <p:push dir="u"/>
-  </p:transition>
+  <mc:AlternateContent xmlns:mc="http://schemas.openxmlformats.org/markup-compatibility/2006">
+    <mc:Choice xmlns:p14="http://schemas.microsoft.com/office/powerpoint/2010/main" Requires="p14">
+      <p:transition p14:dur="100">
+        <p:cut/>
+      </p:transition>
+    </mc:Choice>
+    <mc:Fallback>
+      <p:transition>
+        <p:cut/>
+      </p:transition>
+    </mc:Fallback>
+  </mc:AlternateContent>
 </p:sld>
 </file>
 
@@ -17719,18 +18082,14 @@
         </p:nvSpPr>
         <p:spPr/>
         <p:txBody>
-          <a:bodyPr/>
+          <a:bodyPr>
+            <a:normAutofit/>
+          </a:bodyPr>
           <a:lstStyle/>
           <a:p>
             <a:pPr algn="ctr"/>
             <a:r>
-              <a:rPr lang="en-IN" dirty="0">
-                <a:solidFill>
-                  <a:schemeClr val="accent6">
-                    <a:lumMod val="75000"/>
-                  </a:schemeClr>
-                </a:solidFill>
-              </a:rPr>
+              <a:rPr lang="en-IN" sz="3600" b="1" dirty="0"/>
               <a:t>Handling POST Requests</a:t>
             </a:r>
           </a:p>
@@ -17834,9 +18193,18 @@
   <p:clrMapOvr>
     <a:masterClrMapping/>
   </p:clrMapOvr>
-  <p:transition spd="slow">
-    <p:push dir="u"/>
-  </p:transition>
+  <mc:AlternateContent xmlns:mc="http://schemas.openxmlformats.org/markup-compatibility/2006">
+    <mc:Choice xmlns:p14="http://schemas.microsoft.com/office/powerpoint/2010/main" Requires="p14">
+      <p:transition p14:dur="100">
+        <p:cut/>
+      </p:transition>
+    </mc:Choice>
+    <mc:Fallback>
+      <p:transition>
+        <p:cut/>
+      </p:transition>
+    </mc:Fallback>
+  </mc:AlternateContent>
 </p:sld>
 </file>
 
@@ -17909,18 +18277,14 @@
         </p:nvSpPr>
         <p:spPr/>
         <p:txBody>
-          <a:bodyPr/>
+          <a:bodyPr>
+            <a:normAutofit/>
+          </a:bodyPr>
           <a:lstStyle/>
           <a:p>
             <a:pPr algn="ctr"/>
             <a:r>
-              <a:rPr lang="en-IN" dirty="0">
-                <a:solidFill>
-                  <a:schemeClr val="accent6">
-                    <a:lumMod val="75000"/>
-                  </a:schemeClr>
-                </a:solidFill>
-              </a:rPr>
+              <a:rPr lang="en-IN" sz="3600" b="1" dirty="0"/>
               <a:t>Handling PUT Requests</a:t>
             </a:r>
           </a:p>
@@ -18024,9 +18388,18 @@
   <p:clrMapOvr>
     <a:masterClrMapping/>
   </p:clrMapOvr>
-  <p:transition spd="slow">
-    <p:push dir="u"/>
-  </p:transition>
+  <mc:AlternateContent xmlns:mc="http://schemas.openxmlformats.org/markup-compatibility/2006">
+    <mc:Choice xmlns:p14="http://schemas.microsoft.com/office/powerpoint/2010/main" Requires="p14">
+      <p:transition p14:dur="100">
+        <p:cut/>
+      </p:transition>
+    </mc:Choice>
+    <mc:Fallback>
+      <p:transition>
+        <p:cut/>
+      </p:transition>
+    </mc:Fallback>
+  </mc:AlternateContent>
 </p:sld>
 </file>
 
@@ -18099,18 +18472,14 @@
         </p:nvSpPr>
         <p:spPr/>
         <p:txBody>
-          <a:bodyPr/>
+          <a:bodyPr>
+            <a:normAutofit/>
+          </a:bodyPr>
           <a:lstStyle/>
           <a:p>
             <a:pPr algn="ctr"/>
             <a:r>
-              <a:rPr lang="en-IN" dirty="0">
-                <a:solidFill>
-                  <a:schemeClr val="accent6">
-                    <a:lumMod val="75000"/>
-                  </a:schemeClr>
-                </a:solidFill>
-              </a:rPr>
+              <a:rPr lang="en-IN" sz="3600" b="1" dirty="0"/>
               <a:t>Handling DELETE Requests</a:t>
             </a:r>
           </a:p>
@@ -18205,9 +18574,18 @@
   <p:clrMapOvr>
     <a:masterClrMapping/>
   </p:clrMapOvr>
-  <p:transition spd="slow">
-    <p:push dir="u"/>
-  </p:transition>
+  <mc:AlternateContent xmlns:mc="http://schemas.openxmlformats.org/markup-compatibility/2006">
+    <mc:Choice xmlns:p14="http://schemas.microsoft.com/office/powerpoint/2010/main" Requires="p14">
+      <p:transition p14:dur="100">
+        <p:cut/>
+      </p:transition>
+    </mc:Choice>
+    <mc:Fallback>
+      <p:transition>
+        <p:cut/>
+      </p:transition>
+    </mc:Fallback>
+  </mc:AlternateContent>
 </p:sld>
 </file>
 
@@ -18280,18 +18658,14 @@
         </p:nvSpPr>
         <p:spPr/>
         <p:txBody>
-          <a:bodyPr/>
+          <a:bodyPr>
+            <a:normAutofit/>
+          </a:bodyPr>
           <a:lstStyle/>
           <a:p>
             <a:pPr algn="ctr"/>
             <a:r>
-              <a:rPr lang="en-IN" dirty="0">
-                <a:solidFill>
-                  <a:schemeClr val="accent6">
-                    <a:lumMod val="75000"/>
-                  </a:schemeClr>
-                </a:solidFill>
-              </a:rPr>
+              <a:rPr lang="en-IN" sz="3600" b="1" dirty="0"/>
               <a:t>Express: Advanced Topics</a:t>
             </a:r>
           </a:p>
@@ -18394,9 +18768,18 @@
   <p:clrMapOvr>
     <a:masterClrMapping/>
   </p:clrMapOvr>
-  <p:transition spd="slow">
-    <p:push dir="u"/>
-  </p:transition>
+  <mc:AlternateContent xmlns:mc="http://schemas.openxmlformats.org/markup-compatibility/2006">
+    <mc:Choice xmlns:p14="http://schemas.microsoft.com/office/powerpoint/2010/main" Requires="p14">
+      <p:transition p14:dur="100">
+        <p:cut/>
+      </p:transition>
+    </mc:Choice>
+    <mc:Fallback>
+      <p:transition>
+        <p:cut/>
+      </p:transition>
+    </mc:Fallback>
+  </mc:AlternateContent>
 </p:sld>
 </file>
 
@@ -18469,18 +18852,14 @@
         </p:nvSpPr>
         <p:spPr/>
         <p:txBody>
-          <a:bodyPr/>
+          <a:bodyPr>
+            <a:normAutofit/>
+          </a:bodyPr>
           <a:lstStyle/>
           <a:p>
             <a:pPr algn="ctr"/>
             <a:r>
-              <a:rPr lang="en-IN" dirty="0">
-                <a:solidFill>
-                  <a:schemeClr val="accent6">
-                    <a:lumMod val="75000"/>
-                  </a:schemeClr>
-                </a:solidFill>
-              </a:rPr>
+              <a:rPr lang="en-IN" sz="3600" b="1" dirty="0"/>
               <a:t>Middleware</a:t>
             </a:r>
           </a:p>
@@ -18585,9 +18964,18 @@
   <p:clrMapOvr>
     <a:masterClrMapping/>
   </p:clrMapOvr>
-  <p:transition spd="slow">
-    <p:push dir="u"/>
-  </p:transition>
+  <mc:AlternateContent xmlns:mc="http://schemas.openxmlformats.org/markup-compatibility/2006">
+    <mc:Choice xmlns:p14="http://schemas.microsoft.com/office/powerpoint/2010/main" Requires="p14">
+      <p:transition p14:dur="100">
+        <p:cut/>
+      </p:transition>
+    </mc:Choice>
+    <mc:Fallback>
+      <p:transition>
+        <p:cut/>
+      </p:transition>
+    </mc:Fallback>
+  </mc:AlternateContent>
 </p:sld>
 </file>
 
@@ -18660,19 +19048,25 @@
         </p:nvSpPr>
         <p:spPr/>
         <p:txBody>
-          <a:bodyPr/>
+          <a:bodyPr>
+            <a:normAutofit/>
+          </a:bodyPr>
           <a:lstStyle/>
           <a:p>
             <a:pPr algn="ctr"/>
             <a:r>
-              <a:rPr lang="en-IN" dirty="0">
+              <a:rPr lang="en-IN" sz="3600" b="1" dirty="0"/>
+              <a:t>Request Processing Pipeline</a:t>
+            </a:r>
+            <a:r>
+              <a:rPr lang="en-IN" sz="3600" b="1" dirty="0">
                 <a:solidFill>
                   <a:schemeClr val="accent6">
                     <a:lumMod val="75000"/>
                   </a:schemeClr>
                 </a:solidFill>
               </a:rPr>
-              <a:t>Request Processing Pipeline	</a:t>
+              <a:t>	</a:t>
             </a:r>
           </a:p>
         </p:txBody>
@@ -19506,9 +19900,18 @@
   <p:clrMapOvr>
     <a:masterClrMapping/>
   </p:clrMapOvr>
-  <p:transition spd="slow">
-    <p:push dir="u"/>
-  </p:transition>
+  <mc:AlternateContent xmlns:mc="http://schemas.openxmlformats.org/markup-compatibility/2006">
+    <mc:Choice xmlns:p14="http://schemas.microsoft.com/office/powerpoint/2010/main" Requires="p14">
+      <p:transition p14:dur="100">
+        <p:cut/>
+      </p:transition>
+    </mc:Choice>
+    <mc:Fallback>
+      <p:transition>
+        <p:cut/>
+      </p:transition>
+    </mc:Fallback>
+  </mc:AlternateContent>
 </p:sld>
 </file>
 
@@ -19581,18 +19984,14 @@
         </p:nvSpPr>
         <p:spPr/>
         <p:txBody>
-          <a:bodyPr/>
+          <a:bodyPr>
+            <a:normAutofit/>
+          </a:bodyPr>
           <a:lstStyle/>
           <a:p>
             <a:pPr algn="ctr"/>
             <a:r>
-              <a:rPr lang="en-IN" dirty="0">
-                <a:solidFill>
-                  <a:schemeClr val="accent6">
-                    <a:lumMod val="75000"/>
-                  </a:schemeClr>
-                </a:solidFill>
-              </a:rPr>
+              <a:rPr lang="en-IN" sz="3600" b="1" dirty="0"/>
               <a:t>Creating Custom Middleware</a:t>
             </a:r>
           </a:p>
@@ -19722,9 +20121,18 @@
   <p:clrMapOvr>
     <a:masterClrMapping/>
   </p:clrMapOvr>
-  <p:transition spd="slow">
-    <p:push dir="u"/>
-  </p:transition>
+  <mc:AlternateContent xmlns:mc="http://schemas.openxmlformats.org/markup-compatibility/2006">
+    <mc:Choice xmlns:p14="http://schemas.microsoft.com/office/powerpoint/2010/main" Requires="p14">
+      <p:transition p14:dur="100">
+        <p:cut/>
+      </p:transition>
+    </mc:Choice>
+    <mc:Fallback>
+      <p:transition>
+        <p:cut/>
+      </p:transition>
+    </mc:Fallback>
+  </mc:AlternateContent>
 </p:sld>
 </file>
 
@@ -19797,18 +20205,14 @@
         </p:nvSpPr>
         <p:spPr/>
         <p:txBody>
-          <a:bodyPr/>
+          <a:bodyPr>
+            <a:normAutofit/>
+          </a:bodyPr>
           <a:lstStyle/>
           <a:p>
             <a:pPr algn="ctr"/>
             <a:r>
-              <a:rPr lang="en-IN" dirty="0">
-                <a:solidFill>
-                  <a:schemeClr val="accent6">
-                    <a:lumMod val="75000"/>
-                  </a:schemeClr>
-                </a:solidFill>
-              </a:rPr>
+              <a:rPr lang="en-IN" sz="3600" b="1" dirty="0"/>
               <a:t>Built-In Middleware</a:t>
             </a:r>
           </a:p>
@@ -19886,9 +20290,18 @@
   <p:clrMapOvr>
     <a:masterClrMapping/>
   </p:clrMapOvr>
-  <p:transition spd="slow">
-    <p:push dir="u"/>
-  </p:transition>
+  <mc:AlternateContent xmlns:mc="http://schemas.openxmlformats.org/markup-compatibility/2006">
+    <mc:Choice xmlns:p14="http://schemas.microsoft.com/office/powerpoint/2010/main" Requires="p14">
+      <p:transition p14:dur="100">
+        <p:cut/>
+      </p:transition>
+    </mc:Choice>
+    <mc:Fallback>
+      <p:transition>
+        <p:cut/>
+      </p:transition>
+    </mc:Fallback>
+  </mc:AlternateContent>
 </p:sld>
 </file>
 
@@ -19961,18 +20374,14 @@
         </p:nvSpPr>
         <p:spPr/>
         <p:txBody>
-          <a:bodyPr/>
+          <a:bodyPr>
+            <a:normAutofit/>
+          </a:bodyPr>
           <a:lstStyle/>
           <a:p>
             <a:pPr algn="ctr"/>
             <a:r>
-              <a:rPr lang="en-IN" b="1" dirty="0">
-                <a:solidFill>
-                  <a:schemeClr val="accent6">
-                    <a:lumMod val="75000"/>
-                  </a:schemeClr>
-                </a:solidFill>
-              </a:rPr>
+              <a:rPr lang="en-IN" sz="3600" b="1" dirty="0"/>
               <a:t>Third-party Middleware</a:t>
             </a:r>
           </a:p>
@@ -20043,9 +20452,18 @@
   <p:clrMapOvr>
     <a:masterClrMapping/>
   </p:clrMapOvr>
-  <p:transition spd="slow">
-    <p:push dir="u"/>
-  </p:transition>
+  <mc:AlternateContent xmlns:mc="http://schemas.openxmlformats.org/markup-compatibility/2006">
+    <mc:Choice xmlns:p14="http://schemas.microsoft.com/office/powerpoint/2010/main" Requires="p14">
+      <p:transition p14:dur="100">
+        <p:cut/>
+      </p:transition>
+    </mc:Choice>
+    <mc:Fallback>
+      <p:transition>
+        <p:cut/>
+      </p:transition>
+    </mc:Fallback>
+  </mc:AlternateContent>
 </p:sld>
 </file>
 
@@ -20118,12 +20536,14 @@
         </p:nvSpPr>
         <p:spPr/>
         <p:txBody>
-          <a:bodyPr/>
+          <a:bodyPr>
+            <a:normAutofit/>
+          </a:bodyPr>
           <a:lstStyle/>
           <a:p>
             <a:pPr algn="ctr"/>
             <a:r>
-              <a:rPr lang="en-IN" dirty="0"/>
+              <a:rPr lang="en-IN" sz="3600" b="1" dirty="0"/>
               <a:t>How Node Works</a:t>
             </a:r>
           </a:p>
@@ -20213,9 +20633,18 @@
   <p:clrMapOvr>
     <a:masterClrMapping/>
   </p:clrMapOvr>
-  <p:transition spd="slow">
-    <p:push dir="u"/>
-  </p:transition>
+  <mc:AlternateContent xmlns:mc="http://schemas.openxmlformats.org/markup-compatibility/2006">
+    <mc:Choice xmlns:p14="http://schemas.microsoft.com/office/powerpoint/2010/main" Requires="p14">
+      <p:transition p14:dur="100">
+        <p:cut/>
+      </p:transition>
+    </mc:Choice>
+    <mc:Fallback>
+      <p:transition>
+        <p:cut/>
+      </p:transition>
+    </mc:Fallback>
+  </mc:AlternateContent>
 </p:sld>
 </file>
 
@@ -20288,18 +20717,14 @@
         </p:nvSpPr>
         <p:spPr/>
         <p:txBody>
-          <a:bodyPr/>
+          <a:bodyPr>
+            <a:normAutofit/>
+          </a:bodyPr>
           <a:lstStyle/>
           <a:p>
             <a:pPr algn="ctr"/>
             <a:r>
-              <a:rPr lang="en-IN" b="1" dirty="0">
-                <a:solidFill>
-                  <a:schemeClr val="accent6">
-                    <a:lumMod val="75000"/>
-                  </a:schemeClr>
-                </a:solidFill>
-              </a:rPr>
+              <a:rPr lang="en-IN" sz="3600" b="1" dirty="0"/>
               <a:t>Environments</a:t>
             </a:r>
           </a:p>
@@ -20381,9 +20806,18 @@
   <p:clrMapOvr>
     <a:masterClrMapping/>
   </p:clrMapOvr>
-  <p:transition spd="slow">
-    <p:push dir="u"/>
-  </p:transition>
+  <mc:AlternateContent xmlns:mc="http://schemas.openxmlformats.org/markup-compatibility/2006">
+    <mc:Choice xmlns:p14="http://schemas.microsoft.com/office/powerpoint/2010/main" Requires="p14">
+      <p:transition p14:dur="100">
+        <p:cut/>
+      </p:transition>
+    </mc:Choice>
+    <mc:Fallback>
+      <p:transition>
+        <p:cut/>
+      </p:transition>
+    </mc:Fallback>
+  </mc:AlternateContent>
 </p:sld>
 </file>
 
@@ -20456,18 +20890,14 @@
         </p:nvSpPr>
         <p:spPr/>
         <p:txBody>
-          <a:bodyPr/>
+          <a:bodyPr>
+            <a:normAutofit/>
+          </a:bodyPr>
           <a:lstStyle/>
           <a:p>
             <a:pPr algn="ctr"/>
             <a:r>
-              <a:rPr lang="en-IN" b="1" dirty="0">
-                <a:solidFill>
-                  <a:schemeClr val="accent6">
-                    <a:lumMod val="75000"/>
-                  </a:schemeClr>
-                </a:solidFill>
-              </a:rPr>
+              <a:rPr lang="en-IN" sz="3600" b="1" dirty="0"/>
               <a:t>Configuration</a:t>
             </a:r>
           </a:p>
@@ -20524,9 +20954,18 @@
   <p:clrMapOvr>
     <a:masterClrMapping/>
   </p:clrMapOvr>
-  <p:transition spd="slow">
-    <p:push dir="u"/>
-  </p:transition>
+  <mc:AlternateContent xmlns:mc="http://schemas.openxmlformats.org/markup-compatibility/2006">
+    <mc:Choice xmlns:p14="http://schemas.microsoft.com/office/powerpoint/2010/main" Requires="p14">
+      <p:transition p14:dur="100">
+        <p:cut/>
+      </p:transition>
+    </mc:Choice>
+    <mc:Fallback>
+      <p:transition>
+        <p:cut/>
+      </p:transition>
+    </mc:Fallback>
+  </mc:AlternateContent>
 </p:sld>
 </file>
 
@@ -20599,27 +21038,17 @@
         </p:nvSpPr>
         <p:spPr/>
         <p:txBody>
-          <a:bodyPr/>
+          <a:bodyPr>
+            <a:normAutofit/>
+          </a:bodyPr>
           <a:lstStyle/>
           <a:p>
             <a:pPr algn="ctr"/>
             <a:r>
-              <a:rPr lang="en-US" b="1" dirty="0">
-                <a:solidFill>
-                  <a:schemeClr val="accent6">
-                    <a:lumMod val="75000"/>
-                  </a:schemeClr>
-                </a:solidFill>
-              </a:rPr>
+              <a:rPr lang="en-US" sz="3600" b="1" dirty="0"/>
               <a:t>Handing session securely</a:t>
             </a:r>
-            <a:endParaRPr lang="en-IN" b="1" dirty="0">
-              <a:solidFill>
-                <a:schemeClr val="accent6">
-                  <a:lumMod val="75000"/>
-                </a:schemeClr>
-              </a:solidFill>
-            </a:endParaRPr>
+            <a:endParaRPr lang="en-IN" sz="3600" b="1" dirty="0"/>
           </a:p>
         </p:txBody>
       </p:sp>
@@ -20677,9 +21106,18 @@
   <p:clrMapOvr>
     <a:masterClrMapping/>
   </p:clrMapOvr>
-  <p:transition spd="slow">
-    <p:push dir="u"/>
-  </p:transition>
+  <mc:AlternateContent xmlns:mc="http://schemas.openxmlformats.org/markup-compatibility/2006">
+    <mc:Choice xmlns:p14="http://schemas.microsoft.com/office/powerpoint/2010/main" Requires="p14">
+      <p:transition p14:dur="100">
+        <p:cut/>
+      </p:transition>
+    </mc:Choice>
+    <mc:Fallback>
+      <p:transition>
+        <p:cut/>
+      </p:transition>
+    </mc:Fallback>
+  </mc:AlternateContent>
 </p:sld>
 </file>
 
@@ -20752,27 +21190,17 @@
         </p:nvSpPr>
         <p:spPr/>
         <p:txBody>
-          <a:bodyPr/>
+          <a:bodyPr>
+            <a:normAutofit/>
+          </a:bodyPr>
           <a:lstStyle/>
           <a:p>
             <a:pPr algn="ctr"/>
             <a:r>
-              <a:rPr lang="en-US" b="1" dirty="0">
-                <a:solidFill>
-                  <a:schemeClr val="accent6">
-                    <a:lumMod val="75000"/>
-                  </a:schemeClr>
-                </a:solidFill>
-              </a:rPr>
+              <a:rPr lang="en-US" sz="3600" b="1" dirty="0"/>
               <a:t>Debugging</a:t>
             </a:r>
-            <a:endParaRPr lang="en-IN" b="1" dirty="0">
-              <a:solidFill>
-                <a:schemeClr val="accent6">
-                  <a:lumMod val="75000"/>
-                </a:schemeClr>
-              </a:solidFill>
-            </a:endParaRPr>
+            <a:endParaRPr lang="en-IN" sz="3600" b="1" dirty="0"/>
           </a:p>
         </p:txBody>
       </p:sp>
@@ -20818,9 +21246,18 @@
   <p:clrMapOvr>
     <a:masterClrMapping/>
   </p:clrMapOvr>
-  <p:transition spd="slow">
-    <p:push dir="u"/>
-  </p:transition>
+  <mc:AlternateContent xmlns:mc="http://schemas.openxmlformats.org/markup-compatibility/2006">
+    <mc:Choice xmlns:p14="http://schemas.microsoft.com/office/powerpoint/2010/main" Requires="p14">
+      <p:transition p14:dur="100">
+        <p:cut/>
+      </p:transition>
+    </mc:Choice>
+    <mc:Fallback>
+      <p:transition>
+        <p:cut/>
+      </p:transition>
+    </mc:Fallback>
+  </mc:AlternateContent>
 </p:sld>
 </file>
 
@@ -20893,18 +21330,14 @@
         </p:nvSpPr>
         <p:spPr/>
         <p:txBody>
-          <a:bodyPr/>
+          <a:bodyPr>
+            <a:normAutofit/>
+          </a:bodyPr>
           <a:lstStyle/>
           <a:p>
             <a:pPr algn="ctr"/>
             <a:r>
-              <a:rPr lang="en-IN" b="1" dirty="0">
-                <a:solidFill>
-                  <a:schemeClr val="accent6">
-                    <a:lumMod val="75000"/>
-                  </a:schemeClr>
-                </a:solidFill>
-              </a:rPr>
+              <a:rPr lang="en-IN" sz="3600" b="1" dirty="0"/>
               <a:t>Template Engines</a:t>
             </a:r>
           </a:p>
@@ -21036,9 +21469,18 @@
   <p:clrMapOvr>
     <a:masterClrMapping/>
   </p:clrMapOvr>
-  <p:transition spd="slow">
-    <p:push dir="u"/>
-  </p:transition>
+  <mc:AlternateContent xmlns:mc="http://schemas.openxmlformats.org/markup-compatibility/2006">
+    <mc:Choice xmlns:p14="http://schemas.microsoft.com/office/powerpoint/2010/main" Requires="p14">
+      <p:transition p14:dur="100">
+        <p:cut/>
+      </p:transition>
+    </mc:Choice>
+    <mc:Fallback>
+      <p:transition>
+        <p:cut/>
+      </p:transition>
+    </mc:Fallback>
+  </mc:AlternateContent>
 </p:sld>
 </file>
 
@@ -21111,18 +21553,14 @@
         </p:nvSpPr>
         <p:spPr/>
         <p:txBody>
-          <a:bodyPr/>
+          <a:bodyPr>
+            <a:normAutofit/>
+          </a:bodyPr>
           <a:lstStyle/>
           <a:p>
             <a:pPr algn="ctr"/>
             <a:r>
-              <a:rPr lang="en-IN" b="1" dirty="0">
-                <a:solidFill>
-                  <a:schemeClr val="accent6">
-                    <a:lumMod val="75000"/>
-                  </a:schemeClr>
-                </a:solidFill>
-              </a:rPr>
+              <a:rPr lang="en-IN" sz="3600" b="1" dirty="0"/>
               <a:t>Pug Template Engine</a:t>
             </a:r>
           </a:p>
@@ -21341,9 +21779,18 @@
   <p:clrMapOvr>
     <a:masterClrMapping/>
   </p:clrMapOvr>
-  <p:transition spd="slow">
-    <p:push dir="u"/>
-  </p:transition>
+  <mc:AlternateContent xmlns:mc="http://schemas.openxmlformats.org/markup-compatibility/2006">
+    <mc:Choice xmlns:p14="http://schemas.microsoft.com/office/powerpoint/2010/main" Requires="p14">
+      <p:transition p14:dur="100">
+        <p:cut/>
+      </p:transition>
+    </mc:Choice>
+    <mc:Fallback>
+      <p:transition>
+        <p:cut/>
+      </p:transition>
+    </mc:Fallback>
+  </mc:AlternateContent>
 </p:sld>
 </file>
 
@@ -21416,17 +21863,15 @@
         </p:nvSpPr>
         <p:spPr/>
         <p:txBody>
-          <a:bodyPr/>
+          <a:bodyPr>
+            <a:normAutofit/>
+          </a:bodyPr>
           <a:lstStyle/>
           <a:p>
             <a:pPr algn="ctr"/>
             <a:r>
-              <a:rPr lang="en-IN" b="1" dirty="0">
-                <a:solidFill>
-                  <a:schemeClr val="accent6"/>
-                </a:solidFill>
-              </a:rPr>
-              <a:t>Database integration</a:t>
+              <a:rPr lang="en-IN" sz="3600" b="1" dirty="0"/>
+              <a:t>Database Integration</a:t>
             </a:r>
           </a:p>
         </p:txBody>
@@ -21493,9 +21938,18 @@
   <p:clrMapOvr>
     <a:masterClrMapping/>
   </p:clrMapOvr>
-  <p:transition spd="slow">
-    <p:push dir="u"/>
-  </p:transition>
+  <mc:AlternateContent xmlns:mc="http://schemas.openxmlformats.org/markup-compatibility/2006">
+    <mc:Choice xmlns:p14="http://schemas.microsoft.com/office/powerpoint/2010/main" Requires="p14">
+      <p:transition p14:dur="100">
+        <p:cut/>
+      </p:transition>
+    </mc:Choice>
+    <mc:Fallback>
+      <p:transition>
+        <p:cut/>
+      </p:transition>
+    </mc:Fallback>
+  </mc:AlternateContent>
 </p:sld>
 </file>
 
@@ -21568,16 +22022,14 @@
         </p:nvSpPr>
         <p:spPr/>
         <p:txBody>
-          <a:bodyPr/>
+          <a:bodyPr>
+            <a:normAutofit/>
+          </a:bodyPr>
           <a:lstStyle/>
           <a:p>
             <a:pPr algn="ctr"/>
             <a:r>
-              <a:rPr lang="en-IN" b="1" dirty="0">
-                <a:solidFill>
-                  <a:schemeClr val="accent6"/>
-                </a:solidFill>
-              </a:rPr>
+              <a:rPr lang="en-IN" sz="3600" b="1" dirty="0"/>
               <a:t>Express MVC</a:t>
             </a:r>
           </a:p>
@@ -21641,9 +22093,18 @@
   <p:clrMapOvr>
     <a:masterClrMapping/>
   </p:clrMapOvr>
-  <p:transition spd="slow">
-    <p:push dir="u"/>
-  </p:transition>
+  <mc:AlternateContent xmlns:mc="http://schemas.openxmlformats.org/markup-compatibility/2006">
+    <mc:Choice xmlns:p14="http://schemas.microsoft.com/office/powerpoint/2010/main" Requires="p14">
+      <p:transition p14:dur="100">
+        <p:cut/>
+      </p:transition>
+    </mc:Choice>
+    <mc:Fallback>
+      <p:transition>
+        <p:cut/>
+      </p:transition>
+    </mc:Fallback>
+  </mc:AlternateContent>
 </p:sld>
 </file>
 
@@ -21914,9 +22375,18 @@
   <p:clrMapOvr>
     <a:overrideClrMapping bg1="dk1" tx1="lt1" bg2="dk2" tx2="lt2" accent1="accent1" accent2="accent2" accent3="accent3" accent4="accent4" accent5="accent5" accent6="accent6" hlink="hlink" folHlink="folHlink"/>
   </p:clrMapOvr>
-  <p:transition spd="slow">
-    <p:push dir="u"/>
-  </p:transition>
+  <mc:AlternateContent xmlns:mc="http://schemas.openxmlformats.org/markup-compatibility/2006">
+    <mc:Choice xmlns:p14="http://schemas.microsoft.com/office/powerpoint/2010/main" Requires="p14">
+      <p:transition p14:dur="100">
+        <p:cut/>
+      </p:transition>
+    </mc:Choice>
+    <mc:Fallback>
+      <p:transition>
+        <p:cut/>
+      </p:transition>
+    </mc:Fallback>
+  </mc:AlternateContent>
 </p:sld>
 </file>
 
@@ -21994,23 +22464,17 @@
           </a:xfrm>
         </p:spPr>
         <p:txBody>
-          <a:bodyPr/>
+          <a:bodyPr>
+            <a:normAutofit/>
+          </a:bodyPr>
           <a:lstStyle/>
           <a:p>
             <a:pPr algn="ctr"/>
             <a:r>
-              <a:rPr lang="en-US" b="1" dirty="0">
-                <a:solidFill>
-                  <a:schemeClr val="accent6"/>
-                </a:solidFill>
-              </a:rPr>
+              <a:rPr lang="en-US" sz="3600" b="1" dirty="0"/>
               <a:t>Asynchronous Code</a:t>
             </a:r>
-            <a:endParaRPr lang="en-IN" b="1" dirty="0">
-              <a:solidFill>
-                <a:schemeClr val="accent6"/>
-              </a:solidFill>
-            </a:endParaRPr>
+            <a:endParaRPr lang="en-IN" sz="3600" b="1" dirty="0"/>
           </a:p>
         </p:txBody>
       </p:sp>
@@ -22048,7 +22512,7 @@
             </a:br>
             <a:r>
               <a:rPr lang="en-US" dirty="0">
-                <a:hlinkClick r:id="rId2" action="ppaction://hlinkfile"/>
+                <a:hlinkClick r:id="rId2"/>
               </a:rPr>
               <a:t>sync_async.js</a:t>
             </a:r>
@@ -22066,9 +22530,18 @@
   <p:clrMapOvr>
     <a:masterClrMapping/>
   </p:clrMapOvr>
-  <p:transition spd="slow">
-    <p:push dir="u"/>
-  </p:transition>
+  <mc:AlternateContent xmlns:mc="http://schemas.openxmlformats.org/markup-compatibility/2006">
+    <mc:Choice xmlns:p14="http://schemas.microsoft.com/office/powerpoint/2010/main" Requires="p14">
+      <p:transition p14:dur="100">
+        <p:cut/>
+      </p:transition>
+    </mc:Choice>
+    <mc:Fallback>
+      <p:transition>
+        <p:cut/>
+      </p:transition>
+    </mc:Fallback>
+  </mc:AlternateContent>
 </p:sld>
 </file>
 
@@ -22141,15 +22614,17 @@
         </p:nvSpPr>
         <p:spPr/>
         <p:txBody>
-          <a:bodyPr/>
+          <a:bodyPr>
+            <a:normAutofit/>
+          </a:bodyPr>
           <a:lstStyle/>
           <a:p>
             <a:pPr algn="ctr"/>
             <a:r>
-              <a:rPr lang="en-US" dirty="0"/>
+              <a:rPr lang="en-US" sz="3600" b="1" dirty="0"/>
               <a:t>Event loop</a:t>
             </a:r>
-            <a:endParaRPr lang="en-IN" dirty="0"/>
+            <a:endParaRPr lang="en-IN" sz="3600" b="1" dirty="0"/>
           </a:p>
         </p:txBody>
       </p:sp>
@@ -22198,9 +22673,18 @@
   <p:clrMapOvr>
     <a:masterClrMapping/>
   </p:clrMapOvr>
-  <p:transition spd="slow">
-    <p:push dir="u"/>
-  </p:transition>
+  <mc:AlternateContent xmlns:mc="http://schemas.openxmlformats.org/markup-compatibility/2006">
+    <mc:Choice xmlns:p14="http://schemas.microsoft.com/office/powerpoint/2010/main" Requires="p14">
+      <p:transition p14:dur="100">
+        <p:cut/>
+      </p:transition>
+    </mc:Choice>
+    <mc:Fallback>
+      <p:transition>
+        <p:cut/>
+      </p:transition>
+    </mc:Fallback>
+  </mc:AlternateContent>
 </p:sld>
 </file>
 
@@ -22278,22 +22762,16 @@
           </a:xfrm>
         </p:spPr>
         <p:txBody>
-          <a:bodyPr/>
+          <a:bodyPr>
+            <a:normAutofit/>
+          </a:bodyPr>
           <a:lstStyle/>
           <a:p>
             <a:r>
-              <a:rPr lang="en-US" b="1" dirty="0">
-                <a:solidFill>
-                  <a:schemeClr val="accent6"/>
-                </a:solidFill>
-              </a:rPr>
+              <a:rPr lang="en-US" sz="3600" b="1" dirty="0"/>
               <a:t>Async patterns</a:t>
             </a:r>
-            <a:endParaRPr lang="en-IN" b="1" dirty="0">
-              <a:solidFill>
-                <a:schemeClr val="accent6"/>
-              </a:solidFill>
-            </a:endParaRPr>
+            <a:endParaRPr lang="en-IN" sz="3600" b="1" dirty="0"/>
           </a:p>
         </p:txBody>
       </p:sp>
@@ -22331,7 +22809,7 @@
             </a:br>
             <a:r>
               <a:rPr lang="en-US" dirty="0">
-                <a:hlinkClick r:id="rId2" action="ppaction://hlinkfile"/>
+                <a:hlinkClick r:id="rId2"/>
               </a:rPr>
               <a:t>async_patterns.js</a:t>
             </a:r>
@@ -22396,9 +22874,18 @@
   <p:clrMapOvr>
     <a:masterClrMapping/>
   </p:clrMapOvr>
-  <p:transition spd="slow">
-    <p:push dir="u"/>
-  </p:transition>
+  <mc:AlternateContent xmlns:mc="http://schemas.openxmlformats.org/markup-compatibility/2006">
+    <mc:Choice xmlns:p14="http://schemas.microsoft.com/office/powerpoint/2010/main" Requires="p14">
+      <p:transition p14:dur="100">
+        <p:cut/>
+      </p:transition>
+    </mc:Choice>
+    <mc:Fallback>
+      <p:transition>
+        <p:cut/>
+      </p:transition>
+    </mc:Fallback>
+  </mc:AlternateContent>
 </p:sld>
 </file>
 
@@ -22476,22 +22963,16 @@
           </a:xfrm>
         </p:spPr>
         <p:txBody>
-          <a:bodyPr/>
+          <a:bodyPr>
+            <a:normAutofit/>
+          </a:bodyPr>
           <a:lstStyle/>
           <a:p>
             <a:r>
-              <a:rPr lang="en-US" b="1" dirty="0">
-                <a:solidFill>
-                  <a:schemeClr val="accent6"/>
-                </a:solidFill>
-              </a:rPr>
+              <a:rPr lang="en-US" sz="3600" b="1" dirty="0"/>
               <a:t>Callbacks</a:t>
             </a:r>
-            <a:endParaRPr lang="en-IN" b="1" dirty="0">
-              <a:solidFill>
-                <a:schemeClr val="accent6"/>
-              </a:solidFill>
-            </a:endParaRPr>
+            <a:endParaRPr lang="en-IN" sz="3600" b="1" dirty="0"/>
           </a:p>
         </p:txBody>
       </p:sp>
@@ -22536,7 +23017,7 @@
             </a:br>
             <a:r>
               <a:rPr lang="en-US" dirty="0">
-                <a:hlinkClick r:id="rId2" action="ppaction://hlinkfile"/>
+                <a:hlinkClick r:id="rId2"/>
               </a:rPr>
               <a:t>callbacks.js</a:t>
             </a:r>
@@ -22566,9 +23047,18 @@
   <p:clrMapOvr>
     <a:masterClrMapping/>
   </p:clrMapOvr>
-  <p:transition spd="slow">
-    <p:push dir="u"/>
-  </p:transition>
+  <mc:AlternateContent xmlns:mc="http://schemas.openxmlformats.org/markup-compatibility/2006">
+    <mc:Choice xmlns:p14="http://schemas.microsoft.com/office/powerpoint/2010/main" Requires="p14">
+      <p:transition p14:dur="100">
+        <p:cut/>
+      </p:transition>
+    </mc:Choice>
+    <mc:Fallback>
+      <p:transition>
+        <p:cut/>
+      </p:transition>
+    </mc:Fallback>
+  </mc:AlternateContent>
 </p:sld>
 </file>
 
@@ -22646,22 +23136,16 @@
           </a:xfrm>
         </p:spPr>
         <p:txBody>
-          <a:bodyPr/>
+          <a:bodyPr>
+            <a:normAutofit/>
+          </a:bodyPr>
           <a:lstStyle/>
           <a:p>
             <a:r>
-              <a:rPr lang="en-US" b="1" dirty="0">
-                <a:solidFill>
-                  <a:schemeClr val="accent6"/>
-                </a:solidFill>
-              </a:rPr>
+              <a:rPr lang="en-US" sz="3600" b="1" dirty="0"/>
               <a:t>Callback Hell</a:t>
             </a:r>
-            <a:endParaRPr lang="en-IN" b="1" dirty="0">
-              <a:solidFill>
-                <a:schemeClr val="accent6"/>
-              </a:solidFill>
-            </a:endParaRPr>
+            <a:endParaRPr lang="en-IN" sz="3600" b="1" dirty="0"/>
           </a:p>
         </p:txBody>
       </p:sp>
@@ -22699,7 +23183,7 @@
             </a:br>
             <a:r>
               <a:rPr lang="en-US" dirty="0">
-                <a:hlinkClick r:id="rId2" action="ppaction://hlinkfile"/>
+                <a:hlinkClick r:id="rId2"/>
               </a:rPr>
               <a:t>callback_hell.js</a:t>
             </a:r>
@@ -22729,9 +23213,18 @@
   <p:clrMapOvr>
     <a:masterClrMapping/>
   </p:clrMapOvr>
-  <p:transition spd="slow">
-    <p:push dir="u"/>
-  </p:transition>
+  <mc:AlternateContent xmlns:mc="http://schemas.openxmlformats.org/markup-compatibility/2006">
+    <mc:Choice xmlns:p14="http://schemas.microsoft.com/office/powerpoint/2010/main" Requires="p14">
+      <p:transition p14:dur="100">
+        <p:cut/>
+      </p:transition>
+    </mc:Choice>
+    <mc:Fallback>
+      <p:transition>
+        <p:cut/>
+      </p:transition>
+    </mc:Fallback>
+  </mc:AlternateContent>
 </p:sld>
 </file>
 
@@ -22846,24 +23339,16 @@
         </p:spPr>
         <p:txBody>
           <a:bodyPr>
-            <a:normAutofit fontScale="90000"/>
+            <a:noAutofit/>
           </a:bodyPr>
           <a:lstStyle/>
           <a:p>
             <a:pPr algn="ctr"/>
             <a:r>
-              <a:rPr lang="en-US" b="1" dirty="0">
-                <a:solidFill>
-                  <a:schemeClr val="accent6"/>
-                </a:solidFill>
-              </a:rPr>
+              <a:rPr lang="en-US" sz="3600" b="1" dirty="0"/>
               <a:t>Promises</a:t>
             </a:r>
-            <a:endParaRPr lang="en-IN" b="1" dirty="0">
-              <a:solidFill>
-                <a:schemeClr val="accent6"/>
-              </a:solidFill>
-            </a:endParaRPr>
+            <a:endParaRPr lang="en-IN" sz="3600" b="1" dirty="0"/>
           </a:p>
         </p:txBody>
       </p:sp>
@@ -22998,7 +23483,7 @@
           <a:p>
             <a:r>
               <a:rPr lang="en-US" dirty="0">
-                <a:hlinkClick r:id="rId3" action="ppaction://hlinkfile"/>
+                <a:hlinkClick r:id="rId4"/>
               </a:rPr>
               <a:t>promise.js</a:t>
             </a:r>
@@ -23031,9 +23516,18 @@
   <p:clrMapOvr>
     <a:masterClrMapping/>
   </p:clrMapOvr>
-  <p:transition spd="slow">
-    <p:push dir="u"/>
-  </p:transition>
+  <mc:AlternateContent xmlns:mc="http://schemas.openxmlformats.org/markup-compatibility/2006">
+    <mc:Choice xmlns:p14="http://schemas.microsoft.com/office/powerpoint/2010/main" Requires="p14">
+      <p:transition p14:dur="100">
+        <p:cut/>
+      </p:transition>
+    </mc:Choice>
+    <mc:Fallback>
+      <p:transition>
+        <p:cut/>
+      </p:transition>
+    </mc:Fallback>
+  </mc:AlternateContent>
 </p:sld>
 </file>
 
@@ -23131,84 +23625,24 @@
               </a:rPr>
             </a:br>
             <a:r>
-              <a:rPr lang="en-US" sz="6700" b="1" dirty="0">
-                <a:solidFill>
-                  <a:schemeClr val="accent6"/>
-                </a:solidFill>
-              </a:rPr>
-              <a:t>Replacing</a:t>
-            </a:r>
-            <a:r>
-              <a:rPr lang="en-US" dirty="0"/>
-              <a:t> </a:t>
-            </a:r>
-            <a:r>
-              <a:rPr lang="en-US" sz="6700" b="1" dirty="0">
-                <a:solidFill>
-                  <a:schemeClr val="accent6"/>
-                </a:solidFill>
-              </a:rPr>
-              <a:t>Callbacks</a:t>
-            </a:r>
-            <a:r>
-              <a:rPr lang="en-US" dirty="0"/>
-              <a:t> </a:t>
-            </a:r>
-            <a:r>
-              <a:rPr lang="en-US" sz="6700" b="1" dirty="0">
-                <a:solidFill>
-                  <a:schemeClr val="accent6"/>
-                </a:solidFill>
-              </a:rPr>
-              <a:t>with</a:t>
-            </a:r>
-            <a:r>
-              <a:rPr lang="en-US" dirty="0"/>
-              <a:t> </a:t>
-            </a:r>
-            <a:r>
-              <a:rPr lang="en-US" sz="6700" b="1" dirty="0">
-                <a:solidFill>
-                  <a:schemeClr val="accent6"/>
-                </a:solidFill>
-              </a:rPr>
-              <a:t>Promises</a:t>
+              <a:rPr lang="en-US" sz="4000" b="1" dirty="0"/>
+              <a:t>Replacing Callbacks with Promises</a:t>
             </a:r>
             <a:br>
-              <a:rPr lang="en-US" sz="6700" b="1" dirty="0">
-                <a:solidFill>
-                  <a:schemeClr val="accent6"/>
-                </a:solidFill>
-              </a:rPr>
+              <a:rPr lang="en-US" sz="4000" b="1" dirty="0"/>
             </a:br>
             <a:r>
-              <a:rPr lang="en-US" sz="6700" b="1" dirty="0">
-                <a:solidFill>
-                  <a:schemeClr val="accent6"/>
-                </a:solidFill>
-              </a:rPr>
+              <a:rPr lang="en-US" sz="4000" b="1" dirty="0"/>
               <a:t>And </a:t>
             </a:r>
             <a:br>
-              <a:rPr lang="en-US" sz="6700" b="1" dirty="0">
-                <a:solidFill>
-                  <a:schemeClr val="accent6"/>
-                </a:solidFill>
-              </a:rPr>
+              <a:rPr lang="en-US" sz="4000" b="1" dirty="0"/>
             </a:br>
             <a:r>
-              <a:rPr lang="en-US" sz="6700" b="1" dirty="0">
-                <a:solidFill>
-                  <a:schemeClr val="accent6"/>
-                </a:solidFill>
-              </a:rPr>
+              <a:rPr lang="en-US" sz="4000" b="1" dirty="0"/>
               <a:t>Consuming Promise</a:t>
             </a:r>
-            <a:endParaRPr lang="en-IN" sz="6700" b="1" dirty="0">
-              <a:solidFill>
-                <a:schemeClr val="accent6"/>
-              </a:solidFill>
-            </a:endParaRPr>
+            <a:endParaRPr lang="en-IN" sz="4000" b="1" dirty="0"/>
           </a:p>
         </p:txBody>
       </p:sp>
@@ -23246,7 +23680,7 @@
             </a:br>
             <a:r>
               <a:rPr lang="en-US" dirty="0">
-                <a:hlinkClick r:id="rId2" action="ppaction://hlinkfile"/>
+                <a:hlinkClick r:id="rId2"/>
               </a:rPr>
               <a:t>calllback_to_promise.js</a:t>
             </a:r>
@@ -23276,9 +23710,18 @@
   <p:clrMapOvr>
     <a:masterClrMapping/>
   </p:clrMapOvr>
-  <p:transition spd="slow">
-    <p:push dir="u"/>
-  </p:transition>
+  <mc:AlternateContent xmlns:mc="http://schemas.openxmlformats.org/markup-compatibility/2006">
+    <mc:Choice xmlns:p14="http://schemas.microsoft.com/office/powerpoint/2010/main" Requires="p14">
+      <p:transition p14:dur="100">
+        <p:cut/>
+      </p:transition>
+    </mc:Choice>
+    <mc:Fallback>
+      <p:transition>
+        <p:cut/>
+      </p:transition>
+    </mc:Fallback>
+  </mc:AlternateContent>
 </p:sld>
 </file>
 
@@ -23352,7 +23795,7 @@
         <p:spPr>
           <a:xfrm>
             <a:off x="355107" y="1122363"/>
-            <a:ext cx="11674136" cy="1754002"/>
+            <a:ext cx="11674136" cy="928380"/>
           </a:xfrm>
         </p:spPr>
         <p:txBody>
@@ -23368,26 +23811,11 @@
                 </a:solidFill>
               </a:rPr>
             </a:br>
-            <a:br>
-              <a:rPr lang="en-US" sz="6700" b="1" dirty="0">
-                <a:solidFill>
-                  <a:schemeClr val="accent6"/>
-                </a:solidFill>
-              </a:rPr>
-            </a:br>
-            <a:r>
-              <a:rPr lang="en-US" sz="6700" b="1" dirty="0">
-                <a:solidFill>
-                  <a:schemeClr val="accent6"/>
-                </a:solidFill>
-              </a:rPr>
+            <a:r>
+              <a:rPr lang="en-US" sz="4000" b="1" dirty="0"/>
               <a:t>Running Parallel Promises</a:t>
             </a:r>
-            <a:endParaRPr lang="en-IN" sz="6700" b="1" dirty="0">
-              <a:solidFill>
-                <a:schemeClr val="accent6"/>
-              </a:solidFill>
-            </a:endParaRPr>
+            <a:endParaRPr lang="en-IN" sz="4000" b="1" dirty="0"/>
           </a:p>
         </p:txBody>
       </p:sp>
@@ -23425,7 +23853,7 @@
             </a:br>
             <a:r>
               <a:rPr lang="en-US" dirty="0">
-                <a:hlinkClick r:id="rId2" action="ppaction://hlinkfile"/>
+                <a:hlinkClick r:id="rId2"/>
               </a:rPr>
               <a:t>multi_promises.js</a:t>
             </a:r>
@@ -23455,9 +23883,18 @@
   <p:clrMapOvr>
     <a:masterClrMapping/>
   </p:clrMapOvr>
-  <p:transition spd="slow">
-    <p:push dir="u"/>
-  </p:transition>
+  <mc:AlternateContent xmlns:mc="http://schemas.openxmlformats.org/markup-compatibility/2006">
+    <mc:Choice xmlns:p14="http://schemas.microsoft.com/office/powerpoint/2010/main" Requires="p14">
+      <p:transition p14:dur="100">
+        <p:cut/>
+      </p:transition>
+    </mc:Choice>
+    <mc:Fallback>
+      <p:transition>
+        <p:cut/>
+      </p:transition>
+    </mc:Fallback>
+  </mc:AlternateContent>
 </p:sld>
 </file>
 
@@ -23531,7 +23968,7 @@
         <p:spPr>
           <a:xfrm>
             <a:off x="355107" y="1122363"/>
-            <a:ext cx="11674136" cy="1754002"/>
+            <a:ext cx="11674136" cy="795214"/>
           </a:xfrm>
         </p:spPr>
         <p:txBody>
@@ -23555,18 +23992,10 @@
               </a:rPr>
             </a:br>
             <a:r>
-              <a:rPr lang="en-US" sz="6700" b="1" dirty="0">
-                <a:solidFill>
-                  <a:schemeClr val="accent6"/>
-                </a:solidFill>
-              </a:rPr>
+              <a:rPr lang="en-US" sz="4000" b="1" dirty="0"/>
               <a:t>Async and Await</a:t>
             </a:r>
-            <a:endParaRPr lang="en-IN" sz="6700" b="1" dirty="0">
-              <a:solidFill>
-                <a:schemeClr val="accent6"/>
-              </a:solidFill>
-            </a:endParaRPr>
+            <a:endParaRPr lang="en-IN" sz="4000" b="1" dirty="0"/>
           </a:p>
         </p:txBody>
       </p:sp>
@@ -23617,14 +24046,14 @@
           <a:p>
             <a:pPr algn="l"/>
             <a:endParaRPr lang="en-US" dirty="0">
-              <a:hlinkClick r:id="rId2" action="ppaction://hlinkfile"/>
+              <a:hlinkClick r:id="rId2"/>
             </a:endParaRPr>
           </a:p>
           <a:p>
             <a:pPr algn="l"/>
             <a:r>
               <a:rPr lang="en-US" dirty="0">
-                <a:hlinkClick r:id="rId2" action="ppaction://hlinkfile"/>
+                <a:hlinkClick r:id="rId2"/>
               </a:rPr>
               <a:t>async_await.js</a:t>
             </a:r>
@@ -23654,9 +24083,18 @@
   <p:clrMapOvr>
     <a:masterClrMapping/>
   </p:clrMapOvr>
-  <p:transition spd="slow">
-    <p:push dir="u"/>
-  </p:transition>
+  <mc:AlternateContent xmlns:mc="http://schemas.openxmlformats.org/markup-compatibility/2006">
+    <mc:Choice xmlns:p14="http://schemas.microsoft.com/office/powerpoint/2010/main" Requires="p14">
+      <p:transition p14:dur="100">
+        <p:cut/>
+      </p:transition>
+    </mc:Choice>
+    <mc:Fallback>
+      <p:transition>
+        <p:cut/>
+      </p:transition>
+    </mc:Fallback>
+  </mc:AlternateContent>
 </p:sld>
 </file>
 
@@ -23927,9 +24365,18 @@
   <p:clrMapOvr>
     <a:overrideClrMapping bg1="dk1" tx1="lt1" bg2="dk2" tx2="lt2" accent1="accent1" accent2="accent2" accent3="accent3" accent4="accent4" accent5="accent5" accent6="accent6" hlink="hlink" folHlink="folHlink"/>
   </p:clrMapOvr>
-  <p:transition spd="slow">
-    <p:push dir="u"/>
-  </p:transition>
+  <mc:AlternateContent xmlns:mc="http://schemas.openxmlformats.org/markup-compatibility/2006">
+    <mc:Choice xmlns:p14="http://schemas.microsoft.com/office/powerpoint/2010/main" Requires="p14">
+      <p:transition p14:dur="100">
+        <p:cut/>
+      </p:transition>
+    </mc:Choice>
+    <mc:Fallback>
+      <p:transition>
+        <p:cut/>
+      </p:transition>
+    </mc:Fallback>
+  </mc:AlternateContent>
 </p:sld>
 </file>
 
@@ -24002,16 +24449,14 @@
         </p:nvSpPr>
         <p:spPr/>
         <p:txBody>
-          <a:bodyPr/>
+          <a:bodyPr>
+            <a:normAutofit/>
+          </a:bodyPr>
           <a:lstStyle/>
           <a:p>
             <a:pPr algn="ctr"/>
             <a:r>
-              <a:rPr lang="en-IN" b="1" dirty="0">
-                <a:solidFill>
-                  <a:schemeClr val="accent6"/>
-                </a:solidFill>
-              </a:rPr>
+              <a:rPr lang="en-IN" sz="3600" b="1" dirty="0"/>
               <a:t>What is MongoDB ?</a:t>
             </a:r>
           </a:p>
@@ -24126,9 +24571,18 @@
   <p:clrMapOvr>
     <a:masterClrMapping/>
   </p:clrMapOvr>
-  <p:transition spd="slow">
-    <p:push dir="u"/>
-  </p:transition>
+  <mc:AlternateContent xmlns:mc="http://schemas.openxmlformats.org/markup-compatibility/2006">
+    <mc:Choice xmlns:p14="http://schemas.microsoft.com/office/powerpoint/2010/main" Requires="p14">
+      <p:transition p14:dur="100">
+        <p:cut/>
+      </p:transition>
+    </mc:Choice>
+    <mc:Fallback>
+      <p:transition>
+        <p:cut/>
+      </p:transition>
+    </mc:Fallback>
+  </mc:AlternateContent>
 </p:sld>
 </file>
 
@@ -24208,11 +24662,7 @@
           <a:p>
             <a:pPr algn="ctr"/>
             <a:r>
-              <a:rPr lang="en-IN" b="1" dirty="0">
-                <a:solidFill>
-                  <a:schemeClr val="accent6"/>
-                </a:solidFill>
-              </a:rPr>
+              <a:rPr lang="en-IN" sz="3600" b="1" dirty="0"/>
               <a:t>Collections</a:t>
             </a:r>
           </a:p>
@@ -24287,9 +24737,18 @@
   <p:clrMapOvr>
     <a:masterClrMapping/>
   </p:clrMapOvr>
-  <p:transition spd="slow">
-    <p:push dir="u"/>
-  </p:transition>
+  <mc:AlternateContent xmlns:mc="http://schemas.openxmlformats.org/markup-compatibility/2006">
+    <mc:Choice xmlns:p14="http://schemas.microsoft.com/office/powerpoint/2010/main" Requires="p14">
+      <p:transition p14:dur="100">
+        <p:cut/>
+      </p:transition>
+    </mc:Choice>
+    <mc:Fallback>
+      <p:transition>
+        <p:cut/>
+      </p:transition>
+    </mc:Fallback>
+  </mc:AlternateContent>
 </p:sld>
 </file>
 
@@ -24362,15 +24821,17 @@
         </p:nvSpPr>
         <p:spPr/>
         <p:txBody>
-          <a:bodyPr/>
+          <a:bodyPr>
+            <a:normAutofit/>
+          </a:bodyPr>
           <a:lstStyle/>
           <a:p>
             <a:pPr algn="ctr"/>
             <a:r>
-              <a:rPr lang="en-US" dirty="0"/>
+              <a:rPr lang="en-US" sz="3600" b="1" dirty="0"/>
               <a:t>Installing Node JS</a:t>
             </a:r>
-            <a:endParaRPr lang="en-IN" dirty="0"/>
+            <a:endParaRPr lang="en-IN" sz="3600" b="1" dirty="0"/>
           </a:p>
         </p:txBody>
       </p:sp>
@@ -24434,9 +24895,18 @@
   <p:clrMapOvr>
     <a:masterClrMapping/>
   </p:clrMapOvr>
-  <p:transition spd="slow">
-    <p:push dir="u"/>
-  </p:transition>
+  <mc:AlternateContent xmlns:mc="http://schemas.openxmlformats.org/markup-compatibility/2006">
+    <mc:Choice xmlns:p14="http://schemas.microsoft.com/office/powerpoint/2010/main" Requires="p14">
+      <p:transition p14:dur="100">
+        <p:cut/>
+      </p:transition>
+    </mc:Choice>
+    <mc:Fallback>
+      <p:transition>
+        <p:cut/>
+      </p:transition>
+    </mc:Fallback>
+  </mc:AlternateContent>
 </p:sld>
 </file>
 
@@ -24516,11 +24986,7 @@
           <a:p>
             <a:pPr algn="ctr"/>
             <a:r>
-              <a:rPr lang="en-IN" b="1" dirty="0">
-                <a:solidFill>
-                  <a:schemeClr val="accent6"/>
-                </a:solidFill>
-              </a:rPr>
+              <a:rPr lang="en-IN" sz="3600" b="1" dirty="0"/>
               <a:t>Documents</a:t>
             </a:r>
           </a:p>
@@ -24644,9 +25110,18 @@
   <p:clrMapOvr>
     <a:masterClrMapping/>
   </p:clrMapOvr>
-  <p:transition spd="slow">
-    <p:push dir="u"/>
-  </p:transition>
+  <mc:AlternateContent xmlns:mc="http://schemas.openxmlformats.org/markup-compatibility/2006">
+    <mc:Choice xmlns:p14="http://schemas.microsoft.com/office/powerpoint/2010/main" Requires="p14">
+      <p:transition p14:dur="100">
+        <p:cut/>
+      </p:transition>
+    </mc:Choice>
+    <mc:Fallback>
+      <p:transition>
+        <p:cut/>
+      </p:transition>
+    </mc:Fallback>
+  </mc:AlternateContent>
 </p:sld>
 </file>
 
@@ -24726,11 +25201,7 @@
           <a:p>
             <a:pPr algn="ctr"/>
             <a:r>
-              <a:rPr lang="en-IN" b="1" dirty="0">
-                <a:solidFill>
-                  <a:schemeClr val="accent6"/>
-                </a:solidFill>
-              </a:rPr>
+              <a:rPr lang="en-IN" sz="3600" b="1" dirty="0"/>
               <a:t>Mongoose</a:t>
             </a:r>
           </a:p>
@@ -24805,9 +25276,18 @@
   <p:clrMapOvr>
     <a:masterClrMapping/>
   </p:clrMapOvr>
-  <p:transition spd="slow">
-    <p:push dir="u"/>
-  </p:transition>
+  <mc:AlternateContent xmlns:mc="http://schemas.openxmlformats.org/markup-compatibility/2006">
+    <mc:Choice xmlns:p14="http://schemas.microsoft.com/office/powerpoint/2010/main" Requires="p14">
+      <p:transition p14:dur="100">
+        <p:cut/>
+      </p:transition>
+    </mc:Choice>
+    <mc:Fallback>
+      <p:transition>
+        <p:cut/>
+      </p:transition>
+    </mc:Fallback>
+  </mc:AlternateContent>
 </p:sld>
 </file>
 
@@ -24880,35 +25360,17 @@
         </p:nvSpPr>
         <p:spPr/>
         <p:txBody>
-          <a:bodyPr/>
+          <a:bodyPr>
+            <a:normAutofit/>
+          </a:bodyPr>
           <a:lstStyle/>
           <a:p>
             <a:pPr algn="ctr"/>
             <a:r>
-              <a:rPr lang="en-US" b="1" dirty="0">
-                <a:solidFill>
-                  <a:schemeClr val="accent6"/>
-                </a:solidFill>
-              </a:rPr>
-              <a:t>Connecting</a:t>
-            </a:r>
-            <a:r>
-              <a:rPr lang="en-US" b="1" dirty="0"/>
-              <a:t> </a:t>
-            </a:r>
-            <a:r>
-              <a:rPr lang="en-US" b="1" dirty="0">
-                <a:solidFill>
-                  <a:schemeClr val="accent6"/>
-                </a:solidFill>
-              </a:rPr>
-              <a:t>MongoDB</a:t>
-            </a:r>
-            <a:endParaRPr lang="en-IN" b="1" dirty="0">
-              <a:solidFill>
-                <a:schemeClr val="accent6"/>
-              </a:solidFill>
-            </a:endParaRPr>
+              <a:rPr lang="en-US" sz="3600" b="1" dirty="0"/>
+              <a:t>Connecting MongoDB</a:t>
+            </a:r>
+            <a:endParaRPr lang="en-IN" sz="3600" b="1" dirty="0"/>
           </a:p>
         </p:txBody>
       </p:sp>
@@ -25101,9 +25563,18 @@
   <p:clrMapOvr>
     <a:masterClrMapping/>
   </p:clrMapOvr>
-  <p:transition spd="slow">
-    <p:push dir="u"/>
-  </p:transition>
+  <mc:AlternateContent xmlns:mc="http://schemas.openxmlformats.org/markup-compatibility/2006">
+    <mc:Choice xmlns:p14="http://schemas.microsoft.com/office/powerpoint/2010/main" Requires="p14">
+      <p:transition p14:dur="100">
+        <p:cut/>
+      </p:transition>
+    </mc:Choice>
+    <mc:Fallback>
+      <p:transition>
+        <p:cut/>
+      </p:transition>
+    </mc:Fallback>
+  </mc:AlternateContent>
 </p:sld>
 </file>
 
@@ -25176,16 +25647,14 @@
         </p:nvSpPr>
         <p:spPr/>
         <p:txBody>
-          <a:bodyPr/>
+          <a:bodyPr>
+            <a:normAutofit/>
+          </a:bodyPr>
           <a:lstStyle/>
           <a:p>
             <a:pPr algn="ctr"/>
             <a:r>
-              <a:rPr lang="en-IN" b="1" dirty="0">
-                <a:solidFill>
-                  <a:schemeClr val="accent6"/>
-                </a:solidFill>
-              </a:rPr>
+              <a:rPr lang="en-IN" sz="3600" b="1" dirty="0"/>
               <a:t>Schemas</a:t>
             </a:r>
           </a:p>
@@ -25289,9 +25758,18 @@
   <p:clrMapOvr>
     <a:masterClrMapping/>
   </p:clrMapOvr>
-  <p:transition spd="slow">
-    <p:push dir="u"/>
-  </p:transition>
+  <mc:AlternateContent xmlns:mc="http://schemas.openxmlformats.org/markup-compatibility/2006">
+    <mc:Choice xmlns:p14="http://schemas.microsoft.com/office/powerpoint/2010/main" Requires="p14">
+      <p:transition p14:dur="100">
+        <p:cut/>
+      </p:transition>
+    </mc:Choice>
+    <mc:Fallback>
+      <p:transition>
+        <p:cut/>
+      </p:transition>
+    </mc:Fallback>
+  </mc:AlternateContent>
 </p:sld>
 </file>
 
@@ -25364,16 +25842,14 @@
         </p:nvSpPr>
         <p:spPr/>
         <p:txBody>
-          <a:bodyPr/>
+          <a:bodyPr>
+            <a:normAutofit/>
+          </a:bodyPr>
           <a:lstStyle/>
           <a:p>
             <a:pPr algn="ctr"/>
             <a:r>
-              <a:rPr lang="en-IN" b="1" dirty="0">
-                <a:solidFill>
-                  <a:schemeClr val="accent6"/>
-                </a:solidFill>
-              </a:rPr>
+              <a:rPr lang="en-IN" sz="3600" b="1" dirty="0"/>
               <a:t>Models</a:t>
             </a:r>
           </a:p>
@@ -25436,9 +25912,18 @@
   <p:clrMapOvr>
     <a:masterClrMapping/>
   </p:clrMapOvr>
-  <p:transition spd="slow">
-    <p:push dir="u"/>
-  </p:transition>
+  <mc:AlternateContent xmlns:mc="http://schemas.openxmlformats.org/markup-compatibility/2006">
+    <mc:Choice xmlns:p14="http://schemas.microsoft.com/office/powerpoint/2010/main" Requires="p14">
+      <p:transition p14:dur="100">
+        <p:cut/>
+      </p:transition>
+    </mc:Choice>
+    <mc:Fallback>
+      <p:transition>
+        <p:cut/>
+      </p:transition>
+    </mc:Fallback>
+  </mc:AlternateContent>
 </p:sld>
 </file>
 
@@ -25511,16 +25996,14 @@
         </p:nvSpPr>
         <p:spPr/>
         <p:txBody>
-          <a:bodyPr/>
+          <a:bodyPr>
+            <a:normAutofit/>
+          </a:bodyPr>
           <a:lstStyle/>
           <a:p>
             <a:pPr algn="ctr"/>
             <a:r>
-              <a:rPr lang="en-IN" b="1" dirty="0">
-                <a:solidFill>
-                  <a:schemeClr val="accent6"/>
-                </a:solidFill>
-              </a:rPr>
+              <a:rPr lang="en-IN" sz="3600" b="1" dirty="0"/>
               <a:t>CRUD using MongoDB</a:t>
             </a:r>
           </a:p>
@@ -25589,7 +26072,7 @@
                     <a:bodyPr/>
                     <a:lstStyle/>
                     <a:p>
-                      <a:endParaRPr lang="en-IN"/>
+                      <a:endParaRPr lang="en-IN" dirty="0"/>
                     </a:p>
                   </a:txBody>
                   <a:tcPr/>
@@ -26019,6 +26502,43 @@
           </a:graphicData>
         </a:graphic>
       </p:graphicFrame>
+      <p:sp>
+        <p:nvSpPr>
+          <p:cNvPr id="3" name="Rectangle 2">
+            <a:extLst>
+              <a:ext uri="{FF2B5EF4-FFF2-40B4-BE49-F238E27FC236}">
+                <a16:creationId xmlns:a16="http://schemas.microsoft.com/office/drawing/2014/main" id="{F2CE0C16-FE58-4A0F-9630-05470DF83FB2}"/>
+              </a:ext>
+            </a:extLst>
+          </p:cNvPr>
+          <p:cNvSpPr/>
+          <p:nvPr/>
+        </p:nvSpPr>
+        <p:spPr>
+          <a:xfrm>
+            <a:off x="646758" y="4664761"/>
+            <a:ext cx="1287532" cy="369332"/>
+          </a:xfrm>
+          <a:prstGeom prst="rect">
+            <a:avLst/>
+          </a:prstGeom>
+        </p:spPr>
+        <p:txBody>
+          <a:bodyPr wrap="none">
+            <a:spAutoFit/>
+          </a:bodyPr>
+          <a:lstStyle/>
+          <a:p>
+            <a:r>
+              <a:rPr lang="en-US" dirty="0">
+                <a:hlinkClick r:id="rId2"/>
+              </a:rPr>
+              <a:t>mongodb.js</a:t>
+            </a:r>
+            <a:endParaRPr lang="en-US" dirty="0"/>
+          </a:p>
+        </p:txBody>
+      </p:sp>
     </p:spTree>
     <p:extLst>
       <p:ext uri="{BB962C8B-B14F-4D97-AF65-F5344CB8AC3E}">
@@ -26029,9 +26549,18 @@
   <p:clrMapOvr>
     <a:masterClrMapping/>
   </p:clrMapOvr>
-  <p:transition spd="slow">
-    <p:push dir="u"/>
-  </p:transition>
+  <mc:AlternateContent xmlns:mc="http://schemas.openxmlformats.org/markup-compatibility/2006">
+    <mc:Choice xmlns:p14="http://schemas.microsoft.com/office/powerpoint/2010/main" Requires="p14">
+      <p:transition p14:dur="100">
+        <p:cut/>
+      </p:transition>
+    </mc:Choice>
+    <mc:Fallback>
+      <p:transition>
+        <p:cut/>
+      </p:transition>
+    </mc:Fallback>
+  </mc:AlternateContent>
 </p:sld>
 </file>
 
@@ -26104,12 +26633,14 @@
         </p:nvSpPr>
         <p:spPr/>
         <p:txBody>
-          <a:bodyPr/>
+          <a:bodyPr>
+            <a:normAutofit/>
+          </a:bodyPr>
           <a:lstStyle/>
           <a:p>
             <a:pPr algn="ctr"/>
             <a:r>
-              <a:rPr lang="en-IN" dirty="0"/>
+              <a:rPr lang="en-IN" sz="3600" b="1" dirty="0"/>
               <a:t>First Node Program</a:t>
             </a:r>
           </a:p>
@@ -26138,7 +26669,7 @@
           <a:p>
             <a:r>
               <a:rPr lang="en-IN" dirty="0">
-                <a:hlinkClick r:id="rId2" action="ppaction://hlinkfile"/>
+                <a:hlinkClick r:id="rId2"/>
               </a:rPr>
               <a:t>app.js</a:t>
             </a:r>
@@ -26156,9 +26687,18 @@
   <p:clrMapOvr>
     <a:masterClrMapping/>
   </p:clrMapOvr>
-  <p:transition spd="slow">
-    <p:push dir="u"/>
-  </p:transition>
+  <mc:AlternateContent xmlns:mc="http://schemas.openxmlformats.org/markup-compatibility/2006">
+    <mc:Choice xmlns:p14="http://schemas.microsoft.com/office/powerpoint/2010/main" Requires="p14">
+      <p:transition p14:dur="100">
+        <p:cut/>
+      </p:transition>
+    </mc:Choice>
+    <mc:Fallback>
+      <p:transition>
+        <p:cut/>
+      </p:transition>
+    </mc:Fallback>
+  </mc:AlternateContent>
 </p:sld>
 </file>
 

--- a/meanstack.pptx
+++ b/meanstack.pptx
@@ -67,29 +67,28 @@
     <p:sldId id="319" r:id="rId61"/>
     <p:sldId id="320" r:id="rId62"/>
     <p:sldId id="346" r:id="rId63"/>
-    <p:sldId id="347" r:id="rId64"/>
-    <p:sldId id="321" r:id="rId65"/>
-    <p:sldId id="322" r:id="rId66"/>
-    <p:sldId id="323" r:id="rId67"/>
-    <p:sldId id="324" r:id="rId68"/>
-    <p:sldId id="325" r:id="rId69"/>
-    <p:sldId id="326" r:id="rId70"/>
-    <p:sldId id="328" r:id="rId71"/>
-    <p:sldId id="329" r:id="rId72"/>
-    <p:sldId id="330" r:id="rId73"/>
-    <p:sldId id="331" r:id="rId74"/>
-    <p:sldId id="332" r:id="rId75"/>
-    <p:sldId id="333" r:id="rId76"/>
-    <p:sldId id="334" r:id="rId77"/>
-    <p:sldId id="335" r:id="rId78"/>
-    <p:sldId id="336" r:id="rId79"/>
-    <p:sldId id="338" r:id="rId80"/>
-    <p:sldId id="339" r:id="rId81"/>
-    <p:sldId id="340" r:id="rId82"/>
-    <p:sldId id="337" r:id="rId83"/>
-    <p:sldId id="341" r:id="rId84"/>
-    <p:sldId id="342" r:id="rId85"/>
-    <p:sldId id="343" r:id="rId86"/>
+    <p:sldId id="321" r:id="rId64"/>
+    <p:sldId id="322" r:id="rId65"/>
+    <p:sldId id="323" r:id="rId66"/>
+    <p:sldId id="324" r:id="rId67"/>
+    <p:sldId id="325" r:id="rId68"/>
+    <p:sldId id="326" r:id="rId69"/>
+    <p:sldId id="328" r:id="rId70"/>
+    <p:sldId id="329" r:id="rId71"/>
+    <p:sldId id="330" r:id="rId72"/>
+    <p:sldId id="331" r:id="rId73"/>
+    <p:sldId id="332" r:id="rId74"/>
+    <p:sldId id="333" r:id="rId75"/>
+    <p:sldId id="334" r:id="rId76"/>
+    <p:sldId id="335" r:id="rId77"/>
+    <p:sldId id="336" r:id="rId78"/>
+    <p:sldId id="338" r:id="rId79"/>
+    <p:sldId id="339" r:id="rId80"/>
+    <p:sldId id="340" r:id="rId81"/>
+    <p:sldId id="337" r:id="rId82"/>
+    <p:sldId id="341" r:id="rId83"/>
+    <p:sldId id="342" r:id="rId84"/>
+    <p:sldId id="343" r:id="rId85"/>
   </p:sldIdLst>
   <p:sldSz cx="12192000" cy="6858000"/>
   <p:notesSz cx="6858000" cy="9144000"/>
@@ -6223,7 +6222,7 @@
           <a:p>
             <a:fld id="{7D14AAFF-0DEE-4B67-B447-64A1572169C0}" type="datetimeFigureOut">
               <a:rPr lang="en-IN" smtClean="0"/>
-              <a:t>29-09-2019</a:t>
+              <a:t>02-10-2019</a:t>
             </a:fld>
             <a:endParaRPr lang="en-IN"/>
           </a:p>
@@ -6423,7 +6422,7 @@
           <a:p>
             <a:fld id="{7D14AAFF-0DEE-4B67-B447-64A1572169C0}" type="datetimeFigureOut">
               <a:rPr lang="en-IN" smtClean="0"/>
-              <a:t>29-09-2019</a:t>
+              <a:t>02-10-2019</a:t>
             </a:fld>
             <a:endParaRPr lang="en-IN"/>
           </a:p>
@@ -6633,7 +6632,7 @@
           <a:p>
             <a:fld id="{7D14AAFF-0DEE-4B67-B447-64A1572169C0}" type="datetimeFigureOut">
               <a:rPr lang="en-IN" smtClean="0"/>
-              <a:t>29-09-2019</a:t>
+              <a:t>02-10-2019</a:t>
             </a:fld>
             <a:endParaRPr lang="en-IN"/>
           </a:p>
@@ -6833,7 +6832,7 @@
           <a:p>
             <a:fld id="{7D14AAFF-0DEE-4B67-B447-64A1572169C0}" type="datetimeFigureOut">
               <a:rPr lang="en-IN" smtClean="0"/>
-              <a:t>29-09-2019</a:t>
+              <a:t>02-10-2019</a:t>
             </a:fld>
             <a:endParaRPr lang="en-IN"/>
           </a:p>
@@ -7109,7 +7108,7 @@
           <a:p>
             <a:fld id="{7D14AAFF-0DEE-4B67-B447-64A1572169C0}" type="datetimeFigureOut">
               <a:rPr lang="en-IN" smtClean="0"/>
-              <a:t>29-09-2019</a:t>
+              <a:t>02-10-2019</a:t>
             </a:fld>
             <a:endParaRPr lang="en-IN"/>
           </a:p>
@@ -7377,7 +7376,7 @@
           <a:p>
             <a:fld id="{7D14AAFF-0DEE-4B67-B447-64A1572169C0}" type="datetimeFigureOut">
               <a:rPr lang="en-IN" smtClean="0"/>
-              <a:t>29-09-2019</a:t>
+              <a:t>02-10-2019</a:t>
             </a:fld>
             <a:endParaRPr lang="en-IN"/>
           </a:p>
@@ -7792,7 +7791,7 @@
           <a:p>
             <a:fld id="{7D14AAFF-0DEE-4B67-B447-64A1572169C0}" type="datetimeFigureOut">
               <a:rPr lang="en-IN" smtClean="0"/>
-              <a:t>29-09-2019</a:t>
+              <a:t>02-10-2019</a:t>
             </a:fld>
             <a:endParaRPr lang="en-IN"/>
           </a:p>
@@ -7934,7 +7933,7 @@
           <a:p>
             <a:fld id="{7D14AAFF-0DEE-4B67-B447-64A1572169C0}" type="datetimeFigureOut">
               <a:rPr lang="en-IN" smtClean="0"/>
-              <a:t>29-09-2019</a:t>
+              <a:t>02-10-2019</a:t>
             </a:fld>
             <a:endParaRPr lang="en-IN"/>
           </a:p>
@@ -8047,7 +8046,7 @@
           <a:p>
             <a:fld id="{7D14AAFF-0DEE-4B67-B447-64A1572169C0}" type="datetimeFigureOut">
               <a:rPr lang="en-IN" smtClean="0"/>
-              <a:t>29-09-2019</a:t>
+              <a:t>02-10-2019</a:t>
             </a:fld>
             <a:endParaRPr lang="en-IN"/>
           </a:p>
@@ -8360,7 +8359,7 @@
           <a:p>
             <a:fld id="{7D14AAFF-0DEE-4B67-B447-64A1572169C0}" type="datetimeFigureOut">
               <a:rPr lang="en-IN" smtClean="0"/>
-              <a:t>29-09-2019</a:t>
+              <a:t>02-10-2019</a:t>
             </a:fld>
             <a:endParaRPr lang="en-IN"/>
           </a:p>
@@ -8649,7 +8648,7 @@
           <a:p>
             <a:fld id="{7D14AAFF-0DEE-4B67-B447-64A1572169C0}" type="datetimeFigureOut">
               <a:rPr lang="en-IN" smtClean="0"/>
-              <a:t>29-09-2019</a:t>
+              <a:t>02-10-2019</a:t>
             </a:fld>
             <a:endParaRPr lang="en-IN"/>
           </a:p>
@@ -8892,7 +8891,7 @@
           <a:p>
             <a:fld id="{7D14AAFF-0DEE-4B67-B447-64A1572169C0}" type="datetimeFigureOut">
               <a:rPr lang="en-IN" smtClean="0"/>
-              <a:t>29-09-2019</a:t>
+              <a:t>02-10-2019</a:t>
             </a:fld>
             <a:endParaRPr lang="en-IN"/>
           </a:p>
@@ -9558,13 +9557,13 @@
   <p:clrMapOvr>
     <a:overrideClrMapping bg1="dk1" tx1="lt1" bg2="dk2" tx2="lt2" accent1="accent1" accent2="accent2" accent3="accent3" accent4="accent4" accent5="accent5" accent6="accent6" hlink="hlink" folHlink="folHlink"/>
   </p:clrMapOvr>
-  <mc:AlternateContent xmlns:mc="http://schemas.openxmlformats.org/markup-compatibility/2006">
-    <mc:Choice xmlns:p14="http://schemas.microsoft.com/office/powerpoint/2010/main" Requires="p14">
+  <mc:AlternateContent xmlns:mc="http://schemas.openxmlformats.org/markup-compatibility/2006" xmlns:p14="http://schemas.microsoft.com/office/powerpoint/2010/main">
+    <mc:Choice Requires="p14">
       <p:transition p14:dur="100">
         <p:cut/>
       </p:transition>
     </mc:Choice>
-    <mc:Fallback>
+    <mc:Fallback xmlns="">
       <p:transition>
         <p:cut/>
       </p:transition>
@@ -9839,13 +9838,13 @@
   <p:clrMapOvr>
     <a:overrideClrMapping bg1="dk1" tx1="lt1" bg2="dk2" tx2="lt2" accent1="accent1" accent2="accent2" accent3="accent3" accent4="accent4" accent5="accent5" accent6="accent6" hlink="hlink" folHlink="folHlink"/>
   </p:clrMapOvr>
-  <mc:AlternateContent xmlns:mc="http://schemas.openxmlformats.org/markup-compatibility/2006">
-    <mc:Choice xmlns:p14="http://schemas.microsoft.com/office/powerpoint/2010/main" Requires="p14">
+  <mc:AlternateContent xmlns:mc="http://schemas.openxmlformats.org/markup-compatibility/2006" xmlns:p14="http://schemas.microsoft.com/office/powerpoint/2010/main">
+    <mc:Choice Requires="p14">
       <p:transition p14:dur="100">
         <p:cut/>
       </p:transition>
     </mc:Choice>
-    <mc:Fallback>
+    <mc:Fallback xmlns="">
       <p:transition>
         <p:cut/>
       </p:transition>
@@ -10049,13 +10048,13 @@
   <p:clrMapOvr>
     <a:masterClrMapping/>
   </p:clrMapOvr>
-  <mc:AlternateContent xmlns:mc="http://schemas.openxmlformats.org/markup-compatibility/2006">
-    <mc:Choice xmlns:p14="http://schemas.microsoft.com/office/powerpoint/2010/main" Requires="p14">
+  <mc:AlternateContent xmlns:mc="http://schemas.openxmlformats.org/markup-compatibility/2006" xmlns:p14="http://schemas.microsoft.com/office/powerpoint/2010/main">
+    <mc:Choice Requires="p14">
       <p:transition p14:dur="100">
         <p:cut/>
       </p:transition>
     </mc:Choice>
-    <mc:Fallback>
+    <mc:Fallback xmlns="">
       <p:transition>
         <p:cut/>
       </p:transition>
@@ -10187,13 +10186,13 @@
   <p:clrMapOvr>
     <a:masterClrMapping/>
   </p:clrMapOvr>
-  <mc:AlternateContent xmlns:mc="http://schemas.openxmlformats.org/markup-compatibility/2006">
-    <mc:Choice xmlns:p14="http://schemas.microsoft.com/office/powerpoint/2010/main" Requires="p14">
+  <mc:AlternateContent xmlns:mc="http://schemas.openxmlformats.org/markup-compatibility/2006" xmlns:p14="http://schemas.microsoft.com/office/powerpoint/2010/main">
+    <mc:Choice Requires="p14">
       <p:transition p14:dur="100">
         <p:cut/>
       </p:transition>
     </mc:Choice>
-    <mc:Fallback>
+    <mc:Fallback xmlns="">
       <p:transition>
         <p:cut/>
       </p:transition>
@@ -10325,13 +10324,13 @@
   <p:clrMapOvr>
     <a:masterClrMapping/>
   </p:clrMapOvr>
-  <mc:AlternateContent xmlns:mc="http://schemas.openxmlformats.org/markup-compatibility/2006">
-    <mc:Choice xmlns:p14="http://schemas.microsoft.com/office/powerpoint/2010/main" Requires="p14">
+  <mc:AlternateContent xmlns:mc="http://schemas.openxmlformats.org/markup-compatibility/2006" xmlns:p14="http://schemas.microsoft.com/office/powerpoint/2010/main">
+    <mc:Choice Requires="p14">
       <p:transition p14:dur="100">
         <p:cut/>
       </p:transition>
     </mc:Choice>
-    <mc:Fallback>
+    <mc:Fallback xmlns="">
       <p:transition>
         <p:cut/>
       </p:transition>
@@ -10472,13 +10471,13 @@
   <p:clrMapOvr>
     <a:masterClrMapping/>
   </p:clrMapOvr>
-  <mc:AlternateContent xmlns:mc="http://schemas.openxmlformats.org/markup-compatibility/2006">
-    <mc:Choice xmlns:p14="http://schemas.microsoft.com/office/powerpoint/2010/main" Requires="p14">
+  <mc:AlternateContent xmlns:mc="http://schemas.openxmlformats.org/markup-compatibility/2006" xmlns:p14="http://schemas.microsoft.com/office/powerpoint/2010/main">
+    <mc:Choice Requires="p14">
       <p:transition p14:dur="100">
         <p:cut/>
       </p:transition>
     </mc:Choice>
-    <mc:Fallback>
+    <mc:Fallback xmlns="">
       <p:transition>
         <p:cut/>
       </p:transition>
@@ -10646,13 +10645,13 @@
   <p:clrMapOvr>
     <a:masterClrMapping/>
   </p:clrMapOvr>
-  <mc:AlternateContent xmlns:mc="http://schemas.openxmlformats.org/markup-compatibility/2006">
-    <mc:Choice xmlns:p14="http://schemas.microsoft.com/office/powerpoint/2010/main" Requires="p14">
+  <mc:AlternateContent xmlns:mc="http://schemas.openxmlformats.org/markup-compatibility/2006" xmlns:p14="http://schemas.microsoft.com/office/powerpoint/2010/main">
+    <mc:Choice Requires="p14">
       <p:transition p14:dur="100">
         <p:cut/>
       </p:transition>
     </mc:Choice>
-    <mc:Fallback>
+    <mc:Fallback xmlns="">
       <p:transition>
         <p:cut/>
       </p:transition>
@@ -10859,13 +10858,13 @@
   <p:clrMapOvr>
     <a:masterClrMapping/>
   </p:clrMapOvr>
-  <mc:AlternateContent xmlns:mc="http://schemas.openxmlformats.org/markup-compatibility/2006">
-    <mc:Choice xmlns:p14="http://schemas.microsoft.com/office/powerpoint/2010/main" Requires="p14">
+  <mc:AlternateContent xmlns:mc="http://schemas.openxmlformats.org/markup-compatibility/2006" xmlns:p14="http://schemas.microsoft.com/office/powerpoint/2010/main">
+    <mc:Choice Requires="p14">
       <p:transition p14:dur="100">
         <p:cut/>
       </p:transition>
     </mc:Choice>
-    <mc:Fallback>
+    <mc:Fallback xmlns="">
       <p:transition>
         <p:cut/>
       </p:transition>
@@ -11029,13 +11028,13 @@
   <p:clrMapOvr>
     <a:masterClrMapping/>
   </p:clrMapOvr>
-  <mc:AlternateContent xmlns:mc="http://schemas.openxmlformats.org/markup-compatibility/2006">
-    <mc:Choice xmlns:p14="http://schemas.microsoft.com/office/powerpoint/2010/main" Requires="p14">
+  <mc:AlternateContent xmlns:mc="http://schemas.openxmlformats.org/markup-compatibility/2006" xmlns:p14="http://schemas.microsoft.com/office/powerpoint/2010/main">
+    <mc:Choice Requires="p14">
       <p:transition p14:dur="100">
         <p:cut/>
       </p:transition>
     </mc:Choice>
-    <mc:Fallback>
+    <mc:Fallback xmlns="">
       <p:transition>
         <p:cut/>
       </p:transition>
@@ -11195,13 +11194,13 @@
   <p:clrMapOvr>
     <a:masterClrMapping/>
   </p:clrMapOvr>
-  <mc:AlternateContent xmlns:mc="http://schemas.openxmlformats.org/markup-compatibility/2006">
-    <mc:Choice xmlns:p14="http://schemas.microsoft.com/office/powerpoint/2010/main" Requires="p14">
+  <mc:AlternateContent xmlns:mc="http://schemas.openxmlformats.org/markup-compatibility/2006" xmlns:p14="http://schemas.microsoft.com/office/powerpoint/2010/main">
+    <mc:Choice Requires="p14">
       <p:transition p14:dur="100">
         <p:cut/>
       </p:transition>
     </mc:Choice>
-    <mc:Fallback>
+    <mc:Fallback xmlns="">
       <p:transition>
         <p:cut/>
       </p:transition>
@@ -11338,13 +11337,13 @@
   <p:clrMapOvr>
     <a:masterClrMapping/>
   </p:clrMapOvr>
-  <mc:AlternateContent xmlns:mc="http://schemas.openxmlformats.org/markup-compatibility/2006">
-    <mc:Choice xmlns:p14="http://schemas.microsoft.com/office/powerpoint/2010/main" Requires="p14">
+  <mc:AlternateContent xmlns:mc="http://schemas.openxmlformats.org/markup-compatibility/2006" xmlns:p14="http://schemas.microsoft.com/office/powerpoint/2010/main">
+    <mc:Choice Requires="p14">
       <p:transition p14:dur="100">
         <p:cut/>
       </p:transition>
     </mc:Choice>
-    <mc:Fallback>
+    <mc:Fallback xmlns="">
       <p:transition>
         <p:cut/>
       </p:transition>
@@ -11520,13 +11519,13 @@
   <p:clrMapOvr>
     <a:masterClrMapping/>
   </p:clrMapOvr>
-  <mc:AlternateContent xmlns:mc="http://schemas.openxmlformats.org/markup-compatibility/2006">
-    <mc:Choice xmlns:p14="http://schemas.microsoft.com/office/powerpoint/2010/main" Requires="p14">
+  <mc:AlternateContent xmlns:mc="http://schemas.openxmlformats.org/markup-compatibility/2006" xmlns:p14="http://schemas.microsoft.com/office/powerpoint/2010/main">
+    <mc:Choice Requires="p14">
       <p:transition p14:dur="100">
         <p:cut/>
       </p:transition>
     </mc:Choice>
-    <mc:Fallback>
+    <mc:Fallback xmlns="">
       <p:transition>
         <p:cut/>
       </p:transition>
@@ -11709,13 +11708,13 @@
   <p:clrMapOvr>
     <a:masterClrMapping/>
   </p:clrMapOvr>
-  <mc:AlternateContent xmlns:mc="http://schemas.openxmlformats.org/markup-compatibility/2006">
-    <mc:Choice xmlns:p14="http://schemas.microsoft.com/office/powerpoint/2010/main" Requires="p14">
+  <mc:AlternateContent xmlns:mc="http://schemas.openxmlformats.org/markup-compatibility/2006" xmlns:p14="http://schemas.microsoft.com/office/powerpoint/2010/main">
+    <mc:Choice Requires="p14">
       <p:transition p14:dur="100">
         <p:cut/>
       </p:transition>
     </mc:Choice>
-    <mc:Fallback>
+    <mc:Fallback xmlns="">
       <p:transition>
         <p:cut/>
       </p:transition>
@@ -11990,13 +11989,13 @@
   <p:clrMapOvr>
     <a:overrideClrMapping bg1="dk1" tx1="lt1" bg2="dk2" tx2="lt2" accent1="accent1" accent2="accent2" accent3="accent3" accent4="accent4" accent5="accent5" accent6="accent6" hlink="hlink" folHlink="folHlink"/>
   </p:clrMapOvr>
-  <mc:AlternateContent xmlns:mc="http://schemas.openxmlformats.org/markup-compatibility/2006">
-    <mc:Choice xmlns:p14="http://schemas.microsoft.com/office/powerpoint/2010/main" Requires="p14">
+  <mc:AlternateContent xmlns:mc="http://schemas.openxmlformats.org/markup-compatibility/2006" xmlns:p14="http://schemas.microsoft.com/office/powerpoint/2010/main">
+    <mc:Choice Requires="p14">
       <p:transition p14:dur="100">
         <p:cut/>
       </p:transition>
     </mc:Choice>
-    <mc:Fallback>
+    <mc:Fallback xmlns="">
       <p:transition>
         <p:cut/>
       </p:transition>
@@ -12193,13 +12192,13 @@
   <p:clrMapOvr>
     <a:masterClrMapping/>
   </p:clrMapOvr>
-  <mc:AlternateContent xmlns:mc="http://schemas.openxmlformats.org/markup-compatibility/2006">
-    <mc:Choice xmlns:p14="http://schemas.microsoft.com/office/powerpoint/2010/main" Requires="p14">
+  <mc:AlternateContent xmlns:mc="http://schemas.openxmlformats.org/markup-compatibility/2006" xmlns:p14="http://schemas.microsoft.com/office/powerpoint/2010/main">
+    <mc:Choice Requires="p14">
       <p:transition p14:dur="100">
         <p:cut/>
       </p:transition>
     </mc:Choice>
-    <mc:Fallback>
+    <mc:Fallback xmlns="">
       <p:transition>
         <p:cut/>
       </p:transition>
@@ -12411,13 +12410,13 @@
   <p:clrMapOvr>
     <a:masterClrMapping/>
   </p:clrMapOvr>
-  <mc:AlternateContent xmlns:mc="http://schemas.openxmlformats.org/markup-compatibility/2006">
-    <mc:Choice xmlns:p14="http://schemas.microsoft.com/office/powerpoint/2010/main" Requires="p14">
+  <mc:AlternateContent xmlns:mc="http://schemas.openxmlformats.org/markup-compatibility/2006" xmlns:p14="http://schemas.microsoft.com/office/powerpoint/2010/main">
+    <mc:Choice Requires="p14">
       <p:transition p14:dur="100">
         <p:cut/>
       </p:transition>
     </mc:Choice>
-    <mc:Fallback>
+    <mc:Fallback xmlns="">
       <p:transition>
         <p:cut/>
       </p:transition>
@@ -12617,13 +12616,13 @@
   <p:clrMapOvr>
     <a:masterClrMapping/>
   </p:clrMapOvr>
-  <mc:AlternateContent xmlns:mc="http://schemas.openxmlformats.org/markup-compatibility/2006">
-    <mc:Choice xmlns:p14="http://schemas.microsoft.com/office/powerpoint/2010/main" Requires="p14">
+  <mc:AlternateContent xmlns:mc="http://schemas.openxmlformats.org/markup-compatibility/2006" xmlns:p14="http://schemas.microsoft.com/office/powerpoint/2010/main">
+    <mc:Choice Requires="p14">
       <p:transition p14:dur="100">
         <p:cut/>
       </p:transition>
     </mc:Choice>
-    <mc:Fallback>
+    <mc:Fallback xmlns="">
       <p:transition>
         <p:cut/>
       </p:transition>
@@ -12821,13 +12820,13 @@
   <p:clrMapOvr>
     <a:masterClrMapping/>
   </p:clrMapOvr>
-  <mc:AlternateContent xmlns:mc="http://schemas.openxmlformats.org/markup-compatibility/2006">
-    <mc:Choice xmlns:p14="http://schemas.microsoft.com/office/powerpoint/2010/main" Requires="p14">
+  <mc:AlternateContent xmlns:mc="http://schemas.openxmlformats.org/markup-compatibility/2006" xmlns:p14="http://schemas.microsoft.com/office/powerpoint/2010/main">
+    <mc:Choice Requires="p14">
       <p:transition p14:dur="100">
         <p:cut/>
       </p:transition>
     </mc:Choice>
-    <mc:Fallback>
+    <mc:Fallback xmlns="">
       <p:transition>
         <p:cut/>
       </p:transition>
@@ -12979,13 +12978,13 @@
   <p:clrMapOvr>
     <a:masterClrMapping/>
   </p:clrMapOvr>
-  <mc:AlternateContent xmlns:mc="http://schemas.openxmlformats.org/markup-compatibility/2006">
-    <mc:Choice xmlns:p14="http://schemas.microsoft.com/office/powerpoint/2010/main" Requires="p14">
+  <mc:AlternateContent xmlns:mc="http://schemas.openxmlformats.org/markup-compatibility/2006" xmlns:p14="http://schemas.microsoft.com/office/powerpoint/2010/main">
+    <mc:Choice Requires="p14">
       <p:transition p14:dur="100">
         <p:cut/>
       </p:transition>
     </mc:Choice>
-    <mc:Fallback>
+    <mc:Fallback xmlns="">
       <p:transition>
         <p:cut/>
       </p:transition>
@@ -13144,13 +13143,13 @@
   <p:clrMapOvr>
     <a:masterClrMapping/>
   </p:clrMapOvr>
-  <mc:AlternateContent xmlns:mc="http://schemas.openxmlformats.org/markup-compatibility/2006">
-    <mc:Choice xmlns:p14="http://schemas.microsoft.com/office/powerpoint/2010/main" Requires="p14">
+  <mc:AlternateContent xmlns:mc="http://schemas.openxmlformats.org/markup-compatibility/2006" xmlns:p14="http://schemas.microsoft.com/office/powerpoint/2010/main">
+    <mc:Choice Requires="p14">
       <p:transition p14:dur="100">
         <p:cut/>
       </p:transition>
     </mc:Choice>
-    <mc:Fallback>
+    <mc:Fallback xmlns="">
       <p:transition>
         <p:cut/>
       </p:transition>
@@ -13381,13 +13380,13 @@
   <p:clrMapOvr>
     <a:masterClrMapping/>
   </p:clrMapOvr>
-  <mc:AlternateContent xmlns:mc="http://schemas.openxmlformats.org/markup-compatibility/2006">
-    <mc:Choice xmlns:p14="http://schemas.microsoft.com/office/powerpoint/2010/main" Requires="p14">
+  <mc:AlternateContent xmlns:mc="http://schemas.openxmlformats.org/markup-compatibility/2006" xmlns:p14="http://schemas.microsoft.com/office/powerpoint/2010/main">
+    <mc:Choice Requires="p14">
       <p:transition p14:dur="100">
         <p:cut/>
       </p:transition>
     </mc:Choice>
-    <mc:Fallback>
+    <mc:Fallback xmlns="">
       <p:transition>
         <p:cut/>
       </p:transition>
@@ -13546,13 +13545,13 @@
   <p:clrMapOvr>
     <a:masterClrMapping/>
   </p:clrMapOvr>
-  <mc:AlternateContent xmlns:mc="http://schemas.openxmlformats.org/markup-compatibility/2006">
-    <mc:Choice xmlns:p14="http://schemas.microsoft.com/office/powerpoint/2010/main" Requires="p14">
+  <mc:AlternateContent xmlns:mc="http://schemas.openxmlformats.org/markup-compatibility/2006" xmlns:p14="http://schemas.microsoft.com/office/powerpoint/2010/main">
+    <mc:Choice Requires="p14">
       <p:transition p14:dur="100">
         <p:cut/>
       </p:transition>
     </mc:Choice>
-    <mc:Fallback>
+    <mc:Fallback xmlns="">
       <p:transition>
         <p:cut/>
       </p:transition>
@@ -13684,13 +13683,13 @@
   <p:clrMapOvr>
     <a:masterClrMapping/>
   </p:clrMapOvr>
-  <mc:AlternateContent xmlns:mc="http://schemas.openxmlformats.org/markup-compatibility/2006">
-    <mc:Choice xmlns:p14="http://schemas.microsoft.com/office/powerpoint/2010/main" Requires="p14">
+  <mc:AlternateContent xmlns:mc="http://schemas.openxmlformats.org/markup-compatibility/2006" xmlns:p14="http://schemas.microsoft.com/office/powerpoint/2010/main">
+    <mc:Choice Requires="p14">
       <p:transition p14:dur="100">
         <p:cut/>
       </p:transition>
     </mc:Choice>
-    <mc:Fallback>
+    <mc:Fallback xmlns="">
       <p:transition>
         <p:cut/>
       </p:transition>
@@ -13860,13 +13859,13 @@
   <p:clrMapOvr>
     <a:masterClrMapping/>
   </p:clrMapOvr>
-  <mc:AlternateContent xmlns:mc="http://schemas.openxmlformats.org/markup-compatibility/2006">
-    <mc:Choice xmlns:p14="http://schemas.microsoft.com/office/powerpoint/2010/main" Requires="p14">
+  <mc:AlternateContent xmlns:mc="http://schemas.openxmlformats.org/markup-compatibility/2006" xmlns:p14="http://schemas.microsoft.com/office/powerpoint/2010/main">
+    <mc:Choice Requires="p14">
       <p:transition p14:dur="100">
         <p:cut/>
       </p:transition>
     </mc:Choice>
-    <mc:Fallback>
+    <mc:Fallback xmlns="">
       <p:transition>
         <p:cut/>
       </p:transition>
@@ -14016,13 +14015,13 @@
   <p:clrMapOvr>
     <a:masterClrMapping/>
   </p:clrMapOvr>
-  <mc:AlternateContent xmlns:mc="http://schemas.openxmlformats.org/markup-compatibility/2006">
-    <mc:Choice xmlns:p14="http://schemas.microsoft.com/office/powerpoint/2010/main" Requires="p14">
+  <mc:AlternateContent xmlns:mc="http://schemas.openxmlformats.org/markup-compatibility/2006" xmlns:p14="http://schemas.microsoft.com/office/powerpoint/2010/main">
+    <mc:Choice Requires="p14">
       <p:transition p14:dur="100">
         <p:cut/>
       </p:transition>
     </mc:Choice>
-    <mc:Fallback>
+    <mc:Fallback xmlns="">
       <p:transition>
         <p:cut/>
       </p:transition>
@@ -14269,13 +14268,13 @@
   <p:clrMapOvr>
     <a:masterClrMapping/>
   </p:clrMapOvr>
-  <mc:AlternateContent xmlns:mc="http://schemas.openxmlformats.org/markup-compatibility/2006">
-    <mc:Choice xmlns:p14="http://schemas.microsoft.com/office/powerpoint/2010/main" Requires="p14">
+  <mc:AlternateContent xmlns:mc="http://schemas.openxmlformats.org/markup-compatibility/2006" xmlns:p14="http://schemas.microsoft.com/office/powerpoint/2010/main">
+    <mc:Choice Requires="p14">
       <p:transition p14:dur="100">
         <p:cut/>
       </p:transition>
     </mc:Choice>
-    <mc:Fallback>
+    <mc:Fallback xmlns="">
       <p:transition>
         <p:cut/>
       </p:transition>
@@ -14428,13 +14427,13 @@
   <p:clrMapOvr>
     <a:masterClrMapping/>
   </p:clrMapOvr>
-  <mc:AlternateContent xmlns:mc="http://schemas.openxmlformats.org/markup-compatibility/2006">
-    <mc:Choice xmlns:p14="http://schemas.microsoft.com/office/powerpoint/2010/main" Requires="p14">
+  <mc:AlternateContent xmlns:mc="http://schemas.openxmlformats.org/markup-compatibility/2006" xmlns:p14="http://schemas.microsoft.com/office/powerpoint/2010/main">
+    <mc:Choice Requires="p14">
       <p:transition p14:dur="100">
         <p:cut/>
       </p:transition>
     </mc:Choice>
-    <mc:Fallback>
+    <mc:Fallback xmlns="">
       <p:transition>
         <p:cut/>
       </p:transition>
@@ -14614,13 +14613,13 @@
   <p:clrMapOvr>
     <a:masterClrMapping/>
   </p:clrMapOvr>
-  <mc:AlternateContent xmlns:mc="http://schemas.openxmlformats.org/markup-compatibility/2006">
-    <mc:Choice xmlns:p14="http://schemas.microsoft.com/office/powerpoint/2010/main" Requires="p14">
+  <mc:AlternateContent xmlns:mc="http://schemas.openxmlformats.org/markup-compatibility/2006" xmlns:p14="http://schemas.microsoft.com/office/powerpoint/2010/main">
+    <mc:Choice Requires="p14">
       <p:transition p14:dur="100">
         <p:cut/>
       </p:transition>
     </mc:Choice>
-    <mc:Fallback>
+    <mc:Fallback xmlns="">
       <p:transition>
         <p:cut/>
       </p:transition>
@@ -14789,13 +14788,13 @@
   <p:clrMapOvr>
     <a:masterClrMapping/>
   </p:clrMapOvr>
-  <mc:AlternateContent xmlns:mc="http://schemas.openxmlformats.org/markup-compatibility/2006">
-    <mc:Choice xmlns:p14="http://schemas.microsoft.com/office/powerpoint/2010/main" Requires="p14">
+  <mc:AlternateContent xmlns:mc="http://schemas.openxmlformats.org/markup-compatibility/2006" xmlns:p14="http://schemas.microsoft.com/office/powerpoint/2010/main">
+    <mc:Choice Requires="p14">
       <p:transition p14:dur="100">
         <p:cut/>
       </p:transition>
     </mc:Choice>
-    <mc:Fallback>
+    <mc:Fallback xmlns="">
       <p:transition>
         <p:cut/>
       </p:transition>
@@ -15002,13 +15001,13 @@
   <p:clrMapOvr>
     <a:masterClrMapping/>
   </p:clrMapOvr>
-  <mc:AlternateContent xmlns:mc="http://schemas.openxmlformats.org/markup-compatibility/2006">
-    <mc:Choice xmlns:p14="http://schemas.microsoft.com/office/powerpoint/2010/main" Requires="p14">
+  <mc:AlternateContent xmlns:mc="http://schemas.openxmlformats.org/markup-compatibility/2006" xmlns:p14="http://schemas.microsoft.com/office/powerpoint/2010/main">
+    <mc:Choice Requires="p14">
       <p:transition p14:dur="100">
         <p:cut/>
       </p:transition>
     </mc:Choice>
-    <mc:Fallback>
+    <mc:Fallback xmlns="">
       <p:transition>
         <p:cut/>
       </p:transition>
@@ -15176,13 +15175,13 @@
   <p:clrMapOvr>
     <a:masterClrMapping/>
   </p:clrMapOvr>
-  <mc:AlternateContent xmlns:mc="http://schemas.openxmlformats.org/markup-compatibility/2006">
-    <mc:Choice xmlns:p14="http://schemas.microsoft.com/office/powerpoint/2010/main" Requires="p14">
+  <mc:AlternateContent xmlns:mc="http://schemas.openxmlformats.org/markup-compatibility/2006" xmlns:p14="http://schemas.microsoft.com/office/powerpoint/2010/main">
+    <mc:Choice Requires="p14">
       <p:transition p14:dur="100">
         <p:cut/>
       </p:transition>
     </mc:Choice>
-    <mc:Fallback>
+    <mc:Fallback xmlns="">
       <p:transition>
         <p:cut/>
       </p:transition>
@@ -15314,13 +15313,13 @@
   <p:clrMapOvr>
     <a:masterClrMapping/>
   </p:clrMapOvr>
-  <mc:AlternateContent xmlns:mc="http://schemas.openxmlformats.org/markup-compatibility/2006">
-    <mc:Choice xmlns:p14="http://schemas.microsoft.com/office/powerpoint/2010/main" Requires="p14">
+  <mc:AlternateContent xmlns:mc="http://schemas.openxmlformats.org/markup-compatibility/2006" xmlns:p14="http://schemas.microsoft.com/office/powerpoint/2010/main">
+    <mc:Choice Requires="p14">
       <p:transition p14:dur="100">
         <p:cut/>
       </p:transition>
     </mc:Choice>
-    <mc:Fallback>
+    <mc:Fallback xmlns="">
       <p:transition>
         <p:cut/>
       </p:transition>
@@ -15459,13 +15458,13 @@
   <p:clrMapOvr>
     <a:masterClrMapping/>
   </p:clrMapOvr>
-  <mc:AlternateContent xmlns:mc="http://schemas.openxmlformats.org/markup-compatibility/2006">
-    <mc:Choice xmlns:p14="http://schemas.microsoft.com/office/powerpoint/2010/main" Requires="p14">
+  <mc:AlternateContent xmlns:mc="http://schemas.openxmlformats.org/markup-compatibility/2006" xmlns:p14="http://schemas.microsoft.com/office/powerpoint/2010/main">
+    <mc:Choice Requires="p14">
       <p:transition p14:dur="100">
         <p:cut/>
       </p:transition>
     </mc:Choice>
-    <mc:Fallback>
+    <mc:Fallback xmlns="">
       <p:transition>
         <p:cut/>
       </p:transition>
@@ -15597,13 +15596,13 @@
   <p:clrMapOvr>
     <a:masterClrMapping/>
   </p:clrMapOvr>
-  <mc:AlternateContent xmlns:mc="http://schemas.openxmlformats.org/markup-compatibility/2006">
-    <mc:Choice xmlns:p14="http://schemas.microsoft.com/office/powerpoint/2010/main" Requires="p14">
+  <mc:AlternateContent xmlns:mc="http://schemas.openxmlformats.org/markup-compatibility/2006" xmlns:p14="http://schemas.microsoft.com/office/powerpoint/2010/main">
+    <mc:Choice Requires="p14">
       <p:transition p14:dur="100">
         <p:cut/>
       </p:transition>
     </mc:Choice>
-    <mc:Fallback>
+    <mc:Fallback xmlns="">
       <p:transition>
         <p:cut/>
       </p:transition>
@@ -15878,13 +15877,13 @@
   <p:clrMapOvr>
     <a:overrideClrMapping bg1="dk1" tx1="lt1" bg2="dk2" tx2="lt2" accent1="accent1" accent2="accent2" accent3="accent3" accent4="accent4" accent5="accent5" accent6="accent6" hlink="hlink" folHlink="folHlink"/>
   </p:clrMapOvr>
-  <mc:AlternateContent xmlns:mc="http://schemas.openxmlformats.org/markup-compatibility/2006">
-    <mc:Choice xmlns:p14="http://schemas.microsoft.com/office/powerpoint/2010/main" Requires="p14">
+  <mc:AlternateContent xmlns:mc="http://schemas.openxmlformats.org/markup-compatibility/2006" xmlns:p14="http://schemas.microsoft.com/office/powerpoint/2010/main">
+    <mc:Choice Requires="p14">
       <p:transition p14:dur="100">
         <p:cut/>
       </p:transition>
     </mc:Choice>
-    <mc:Fallback>
+    <mc:Fallback xmlns="">
       <p:transition>
         <p:cut/>
       </p:transition>
@@ -16074,13 +16073,13 @@
   <p:clrMapOvr>
     <a:masterClrMapping/>
   </p:clrMapOvr>
-  <mc:AlternateContent xmlns:mc="http://schemas.openxmlformats.org/markup-compatibility/2006">
-    <mc:Choice xmlns:p14="http://schemas.microsoft.com/office/powerpoint/2010/main" Requires="p14">
+  <mc:AlternateContent xmlns:mc="http://schemas.openxmlformats.org/markup-compatibility/2006" xmlns:p14="http://schemas.microsoft.com/office/powerpoint/2010/main">
+    <mc:Choice Requires="p14">
       <p:transition p14:dur="100">
         <p:cut/>
       </p:transition>
     </mc:Choice>
-    <mc:Fallback>
+    <mc:Fallback xmlns="">
       <p:transition>
         <p:cut/>
       </p:transition>
@@ -16216,13 +16215,13 @@
   <p:clrMapOvr>
     <a:masterClrMapping/>
   </p:clrMapOvr>
-  <mc:AlternateContent xmlns:mc="http://schemas.openxmlformats.org/markup-compatibility/2006">
-    <mc:Choice xmlns:p14="http://schemas.microsoft.com/office/powerpoint/2010/main" Requires="p14">
+  <mc:AlternateContent xmlns:mc="http://schemas.openxmlformats.org/markup-compatibility/2006" xmlns:p14="http://schemas.microsoft.com/office/powerpoint/2010/main">
+    <mc:Choice Requires="p14">
       <p:transition p14:dur="100">
         <p:cut/>
       </p:transition>
     </mc:Choice>
-    <mc:Fallback>
+    <mc:Fallback xmlns="">
       <p:transition>
         <p:cut/>
       </p:transition>
@@ -16397,13 +16396,13 @@
   <p:clrMapOvr>
     <a:masterClrMapping/>
   </p:clrMapOvr>
-  <mc:AlternateContent xmlns:mc="http://schemas.openxmlformats.org/markup-compatibility/2006">
-    <mc:Choice xmlns:p14="http://schemas.microsoft.com/office/powerpoint/2010/main" Requires="p14">
+  <mc:AlternateContent xmlns:mc="http://schemas.openxmlformats.org/markup-compatibility/2006" xmlns:p14="http://schemas.microsoft.com/office/powerpoint/2010/main">
+    <mc:Choice Requires="p14">
       <p:transition p14:dur="100">
         <p:cut/>
       </p:transition>
     </mc:Choice>
-    <mc:Fallback>
+    <mc:Fallback xmlns="">
       <p:transition>
         <p:cut/>
       </p:transition>
@@ -16596,13 +16595,13 @@
   <p:clrMapOvr>
     <a:masterClrMapping/>
   </p:clrMapOvr>
-  <mc:AlternateContent xmlns:mc="http://schemas.openxmlformats.org/markup-compatibility/2006">
-    <mc:Choice xmlns:p14="http://schemas.microsoft.com/office/powerpoint/2010/main" Requires="p14">
+  <mc:AlternateContent xmlns:mc="http://schemas.openxmlformats.org/markup-compatibility/2006" xmlns:p14="http://schemas.microsoft.com/office/powerpoint/2010/main">
+    <mc:Choice Requires="p14">
       <p:transition p14:dur="100">
         <p:cut/>
       </p:transition>
     </mc:Choice>
-    <mc:Fallback>
+    <mc:Fallback xmlns="">
       <p:transition>
         <p:cut/>
       </p:transition>
@@ -16865,13 +16864,13 @@
   <p:clrMapOvr>
     <a:masterClrMapping/>
   </p:clrMapOvr>
-  <mc:AlternateContent xmlns:mc="http://schemas.openxmlformats.org/markup-compatibility/2006">
-    <mc:Choice xmlns:p14="http://schemas.microsoft.com/office/powerpoint/2010/main" Requires="p14">
+  <mc:AlternateContent xmlns:mc="http://schemas.openxmlformats.org/markup-compatibility/2006" xmlns:p14="http://schemas.microsoft.com/office/powerpoint/2010/main">
+    <mc:Choice Requires="p14">
       <p:transition p14:dur="100">
         <p:cut/>
       </p:transition>
     </mc:Choice>
-    <mc:Fallback>
+    <mc:Fallback xmlns="">
       <p:transition>
         <p:cut/>
       </p:transition>
@@ -17034,13 +17033,13 @@
   <p:clrMapOvr>
     <a:masterClrMapping/>
   </p:clrMapOvr>
-  <mc:AlternateContent xmlns:mc="http://schemas.openxmlformats.org/markup-compatibility/2006">
-    <mc:Choice xmlns:p14="http://schemas.microsoft.com/office/powerpoint/2010/main" Requires="p14">
+  <mc:AlternateContent xmlns:mc="http://schemas.openxmlformats.org/markup-compatibility/2006" xmlns:p14="http://schemas.microsoft.com/office/powerpoint/2010/main">
+    <mc:Choice Requires="p14">
       <p:transition p14:dur="100">
         <p:cut/>
       </p:transition>
     </mc:Choice>
-    <mc:Fallback>
+    <mc:Fallback xmlns="">
       <p:transition>
         <p:cut/>
       </p:transition>
@@ -17208,13 +17207,13 @@
   <p:clrMapOvr>
     <a:masterClrMapping/>
   </p:clrMapOvr>
-  <mc:AlternateContent xmlns:mc="http://schemas.openxmlformats.org/markup-compatibility/2006">
-    <mc:Choice xmlns:p14="http://schemas.microsoft.com/office/powerpoint/2010/main" Requires="p14">
+  <mc:AlternateContent xmlns:mc="http://schemas.openxmlformats.org/markup-compatibility/2006" xmlns:p14="http://schemas.microsoft.com/office/powerpoint/2010/main">
+    <mc:Choice Requires="p14">
       <p:transition p14:dur="100">
         <p:cut/>
       </p:transition>
     </mc:Choice>
-    <mc:Fallback>
+    <mc:Fallback xmlns="">
       <p:transition>
         <p:cut/>
       </p:transition>
@@ -17463,13 +17462,13 @@
   <p:clrMapOvr>
     <a:masterClrMapping/>
   </p:clrMapOvr>
-  <mc:AlternateContent xmlns:mc="http://schemas.openxmlformats.org/markup-compatibility/2006">
-    <mc:Choice xmlns:p14="http://schemas.microsoft.com/office/powerpoint/2010/main" Requires="p14">
+  <mc:AlternateContent xmlns:mc="http://schemas.openxmlformats.org/markup-compatibility/2006" xmlns:p14="http://schemas.microsoft.com/office/powerpoint/2010/main">
+    <mc:Choice Requires="p14">
       <p:transition p14:dur="100">
         <p:cut/>
       </p:transition>
     </mc:Choice>
-    <mc:Fallback>
+    <mc:Fallback xmlns="">
       <p:transition>
         <p:cut/>
       </p:transition>
@@ -17660,13 +17659,13 @@
   <p:clrMapOvr>
     <a:masterClrMapping/>
   </p:clrMapOvr>
-  <mc:AlternateContent xmlns:mc="http://schemas.openxmlformats.org/markup-compatibility/2006">
-    <mc:Choice xmlns:p14="http://schemas.microsoft.com/office/powerpoint/2010/main" Requires="p14">
+  <mc:AlternateContent xmlns:mc="http://schemas.openxmlformats.org/markup-compatibility/2006" xmlns:p14="http://schemas.microsoft.com/office/powerpoint/2010/main">
+    <mc:Choice Requires="p14">
       <p:transition p14:dur="100">
         <p:cut/>
       </p:transition>
     </mc:Choice>
-    <mc:Fallback>
+    <mc:Fallback xmlns="">
       <p:transition>
         <p:cut/>
       </p:transition>
@@ -17835,13 +17834,13 @@
   <p:clrMapOvr>
     <a:masterClrMapping/>
   </p:clrMapOvr>
-  <mc:AlternateContent xmlns:mc="http://schemas.openxmlformats.org/markup-compatibility/2006">
-    <mc:Choice xmlns:p14="http://schemas.microsoft.com/office/powerpoint/2010/main" Requires="p14">
+  <mc:AlternateContent xmlns:mc="http://schemas.openxmlformats.org/markup-compatibility/2006" xmlns:p14="http://schemas.microsoft.com/office/powerpoint/2010/main">
+    <mc:Choice Requires="p14">
       <p:transition p14:dur="100">
         <p:cut/>
       </p:transition>
     </mc:Choice>
-    <mc:Fallback>
+    <mc:Fallback xmlns="">
       <p:transition>
         <p:cut/>
       </p:transition>
@@ -17998,13 +17997,13 @@
   <p:clrMapOvr>
     <a:masterClrMapping/>
   </p:clrMapOvr>
-  <mc:AlternateContent xmlns:mc="http://schemas.openxmlformats.org/markup-compatibility/2006">
-    <mc:Choice xmlns:p14="http://schemas.microsoft.com/office/powerpoint/2010/main" Requires="p14">
+  <mc:AlternateContent xmlns:mc="http://schemas.openxmlformats.org/markup-compatibility/2006" xmlns:p14="http://schemas.microsoft.com/office/powerpoint/2010/main">
+    <mc:Choice Requires="p14">
       <p:transition p14:dur="100">
         <p:cut/>
       </p:transition>
     </mc:Choice>
-    <mc:Fallback>
+    <mc:Fallback xmlns="">
       <p:transition>
         <p:cut/>
       </p:transition>
@@ -18193,13 +18192,13 @@
   <p:clrMapOvr>
     <a:masterClrMapping/>
   </p:clrMapOvr>
-  <mc:AlternateContent xmlns:mc="http://schemas.openxmlformats.org/markup-compatibility/2006">
-    <mc:Choice xmlns:p14="http://schemas.microsoft.com/office/powerpoint/2010/main" Requires="p14">
+  <mc:AlternateContent xmlns:mc="http://schemas.openxmlformats.org/markup-compatibility/2006" xmlns:p14="http://schemas.microsoft.com/office/powerpoint/2010/main">
+    <mc:Choice Requires="p14">
       <p:transition p14:dur="100">
         <p:cut/>
       </p:transition>
     </mc:Choice>
-    <mc:Fallback>
+    <mc:Fallback xmlns="">
       <p:transition>
         <p:cut/>
       </p:transition>
@@ -18388,13 +18387,13 @@
   <p:clrMapOvr>
     <a:masterClrMapping/>
   </p:clrMapOvr>
-  <mc:AlternateContent xmlns:mc="http://schemas.openxmlformats.org/markup-compatibility/2006">
-    <mc:Choice xmlns:p14="http://schemas.microsoft.com/office/powerpoint/2010/main" Requires="p14">
+  <mc:AlternateContent xmlns:mc="http://schemas.openxmlformats.org/markup-compatibility/2006" xmlns:p14="http://schemas.microsoft.com/office/powerpoint/2010/main">
+    <mc:Choice Requires="p14">
       <p:transition p14:dur="100">
         <p:cut/>
       </p:transition>
     </mc:Choice>
-    <mc:Fallback>
+    <mc:Fallback xmlns="">
       <p:transition>
         <p:cut/>
       </p:transition>
@@ -18574,13 +18573,13 @@
   <p:clrMapOvr>
     <a:masterClrMapping/>
   </p:clrMapOvr>
-  <mc:AlternateContent xmlns:mc="http://schemas.openxmlformats.org/markup-compatibility/2006">
-    <mc:Choice xmlns:p14="http://schemas.microsoft.com/office/powerpoint/2010/main" Requires="p14">
+  <mc:AlternateContent xmlns:mc="http://schemas.openxmlformats.org/markup-compatibility/2006" xmlns:p14="http://schemas.microsoft.com/office/powerpoint/2010/main">
+    <mc:Choice Requires="p14">
       <p:transition p14:dur="100">
         <p:cut/>
       </p:transition>
     </mc:Choice>
-    <mc:Fallback>
+    <mc:Fallback xmlns="">
       <p:transition>
         <p:cut/>
       </p:transition>
@@ -18768,13 +18767,13 @@
   <p:clrMapOvr>
     <a:masterClrMapping/>
   </p:clrMapOvr>
-  <mc:AlternateContent xmlns:mc="http://schemas.openxmlformats.org/markup-compatibility/2006">
-    <mc:Choice xmlns:p14="http://schemas.microsoft.com/office/powerpoint/2010/main" Requires="p14">
+  <mc:AlternateContent xmlns:mc="http://schemas.openxmlformats.org/markup-compatibility/2006" xmlns:p14="http://schemas.microsoft.com/office/powerpoint/2010/main">
+    <mc:Choice Requires="p14">
       <p:transition p14:dur="100">
         <p:cut/>
       </p:transition>
     </mc:Choice>
-    <mc:Fallback>
+    <mc:Fallback xmlns="">
       <p:transition>
         <p:cut/>
       </p:transition>
@@ -18964,13 +18963,13 @@
   <p:clrMapOvr>
     <a:masterClrMapping/>
   </p:clrMapOvr>
-  <mc:AlternateContent xmlns:mc="http://schemas.openxmlformats.org/markup-compatibility/2006">
-    <mc:Choice xmlns:p14="http://schemas.microsoft.com/office/powerpoint/2010/main" Requires="p14">
+  <mc:AlternateContent xmlns:mc="http://schemas.openxmlformats.org/markup-compatibility/2006" xmlns:p14="http://schemas.microsoft.com/office/powerpoint/2010/main">
+    <mc:Choice Requires="p14">
       <p:transition p14:dur="100">
         <p:cut/>
       </p:transition>
     </mc:Choice>
-    <mc:Fallback>
+    <mc:Fallback xmlns="">
       <p:transition>
         <p:cut/>
       </p:transition>
@@ -19900,13 +19899,13 @@
   <p:clrMapOvr>
     <a:masterClrMapping/>
   </p:clrMapOvr>
-  <mc:AlternateContent xmlns:mc="http://schemas.openxmlformats.org/markup-compatibility/2006">
-    <mc:Choice xmlns:p14="http://schemas.microsoft.com/office/powerpoint/2010/main" Requires="p14">
+  <mc:AlternateContent xmlns:mc="http://schemas.openxmlformats.org/markup-compatibility/2006" xmlns:p14="http://schemas.microsoft.com/office/powerpoint/2010/main">
+    <mc:Choice Requires="p14">
       <p:transition p14:dur="100">
         <p:cut/>
       </p:transition>
     </mc:Choice>
-    <mc:Fallback>
+    <mc:Fallback xmlns="">
       <p:transition>
         <p:cut/>
       </p:transition>
@@ -20121,13 +20120,13 @@
   <p:clrMapOvr>
     <a:masterClrMapping/>
   </p:clrMapOvr>
-  <mc:AlternateContent xmlns:mc="http://schemas.openxmlformats.org/markup-compatibility/2006">
-    <mc:Choice xmlns:p14="http://schemas.microsoft.com/office/powerpoint/2010/main" Requires="p14">
+  <mc:AlternateContent xmlns:mc="http://schemas.openxmlformats.org/markup-compatibility/2006" xmlns:p14="http://schemas.microsoft.com/office/powerpoint/2010/main">
+    <mc:Choice Requires="p14">
       <p:transition p14:dur="100">
         <p:cut/>
       </p:transition>
     </mc:Choice>
-    <mc:Fallback>
+    <mc:Fallback xmlns="">
       <p:transition>
         <p:cut/>
       </p:transition>
@@ -20290,13 +20289,13 @@
   <p:clrMapOvr>
     <a:masterClrMapping/>
   </p:clrMapOvr>
-  <mc:AlternateContent xmlns:mc="http://schemas.openxmlformats.org/markup-compatibility/2006">
-    <mc:Choice xmlns:p14="http://schemas.microsoft.com/office/powerpoint/2010/main" Requires="p14">
+  <mc:AlternateContent xmlns:mc="http://schemas.openxmlformats.org/markup-compatibility/2006" xmlns:p14="http://schemas.microsoft.com/office/powerpoint/2010/main">
+    <mc:Choice Requires="p14">
       <p:transition p14:dur="100">
         <p:cut/>
       </p:transition>
     </mc:Choice>
-    <mc:Fallback>
+    <mc:Fallback xmlns="">
       <p:transition>
         <p:cut/>
       </p:transition>
@@ -20452,13 +20451,13 @@
   <p:clrMapOvr>
     <a:masterClrMapping/>
   </p:clrMapOvr>
-  <mc:AlternateContent xmlns:mc="http://schemas.openxmlformats.org/markup-compatibility/2006">
-    <mc:Choice xmlns:p14="http://schemas.microsoft.com/office/powerpoint/2010/main" Requires="p14">
+  <mc:AlternateContent xmlns:mc="http://schemas.openxmlformats.org/markup-compatibility/2006" xmlns:p14="http://schemas.microsoft.com/office/powerpoint/2010/main">
+    <mc:Choice Requires="p14">
       <p:transition p14:dur="100">
         <p:cut/>
       </p:transition>
     </mc:Choice>
-    <mc:Fallback>
+    <mc:Fallback xmlns="">
       <p:transition>
         <p:cut/>
       </p:transition>
@@ -20633,13 +20632,13 @@
   <p:clrMapOvr>
     <a:masterClrMapping/>
   </p:clrMapOvr>
-  <mc:AlternateContent xmlns:mc="http://schemas.openxmlformats.org/markup-compatibility/2006">
-    <mc:Choice xmlns:p14="http://schemas.microsoft.com/office/powerpoint/2010/main" Requires="p14">
+  <mc:AlternateContent xmlns:mc="http://schemas.openxmlformats.org/markup-compatibility/2006" xmlns:p14="http://schemas.microsoft.com/office/powerpoint/2010/main">
+    <mc:Choice Requires="p14">
       <p:transition p14:dur="100">
         <p:cut/>
       </p:transition>
     </mc:Choice>
-    <mc:Fallback>
+    <mc:Fallback xmlns="">
       <p:transition>
         <p:cut/>
       </p:transition>
@@ -20806,13 +20805,13 @@
   <p:clrMapOvr>
     <a:masterClrMapping/>
   </p:clrMapOvr>
-  <mc:AlternateContent xmlns:mc="http://schemas.openxmlformats.org/markup-compatibility/2006">
-    <mc:Choice xmlns:p14="http://schemas.microsoft.com/office/powerpoint/2010/main" Requires="p14">
+  <mc:AlternateContent xmlns:mc="http://schemas.openxmlformats.org/markup-compatibility/2006" xmlns:p14="http://schemas.microsoft.com/office/powerpoint/2010/main">
+    <mc:Choice Requires="p14">
       <p:transition p14:dur="100">
         <p:cut/>
       </p:transition>
     </mc:Choice>
-    <mc:Fallback>
+    <mc:Fallback xmlns="">
       <p:transition>
         <p:cut/>
       </p:transition>
@@ -20954,13 +20953,13 @@
   <p:clrMapOvr>
     <a:masterClrMapping/>
   </p:clrMapOvr>
-  <mc:AlternateContent xmlns:mc="http://schemas.openxmlformats.org/markup-compatibility/2006">
-    <mc:Choice xmlns:p14="http://schemas.microsoft.com/office/powerpoint/2010/main" Requires="p14">
+  <mc:AlternateContent xmlns:mc="http://schemas.openxmlformats.org/markup-compatibility/2006" xmlns:p14="http://schemas.microsoft.com/office/powerpoint/2010/main">
+    <mc:Choice Requires="p14">
       <p:transition p14:dur="100">
         <p:cut/>
       </p:transition>
     </mc:Choice>
-    <mc:Fallback>
+    <mc:Fallback xmlns="">
       <p:transition>
         <p:cut/>
       </p:transition>
@@ -21106,13 +21105,13 @@
   <p:clrMapOvr>
     <a:masterClrMapping/>
   </p:clrMapOvr>
-  <mc:AlternateContent xmlns:mc="http://schemas.openxmlformats.org/markup-compatibility/2006">
-    <mc:Choice xmlns:p14="http://schemas.microsoft.com/office/powerpoint/2010/main" Requires="p14">
+  <mc:AlternateContent xmlns:mc="http://schemas.openxmlformats.org/markup-compatibility/2006" xmlns:p14="http://schemas.microsoft.com/office/powerpoint/2010/main">
+    <mc:Choice Requires="p14">
       <p:transition p14:dur="100">
         <p:cut/>
       </p:transition>
     </mc:Choice>
-    <mc:Fallback>
+    <mc:Fallback xmlns="">
       <p:transition>
         <p:cut/>
       </p:transition>
@@ -21197,10 +21196,9 @@
           <a:p>
             <a:pPr algn="ctr"/>
             <a:r>
-              <a:rPr lang="en-US" sz="3600" b="1" dirty="0"/>
-              <a:t>Debugging</a:t>
-            </a:r>
-            <a:endParaRPr lang="en-IN" sz="3600" b="1" dirty="0"/>
+              <a:rPr lang="en-IN" sz="3600" b="1" dirty="0"/>
+              <a:t>Template Engines</a:t>
+            </a:r>
           </a:p>
         </p:txBody>
       </p:sp>
@@ -21232,6 +21230,90 @@
           </a:bodyPr>
           <a:lstStyle/>
           <a:p>
+            <a:r>
+              <a:rPr lang="en-IN" dirty="0"/>
+              <a:t>Most Popular Template Engines</a:t>
+            </a:r>
+          </a:p>
+          <a:p>
+            <a:pPr lvl="1"/>
+            <a:r>
+              <a:rPr lang="en-IN" dirty="0"/>
+              <a:t>Pug (Jade)</a:t>
+            </a:r>
+          </a:p>
+          <a:p>
+            <a:pPr lvl="1"/>
+            <a:r>
+              <a:rPr lang="en-IN" dirty="0" err="1"/>
+              <a:t>Mustache</a:t>
+            </a:r>
+            <a:endParaRPr lang="en-IN" dirty="0"/>
+          </a:p>
+          <a:p>
+            <a:pPr lvl="1"/>
+            <a:r>
+              <a:rPr lang="en-IN" dirty="0"/>
+              <a:t>EJS</a:t>
+            </a:r>
+          </a:p>
+          <a:p>
+            <a:r>
+              <a:rPr lang="en-IN" dirty="0"/>
+              <a:t>Each template has different syntax. </a:t>
+            </a:r>
+          </a:p>
+          <a:p>
+            <a:r>
+              <a:rPr lang="en-IN" dirty="0"/>
+              <a:t>Engines use for generate dynamic HTML and returns to Client.</a:t>
+            </a:r>
+          </a:p>
+          <a:p>
+            <a:r>
+              <a:rPr lang="en-IN" dirty="0"/>
+              <a:t>In this demo We will see pug</a:t>
+            </a:r>
+          </a:p>
+          <a:p>
+            <a:r>
+              <a:rPr lang="en-IN" dirty="0">
+                <a:hlinkClick r:id="rId2"/>
+              </a:rPr>
+              <a:t>https://www.npmjs.com/package/pug</a:t>
+            </a:r>
+            <a:endParaRPr lang="en-IN" dirty="0"/>
+          </a:p>
+          <a:p>
+            <a:r>
+              <a:rPr lang="en-IN" dirty="0" err="1"/>
+              <a:t>npm</a:t>
+            </a:r>
+            <a:r>
+              <a:rPr lang="en-IN" dirty="0"/>
+              <a:t> </a:t>
+            </a:r>
+            <a:r>
+              <a:rPr lang="en-IN" dirty="0" err="1"/>
+              <a:t>i</a:t>
+            </a:r>
+            <a:r>
+              <a:rPr lang="en-IN" dirty="0"/>
+              <a:t> pug</a:t>
+            </a:r>
+          </a:p>
+          <a:p>
+            <a:pPr marL="457200" lvl="1" indent="0">
+              <a:buNone/>
+            </a:pPr>
+            <a:endParaRPr lang="en-IN" dirty="0"/>
+          </a:p>
+          <a:p>
+            <a:pPr lvl="1"/>
+            <a:endParaRPr lang="en-IN" dirty="0"/>
+          </a:p>
+          <a:p>
+            <a:pPr lvl="1"/>
             <a:endParaRPr lang="en-IN" dirty="0"/>
           </a:p>
         </p:txBody>
@@ -21239,20 +21321,20 @@
     </p:spTree>
     <p:extLst>
       <p:ext uri="{BB962C8B-B14F-4D97-AF65-F5344CB8AC3E}">
-        <p14:creationId xmlns:p14="http://schemas.microsoft.com/office/powerpoint/2010/main" val="2551781876"/>
+        <p14:creationId xmlns:p14="http://schemas.microsoft.com/office/powerpoint/2010/main" val="3170425630"/>
       </p:ext>
     </p:extLst>
   </p:cSld>
   <p:clrMapOvr>
     <a:masterClrMapping/>
   </p:clrMapOvr>
-  <mc:AlternateContent xmlns:mc="http://schemas.openxmlformats.org/markup-compatibility/2006">
-    <mc:Choice xmlns:p14="http://schemas.microsoft.com/office/powerpoint/2010/main" Requires="p14">
+  <mc:AlternateContent xmlns:mc="http://schemas.openxmlformats.org/markup-compatibility/2006" xmlns:p14="http://schemas.microsoft.com/office/powerpoint/2010/main">
+    <mc:Choice Requires="p14">
       <p:transition p14:dur="100">
         <p:cut/>
       </p:transition>
     </mc:Choice>
-    <mc:Fallback>
+    <mc:Fallback xmlns="">
       <p:transition>
         <p:cut/>
       </p:transition>
@@ -21338,7 +21420,7 @@
             <a:pPr algn="ctr"/>
             <a:r>
               <a:rPr lang="en-IN" sz="3600" b="1" dirty="0"/>
-              <a:t>Template Engines</a:t>
+              <a:t>Pug Template Engine</a:t>
             </a:r>
           </a:p>
         </p:txBody>
@@ -21361,86 +21443,173 @@
         </p:nvSpPr>
         <p:spPr>
           <a:xfrm>
-            <a:off x="838200" y="1825625"/>
+            <a:off x="726440" y="1784985"/>
             <a:ext cx="10515600" cy="4351338"/>
           </a:xfrm>
         </p:spPr>
         <p:txBody>
           <a:bodyPr>
-            <a:normAutofit/>
+            <a:normAutofit fontScale="85000" lnSpcReduction="20000"/>
           </a:bodyPr>
           <a:lstStyle/>
           <a:p>
+            <a:pPr marL="0" indent="0">
+              <a:buNone/>
+            </a:pPr>
+            <a:br>
+              <a:rPr lang="en-US" dirty="0"/>
+            </a:br>
+            <a:r>
+              <a:rPr lang="en-US" dirty="0" err="1"/>
+              <a:t>app.set</a:t>
+            </a:r>
+            <a:r>
+              <a:rPr lang="en-US" dirty="0"/>
+              <a:t>('view </a:t>
+            </a:r>
+            <a:r>
+              <a:rPr lang="en-US" dirty="0" err="1"/>
+              <a:t>engine','pug</a:t>
+            </a:r>
+            <a:r>
+              <a:rPr lang="en-US" dirty="0"/>
+              <a:t>') // Express will internally load this module</a:t>
+            </a:r>
+            <a:br>
+              <a:rPr lang="en-US" dirty="0"/>
+            </a:br>
+            <a:r>
+              <a:rPr lang="en-US" dirty="0" err="1"/>
+              <a:t>app.set</a:t>
+            </a:r>
+            <a:r>
+              <a:rPr lang="en-US" dirty="0"/>
+              <a:t>('views','./views'); // default path</a:t>
+            </a:r>
+            <a:endParaRPr lang="en-IN" dirty="0"/>
+          </a:p>
+          <a:p>
+            <a:pPr marL="0" indent="0">
+              <a:buNone/>
+            </a:pPr>
             <a:r>
               <a:rPr lang="en-IN" dirty="0"/>
-              <a:t>Most Popular Template Engines</a:t>
-            </a:r>
-          </a:p>
-          <a:p>
-            <a:pPr lvl="1"/>
+              <a:t>Syntax</a:t>
+            </a:r>
+          </a:p>
+          <a:p>
+            <a:pPr marL="914400" lvl="2" indent="0">
+              <a:buNone/>
+            </a:pPr>
+            <a:r>
+              <a:rPr lang="en-US" dirty="0"/>
+              <a:t>html</a:t>
+            </a:r>
+          </a:p>
+          <a:p>
+            <a:pPr marL="914400" lvl="2" indent="0">
+              <a:buNone/>
+            </a:pPr>
+            <a:r>
+              <a:rPr lang="en-US" dirty="0"/>
+              <a:t>    head</a:t>
+            </a:r>
+          </a:p>
+          <a:p>
+            <a:pPr marL="914400" lvl="2" indent="0">
+              <a:buNone/>
+            </a:pPr>
+            <a:r>
+              <a:rPr lang="en-US" dirty="0"/>
+              <a:t>        title= title </a:t>
+            </a:r>
+          </a:p>
+          <a:p>
+            <a:pPr marL="914400" lvl="2" indent="0">
+              <a:buNone/>
+            </a:pPr>
+            <a:r>
+              <a:rPr lang="en-US" dirty="0"/>
+              <a:t>    body</a:t>
+            </a:r>
+          </a:p>
+          <a:p>
+            <a:pPr marL="914400" lvl="2" indent="0">
+              <a:buNone/>
+            </a:pPr>
+            <a:r>
+              <a:rPr lang="en-US" dirty="0"/>
+              <a:t>        h1= message</a:t>
+            </a:r>
+          </a:p>
+          <a:p>
+            <a:pPr marL="457200" lvl="1" indent="0">
+              <a:buNone/>
+            </a:pPr>
+            <a:endParaRPr lang="en-IN" dirty="0"/>
+          </a:p>
+          <a:p>
+            <a:pPr marL="0" indent="0">
+              <a:buNone/>
+            </a:pPr>
+            <a:r>
+              <a:rPr lang="en-IN" dirty="0" err="1"/>
+              <a:t>app.get</a:t>
+            </a:r>
             <a:r>
               <a:rPr lang="en-IN" dirty="0"/>
-              <a:t>Pug (Jade)</a:t>
-            </a:r>
-          </a:p>
-          <a:p>
-            <a:pPr lvl="1"/>
+              <a:t>('/', function (</a:t>
+            </a:r>
             <a:r>
               <a:rPr lang="en-IN" dirty="0" err="1"/>
-              <a:t>Mustache</a:t>
-            </a:r>
-            <a:endParaRPr lang="en-IN" dirty="0"/>
-          </a:p>
-          <a:p>
-            <a:pPr lvl="1"/>
+              <a:t>req</a:t>
+            </a:r>
             <a:r>
               <a:rPr lang="en-IN" dirty="0"/>
-              <a:t>EJS</a:t>
-            </a:r>
-          </a:p>
-          <a:p>
+              <a:t>, res) {</a:t>
+            </a:r>
+          </a:p>
+          <a:p>
+            <a:pPr marL="0" indent="0">
+              <a:buNone/>
+            </a:pPr>
             <a:r>
               <a:rPr lang="en-IN" dirty="0"/>
-              <a:t>Each template has different syntax. </a:t>
-            </a:r>
-          </a:p>
-          <a:p>
+              <a:t>    </a:t>
+            </a:r>
+            <a:r>
+              <a:rPr lang="en-IN" dirty="0" err="1"/>
+              <a:t>res.render</a:t>
+            </a:r>
             <a:r>
               <a:rPr lang="en-IN" dirty="0"/>
-              <a:t>Engines use for generate dynamic HTML and returns to Client.</a:t>
-            </a:r>
-          </a:p>
-          <a:p>
+              <a:t>('index', { title: 'my express app', message: 'Hello World' })</a:t>
+            </a:r>
+          </a:p>
+          <a:p>
+            <a:pPr marL="0" indent="0">
+              <a:buNone/>
+            </a:pPr>
             <a:r>
               <a:rPr lang="en-IN" dirty="0"/>
-              <a:t>In this demo We will see pug</a:t>
-            </a:r>
-          </a:p>
-          <a:p>
-            <a:r>
-              <a:rPr lang="en-IN" dirty="0">
-                <a:hlinkClick r:id="rId2"/>
-              </a:rPr>
-              <a:t>https://www.npmjs.com/package/pug</a:t>
-            </a:r>
-            <a:endParaRPr lang="en-IN" dirty="0"/>
-          </a:p>
-          <a:p>
+              <a:t>    // </a:t>
+            </a:r>
             <a:r>
               <a:rPr lang="en-IN" dirty="0" err="1"/>
-              <a:t>npm</a:t>
+              <a:t>res.send</a:t>
             </a:r>
             <a:r>
               <a:rPr lang="en-IN" dirty="0"/>
-              <a:t> </a:t>
-            </a:r>
-            <a:r>
-              <a:rPr lang="en-IN" dirty="0" err="1"/>
-              <a:t>i</a:t>
-            </a:r>
+              <a:t>('Hello World1');</a:t>
+            </a:r>
+          </a:p>
+          <a:p>
+            <a:pPr marL="0" indent="0">
+              <a:buNone/>
+            </a:pPr>
             <a:r>
               <a:rPr lang="en-IN" dirty="0"/>
-              <a:t> pug</a:t>
+              <a:t>});</a:t>
             </a:r>
           </a:p>
           <a:p>
@@ -21462,20 +21631,20 @@
     </p:spTree>
     <p:extLst>
       <p:ext uri="{BB962C8B-B14F-4D97-AF65-F5344CB8AC3E}">
-        <p14:creationId xmlns:p14="http://schemas.microsoft.com/office/powerpoint/2010/main" val="3170425630"/>
+        <p14:creationId xmlns:p14="http://schemas.microsoft.com/office/powerpoint/2010/main" val="1196907577"/>
       </p:ext>
     </p:extLst>
   </p:cSld>
   <p:clrMapOvr>
     <a:masterClrMapping/>
   </p:clrMapOvr>
-  <mc:AlternateContent xmlns:mc="http://schemas.openxmlformats.org/markup-compatibility/2006">
-    <mc:Choice xmlns:p14="http://schemas.microsoft.com/office/powerpoint/2010/main" Requires="p14">
+  <mc:AlternateContent xmlns:mc="http://schemas.openxmlformats.org/markup-compatibility/2006" xmlns:p14="http://schemas.microsoft.com/office/powerpoint/2010/main">
+    <mc:Choice Requires="p14">
       <p:transition p14:dur="100">
         <p:cut/>
       </p:transition>
     </mc:Choice>
-    <mc:Fallback>
+    <mc:Fallback xmlns="">
       <p:transition>
         <p:cut/>
       </p:transition>
@@ -21561,7 +21730,7 @@
             <a:pPr algn="ctr"/>
             <a:r>
               <a:rPr lang="en-IN" sz="3600" b="1" dirty="0"/>
-              <a:t>Pug Template Engine</a:t>
+              <a:t>Database Integration</a:t>
             </a:r>
           </a:p>
         </p:txBody>
@@ -21590,7 +21759,7 @@
         </p:spPr>
         <p:txBody>
           <a:bodyPr>
-            <a:normAutofit fontScale="85000" lnSpcReduction="20000"/>
+            <a:normAutofit/>
           </a:bodyPr>
           <a:lstStyle/>
           <a:p>
@@ -21601,162 +21770,11 @@
               <a:rPr lang="en-US" dirty="0"/>
             </a:br>
             <a:r>
-              <a:rPr lang="en-US" dirty="0" err="1"/>
-              <a:t>app.set</a:t>
-            </a:r>
-            <a:r>
-              <a:rPr lang="en-US" dirty="0"/>
-              <a:t>('view </a:t>
-            </a:r>
-            <a:r>
-              <a:rPr lang="en-US" dirty="0" err="1"/>
-              <a:t>engine','pug</a:t>
-            </a:r>
-            <a:r>
-              <a:rPr lang="en-US" dirty="0"/>
-              <a:t>') // Express will internally load this module</a:t>
-            </a:r>
-            <a:br>
-              <a:rPr lang="en-US" dirty="0"/>
-            </a:br>
-            <a:r>
-              <a:rPr lang="en-US" dirty="0" err="1"/>
-              <a:t>app.set</a:t>
-            </a:r>
-            <a:r>
-              <a:rPr lang="en-US" dirty="0"/>
-              <a:t>('views','./views'); // default path</a:t>
-            </a:r>
-            <a:endParaRPr lang="en-IN" dirty="0"/>
-          </a:p>
-          <a:p>
-            <a:pPr marL="0" indent="0">
-              <a:buNone/>
-            </a:pPr>
-            <a:r>
-              <a:rPr lang="en-IN" dirty="0"/>
-              <a:t>Syntax</a:t>
-            </a:r>
-          </a:p>
-          <a:p>
-            <a:pPr marL="914400" lvl="2" indent="0">
-              <a:buNone/>
-            </a:pPr>
-            <a:r>
-              <a:rPr lang="en-US" dirty="0"/>
-              <a:t>html</a:t>
-            </a:r>
-          </a:p>
-          <a:p>
-            <a:pPr marL="914400" lvl="2" indent="0">
-              <a:buNone/>
-            </a:pPr>
-            <a:r>
-              <a:rPr lang="en-US" dirty="0"/>
-              <a:t>    head</a:t>
-            </a:r>
-          </a:p>
-          <a:p>
-            <a:pPr marL="914400" lvl="2" indent="0">
-              <a:buNone/>
-            </a:pPr>
-            <a:r>
-              <a:rPr lang="en-US" dirty="0"/>
-              <a:t>        title= title </a:t>
-            </a:r>
-          </a:p>
-          <a:p>
-            <a:pPr marL="914400" lvl="2" indent="0">
-              <a:buNone/>
-            </a:pPr>
-            <a:r>
-              <a:rPr lang="en-US" dirty="0"/>
-              <a:t>    body</a:t>
-            </a:r>
-          </a:p>
-          <a:p>
-            <a:pPr marL="914400" lvl="2" indent="0">
-              <a:buNone/>
-            </a:pPr>
-            <a:r>
-              <a:rPr lang="en-US" dirty="0"/>
-              <a:t>        h1= message</a:t>
-            </a:r>
-          </a:p>
-          <a:p>
-            <a:pPr marL="457200" lvl="1" indent="0">
-              <a:buNone/>
-            </a:pPr>
-            <a:endParaRPr lang="en-IN" dirty="0"/>
-          </a:p>
-          <a:p>
-            <a:pPr marL="0" indent="0">
-              <a:buNone/>
-            </a:pPr>
-            <a:r>
-              <a:rPr lang="en-IN" dirty="0" err="1"/>
-              <a:t>app.get</a:t>
-            </a:r>
-            <a:r>
-              <a:rPr lang="en-IN" dirty="0"/>
-              <a:t>('/', function (</a:t>
-            </a:r>
-            <a:r>
-              <a:rPr lang="en-IN" dirty="0" err="1"/>
-              <a:t>req</a:t>
-            </a:r>
-            <a:r>
-              <a:rPr lang="en-IN" dirty="0"/>
-              <a:t>, res) {</a:t>
-            </a:r>
-          </a:p>
-          <a:p>
-            <a:pPr marL="0" indent="0">
-              <a:buNone/>
-            </a:pPr>
-            <a:r>
-              <a:rPr lang="en-IN" dirty="0"/>
-              <a:t>    </a:t>
-            </a:r>
-            <a:r>
-              <a:rPr lang="en-IN" dirty="0" err="1"/>
-              <a:t>res.render</a:t>
-            </a:r>
-            <a:r>
-              <a:rPr lang="en-IN" dirty="0"/>
-              <a:t>('index', { title: 'my express app', message: 'Hello World' })</a:t>
-            </a:r>
-          </a:p>
-          <a:p>
-            <a:pPr marL="0" indent="0">
-              <a:buNone/>
-            </a:pPr>
-            <a:r>
-              <a:rPr lang="en-IN" dirty="0"/>
-              <a:t>    // </a:t>
-            </a:r>
-            <a:r>
-              <a:rPr lang="en-IN" dirty="0" err="1"/>
-              <a:t>res.send</a:t>
-            </a:r>
-            <a:r>
-              <a:rPr lang="en-IN" dirty="0"/>
-              <a:t>('Hello World1');</a:t>
-            </a:r>
-          </a:p>
-          <a:p>
-            <a:pPr marL="0" indent="0">
-              <a:buNone/>
-            </a:pPr>
-            <a:r>
-              <a:rPr lang="en-IN" dirty="0"/>
-              <a:t>});</a:t>
-            </a:r>
-          </a:p>
-          <a:p>
-            <a:pPr marL="457200" lvl="1" indent="0">
-              <a:buNone/>
-            </a:pPr>
+              <a:rPr lang="en-IN" dirty="0">
+                <a:hlinkClick r:id="rId2"/>
+              </a:rPr>
+              <a:t>https://expressjs.com/en/guide/database-integration.html</a:t>
+            </a:r>
             <a:endParaRPr lang="en-IN" dirty="0"/>
           </a:p>
           <a:p>
@@ -21772,20 +21790,20 @@
     </p:spTree>
     <p:extLst>
       <p:ext uri="{BB962C8B-B14F-4D97-AF65-F5344CB8AC3E}">
-        <p14:creationId xmlns:p14="http://schemas.microsoft.com/office/powerpoint/2010/main" val="1196907577"/>
+        <p14:creationId xmlns:p14="http://schemas.microsoft.com/office/powerpoint/2010/main" val="2615968468"/>
       </p:ext>
     </p:extLst>
   </p:cSld>
   <p:clrMapOvr>
     <a:masterClrMapping/>
   </p:clrMapOvr>
-  <mc:AlternateContent xmlns:mc="http://schemas.openxmlformats.org/markup-compatibility/2006">
-    <mc:Choice xmlns:p14="http://schemas.microsoft.com/office/powerpoint/2010/main" Requires="p14">
+  <mc:AlternateContent xmlns:mc="http://schemas.openxmlformats.org/markup-compatibility/2006" xmlns:p14="http://schemas.microsoft.com/office/powerpoint/2010/main">
+    <mc:Choice Requires="p14">
       <p:transition p14:dur="100">
         <p:cut/>
       </p:transition>
     </mc:Choice>
-    <mc:Fallback>
+    <mc:Fallback xmlns="">
       <p:transition>
         <p:cut/>
       </p:transition>
@@ -21871,7 +21889,7 @@
             <a:pPr algn="ctr"/>
             <a:r>
               <a:rPr lang="en-IN" sz="3600" b="1" dirty="0"/>
-              <a:t>Database Integration</a:t>
+              <a:t>Express MVC</a:t>
             </a:r>
           </a:p>
         </p:txBody>
@@ -21914,165 +21932,6 @@
               <a:rPr lang="en-IN" dirty="0">
                 <a:hlinkClick r:id="rId2"/>
               </a:rPr>
-              <a:t>https://expressjs.com/en/guide/database-integration.html</a:t>
-            </a:r>
-            <a:endParaRPr lang="en-IN" dirty="0"/>
-          </a:p>
-          <a:p>
-            <a:pPr lvl="1"/>
-            <a:endParaRPr lang="en-IN" dirty="0"/>
-          </a:p>
-          <a:p>
-            <a:pPr lvl="1"/>
-            <a:endParaRPr lang="en-IN" dirty="0"/>
-          </a:p>
-        </p:txBody>
-      </p:sp>
-    </p:spTree>
-    <p:extLst>
-      <p:ext uri="{BB962C8B-B14F-4D97-AF65-F5344CB8AC3E}">
-        <p14:creationId xmlns:p14="http://schemas.microsoft.com/office/powerpoint/2010/main" val="2615968468"/>
-      </p:ext>
-    </p:extLst>
-  </p:cSld>
-  <p:clrMapOvr>
-    <a:masterClrMapping/>
-  </p:clrMapOvr>
-  <mc:AlternateContent xmlns:mc="http://schemas.openxmlformats.org/markup-compatibility/2006">
-    <mc:Choice xmlns:p14="http://schemas.microsoft.com/office/powerpoint/2010/main" Requires="p14">
-      <p:transition p14:dur="100">
-        <p:cut/>
-      </p:transition>
-    </mc:Choice>
-    <mc:Fallback>
-      <p:transition>
-        <p:cut/>
-      </p:transition>
-    </mc:Fallback>
-  </mc:AlternateContent>
-</p:sld>
-</file>
-
-<file path=ppt/slides/slide67.xml><?xml version="1.0" encoding="utf-8"?>
-<p:sld xmlns:a="http://schemas.openxmlformats.org/drawingml/2006/main" xmlns:r="http://schemas.openxmlformats.org/officeDocument/2006/relationships" xmlns:p="http://schemas.openxmlformats.org/presentationml/2006/main">
-  <p:cSld>
-    <p:bg>
-      <p:bgPr>
-        <a:gradFill>
-          <a:gsLst>
-            <a:gs pos="0">
-              <a:schemeClr val="accent1">
-                <a:lumMod val="5000"/>
-                <a:lumOff val="95000"/>
-              </a:schemeClr>
-            </a:gs>
-            <a:gs pos="74000">
-              <a:schemeClr val="accent1">
-                <a:lumMod val="45000"/>
-                <a:lumOff val="55000"/>
-              </a:schemeClr>
-            </a:gs>
-            <a:gs pos="83000">
-              <a:schemeClr val="accent1">
-                <a:lumMod val="45000"/>
-                <a:lumOff val="55000"/>
-              </a:schemeClr>
-            </a:gs>
-            <a:gs pos="100000">
-              <a:schemeClr val="accent1">
-                <a:lumMod val="30000"/>
-                <a:lumOff val="70000"/>
-              </a:schemeClr>
-            </a:gs>
-          </a:gsLst>
-          <a:lin ang="5400000" scaled="1"/>
-        </a:gradFill>
-        <a:effectLst/>
-      </p:bgPr>
-    </p:bg>
-    <p:spTree>
-      <p:nvGrpSpPr>
-        <p:cNvPr id="1" name=""/>
-        <p:cNvGrpSpPr/>
-        <p:nvPr/>
-      </p:nvGrpSpPr>
-      <p:grpSpPr>
-        <a:xfrm>
-          <a:off x="0" y="0"/>
-          <a:ext cx="0" cy="0"/>
-          <a:chOff x="0" y="0"/>
-          <a:chExt cx="0" cy="0"/>
-        </a:xfrm>
-      </p:grpSpPr>
-      <p:sp>
-        <p:nvSpPr>
-          <p:cNvPr id="2" name="Title 1">
-            <a:extLst>
-              <a:ext uri="{FF2B5EF4-FFF2-40B4-BE49-F238E27FC236}">
-                <a16:creationId xmlns:a16="http://schemas.microsoft.com/office/drawing/2014/main" id="{5097CFF2-D16F-4914-B618-C328B9E97F19}"/>
-              </a:ext>
-            </a:extLst>
-          </p:cNvPr>
-          <p:cNvSpPr>
-            <a:spLocks noGrp="1"/>
-          </p:cNvSpPr>
-          <p:nvPr>
-            <p:ph type="title"/>
-          </p:nvPr>
-        </p:nvSpPr>
-        <p:spPr/>
-        <p:txBody>
-          <a:bodyPr>
-            <a:normAutofit/>
-          </a:bodyPr>
-          <a:lstStyle/>
-          <a:p>
-            <a:pPr algn="ctr"/>
-            <a:r>
-              <a:rPr lang="en-IN" sz="3600" b="1" dirty="0"/>
-              <a:t>Express MVC</a:t>
-            </a:r>
-          </a:p>
-        </p:txBody>
-      </p:sp>
-      <p:sp>
-        <p:nvSpPr>
-          <p:cNvPr id="3" name="Content Placeholder 2">
-            <a:extLst>
-              <a:ext uri="{FF2B5EF4-FFF2-40B4-BE49-F238E27FC236}">
-                <a16:creationId xmlns:a16="http://schemas.microsoft.com/office/drawing/2014/main" id="{3989E1D4-F423-4C1F-92A2-4C95E9D2344E}"/>
-              </a:ext>
-            </a:extLst>
-          </p:cNvPr>
-          <p:cNvSpPr>
-            <a:spLocks noGrp="1"/>
-          </p:cNvSpPr>
-          <p:nvPr>
-            <p:ph idx="1"/>
-          </p:nvPr>
-        </p:nvSpPr>
-        <p:spPr>
-          <a:xfrm>
-            <a:off x="726440" y="1784985"/>
-            <a:ext cx="10515600" cy="4351338"/>
-          </a:xfrm>
-        </p:spPr>
-        <p:txBody>
-          <a:bodyPr>
-            <a:normAutofit/>
-          </a:bodyPr>
-          <a:lstStyle/>
-          <a:p>
-            <a:pPr marL="0" indent="0">
-              <a:buNone/>
-            </a:pPr>
-            <a:br>
-              <a:rPr lang="en-US" dirty="0"/>
-            </a:br>
-            <a:r>
-              <a:rPr lang="en-IN" dirty="0">
-                <a:hlinkClick r:id="rId2"/>
-              </a:rPr>
               <a:t>https://www.npmjs.com/package/express-mvc-generator</a:t>
             </a:r>
             <a:endParaRPr lang="en-IN" dirty="0"/>
@@ -22093,13 +21952,13 @@
   <p:clrMapOvr>
     <a:masterClrMapping/>
   </p:clrMapOvr>
-  <mc:AlternateContent xmlns:mc="http://schemas.openxmlformats.org/markup-compatibility/2006">
-    <mc:Choice xmlns:p14="http://schemas.microsoft.com/office/powerpoint/2010/main" Requires="p14">
+  <mc:AlternateContent xmlns:mc="http://schemas.openxmlformats.org/markup-compatibility/2006" xmlns:p14="http://schemas.microsoft.com/office/powerpoint/2010/main">
+    <mc:Choice Requires="p14">
       <p:transition p14:dur="100">
         <p:cut/>
       </p:transition>
     </mc:Choice>
-    <mc:Fallback>
+    <mc:Fallback xmlns="">
       <p:transition>
         <p:cut/>
       </p:transition>
@@ -22108,7 +21967,7 @@
 </p:sld>
 </file>
 
-<file path=ppt/slides/slide68.xml><?xml version="1.0" encoding="utf-8"?>
+<file path=ppt/slides/slide67.xml><?xml version="1.0" encoding="utf-8"?>
 <p:sld xmlns:a="http://schemas.openxmlformats.org/drawingml/2006/main" xmlns:r="http://schemas.openxmlformats.org/officeDocument/2006/relationships" xmlns:p="http://schemas.openxmlformats.org/presentationml/2006/main">
   <p:cSld>
     <p:bg>
@@ -22375,13 +22234,13 @@
   <p:clrMapOvr>
     <a:overrideClrMapping bg1="dk1" tx1="lt1" bg2="dk2" tx2="lt2" accent1="accent1" accent2="accent2" accent3="accent3" accent4="accent4" accent5="accent5" accent6="accent6" hlink="hlink" folHlink="folHlink"/>
   </p:clrMapOvr>
-  <mc:AlternateContent xmlns:mc="http://schemas.openxmlformats.org/markup-compatibility/2006">
-    <mc:Choice xmlns:p14="http://schemas.microsoft.com/office/powerpoint/2010/main" Requires="p14">
+  <mc:AlternateContent xmlns:mc="http://schemas.openxmlformats.org/markup-compatibility/2006" xmlns:p14="http://schemas.microsoft.com/office/powerpoint/2010/main">
+    <mc:Choice Requires="p14">
       <p:transition p14:dur="100">
         <p:cut/>
       </p:transition>
     </mc:Choice>
-    <mc:Fallback>
+    <mc:Fallback xmlns="">
       <p:transition>
         <p:cut/>
       </p:transition>
@@ -22390,7 +22249,7 @@
 </p:sld>
 </file>
 
-<file path=ppt/slides/slide69.xml><?xml version="1.0" encoding="utf-8"?>
+<file path=ppt/slides/slide68.xml><?xml version="1.0" encoding="utf-8"?>
 <p:sld xmlns:a="http://schemas.openxmlformats.org/drawingml/2006/main" xmlns:r="http://schemas.openxmlformats.org/officeDocument/2006/relationships" xmlns:p="http://schemas.openxmlformats.org/presentationml/2006/main">
   <p:cSld>
     <p:bg>
@@ -22530,13 +22389,214 @@
   <p:clrMapOvr>
     <a:masterClrMapping/>
   </p:clrMapOvr>
-  <mc:AlternateContent xmlns:mc="http://schemas.openxmlformats.org/markup-compatibility/2006">
-    <mc:Choice xmlns:p14="http://schemas.microsoft.com/office/powerpoint/2010/main" Requires="p14">
+  <mc:AlternateContent xmlns:mc="http://schemas.openxmlformats.org/markup-compatibility/2006" xmlns:p14="http://schemas.microsoft.com/office/powerpoint/2010/main">
+    <mc:Choice Requires="p14">
       <p:transition p14:dur="100">
         <p:cut/>
       </p:transition>
     </mc:Choice>
-    <mc:Fallback>
+    <mc:Fallback xmlns="">
+      <p:transition>
+        <p:cut/>
+      </p:transition>
+    </mc:Fallback>
+  </mc:AlternateContent>
+</p:sld>
+</file>
+
+<file path=ppt/slides/slide69.xml><?xml version="1.0" encoding="utf-8"?>
+<p:sld xmlns:a="http://schemas.openxmlformats.org/drawingml/2006/main" xmlns:r="http://schemas.openxmlformats.org/officeDocument/2006/relationships" xmlns:p="http://schemas.openxmlformats.org/presentationml/2006/main">
+  <p:cSld>
+    <p:bg>
+      <p:bgPr>
+        <a:gradFill>
+          <a:gsLst>
+            <a:gs pos="0">
+              <a:schemeClr val="accent1">
+                <a:lumMod val="5000"/>
+                <a:lumOff val="95000"/>
+              </a:schemeClr>
+            </a:gs>
+            <a:gs pos="74000">
+              <a:schemeClr val="accent1">
+                <a:lumMod val="45000"/>
+                <a:lumOff val="55000"/>
+              </a:schemeClr>
+            </a:gs>
+            <a:gs pos="83000">
+              <a:schemeClr val="accent1">
+                <a:lumMod val="45000"/>
+                <a:lumOff val="55000"/>
+              </a:schemeClr>
+            </a:gs>
+            <a:gs pos="100000">
+              <a:schemeClr val="accent1">
+                <a:lumMod val="30000"/>
+                <a:lumOff val="70000"/>
+              </a:schemeClr>
+            </a:gs>
+          </a:gsLst>
+          <a:lin ang="5400000" scaled="1"/>
+        </a:gradFill>
+        <a:effectLst/>
+      </p:bgPr>
+    </p:bg>
+    <p:spTree>
+      <p:nvGrpSpPr>
+        <p:cNvPr id="1" name=""/>
+        <p:cNvGrpSpPr/>
+        <p:nvPr/>
+      </p:nvGrpSpPr>
+      <p:grpSpPr>
+        <a:xfrm>
+          <a:off x="0" y="0"/>
+          <a:ext cx="0" cy="0"/>
+          <a:chOff x="0" y="0"/>
+          <a:chExt cx="0" cy="0"/>
+        </a:xfrm>
+      </p:grpSpPr>
+      <p:sp>
+        <p:nvSpPr>
+          <p:cNvPr id="2" name="Title 1">
+            <a:extLst>
+              <a:ext uri="{FF2B5EF4-FFF2-40B4-BE49-F238E27FC236}">
+                <a16:creationId xmlns:a16="http://schemas.microsoft.com/office/drawing/2014/main" id="{5097CFF2-D16F-4914-B618-C328B9E97F19}"/>
+              </a:ext>
+            </a:extLst>
+          </p:cNvPr>
+          <p:cNvSpPr>
+            <a:spLocks noGrp="1"/>
+          </p:cNvSpPr>
+          <p:nvPr>
+            <p:ph type="ctrTitle"/>
+          </p:nvPr>
+        </p:nvSpPr>
+        <p:spPr>
+          <a:xfrm>
+            <a:off x="1524000" y="1122363"/>
+            <a:ext cx="9144000" cy="1185831"/>
+          </a:xfrm>
+        </p:spPr>
+        <p:txBody>
+          <a:bodyPr>
+            <a:normAutofit/>
+          </a:bodyPr>
+          <a:lstStyle/>
+          <a:p>
+            <a:r>
+              <a:rPr lang="en-US" sz="3600" b="1" dirty="0"/>
+              <a:t>Async patterns</a:t>
+            </a:r>
+            <a:endParaRPr lang="en-IN" sz="3600" b="1" dirty="0"/>
+          </a:p>
+        </p:txBody>
+      </p:sp>
+      <p:sp>
+        <p:nvSpPr>
+          <p:cNvPr id="3" name="Content Placeholder 2">
+            <a:extLst>
+              <a:ext uri="{FF2B5EF4-FFF2-40B4-BE49-F238E27FC236}">
+                <a16:creationId xmlns:a16="http://schemas.microsoft.com/office/drawing/2014/main" id="{3989E1D4-F423-4C1F-92A2-4C95E9D2344E}"/>
+              </a:ext>
+            </a:extLst>
+          </p:cNvPr>
+          <p:cNvSpPr>
+            <a:spLocks noGrp="1"/>
+          </p:cNvSpPr>
+          <p:nvPr>
+            <p:ph type="subTitle" idx="1"/>
+          </p:nvPr>
+        </p:nvSpPr>
+        <p:spPr>
+          <a:xfrm>
+            <a:off x="1639410" y="2776414"/>
+            <a:ext cx="9144000" cy="2665597"/>
+          </a:xfrm>
+        </p:spPr>
+        <p:txBody>
+          <a:bodyPr>
+            <a:normAutofit/>
+          </a:bodyPr>
+          <a:lstStyle/>
+          <a:p>
+            <a:pPr algn="l"/>
+            <a:br>
+              <a:rPr lang="en-US" dirty="0"/>
+            </a:br>
+            <a:r>
+              <a:rPr lang="en-US" dirty="0">
+                <a:hlinkClick r:id="rId2"/>
+              </a:rPr>
+              <a:t>async_patterns.js</a:t>
+            </a:r>
+            <a:endParaRPr lang="en-US" dirty="0"/>
+          </a:p>
+          <a:p>
+            <a:pPr algn="l"/>
+            <a:endParaRPr lang="en-US" dirty="0"/>
+          </a:p>
+          <a:p>
+            <a:pPr marL="342900" indent="-342900" algn="l">
+              <a:buFont typeface="Arial" panose="020B0604020202020204" pitchFamily="34" charset="0"/>
+              <a:buChar char="•"/>
+            </a:pPr>
+            <a:r>
+              <a:rPr lang="en-IN" b="1" dirty="0" err="1"/>
+              <a:t>callbacks</a:t>
+            </a:r>
+            <a:endParaRPr lang="en-IN" b="1" dirty="0"/>
+          </a:p>
+          <a:p>
+            <a:pPr marL="342900" indent="-342900" algn="l">
+              <a:buFont typeface="Arial" panose="020B0604020202020204" pitchFamily="34" charset="0"/>
+              <a:buChar char="•"/>
+            </a:pPr>
+            <a:r>
+              <a:rPr lang="en-IN" b="1" dirty="0"/>
+              <a:t>Promises</a:t>
+            </a:r>
+          </a:p>
+          <a:p>
+            <a:pPr marL="342900" indent="-342900" algn="l">
+              <a:buFont typeface="Arial" panose="020B0604020202020204" pitchFamily="34" charset="0"/>
+              <a:buChar char="•"/>
+            </a:pPr>
+            <a:r>
+              <a:rPr lang="en-IN" b="1" dirty="0" err="1"/>
+              <a:t>aync</a:t>
+            </a:r>
+            <a:r>
+              <a:rPr lang="en-IN" b="1" dirty="0"/>
+              <a:t>/await</a:t>
+            </a:r>
+          </a:p>
+          <a:p>
+            <a:pPr algn="l"/>
+            <a:endParaRPr lang="en-IN" dirty="0"/>
+          </a:p>
+          <a:p>
+            <a:pPr algn="l"/>
+            <a:endParaRPr lang="en-IN" dirty="0"/>
+          </a:p>
+        </p:txBody>
+      </p:sp>
+    </p:spTree>
+    <p:extLst>
+      <p:ext uri="{BB962C8B-B14F-4D97-AF65-F5344CB8AC3E}">
+        <p14:creationId xmlns:p14="http://schemas.microsoft.com/office/powerpoint/2010/main" val="2082431062"/>
+      </p:ext>
+    </p:extLst>
+  </p:cSld>
+  <p:clrMapOvr>
+    <a:masterClrMapping/>
+  </p:clrMapOvr>
+  <mc:AlternateContent xmlns:mc="http://schemas.openxmlformats.org/markup-compatibility/2006" xmlns:p14="http://schemas.microsoft.com/office/powerpoint/2010/main">
+    <mc:Choice Requires="p14">
+      <p:transition p14:dur="100">
+        <p:cut/>
+      </p:transition>
+    </mc:Choice>
+    <mc:Fallback xmlns="">
       <p:transition>
         <p:cut/>
       </p:transition>
@@ -22673,13 +22733,13 @@
   <p:clrMapOvr>
     <a:masterClrMapping/>
   </p:clrMapOvr>
-  <mc:AlternateContent xmlns:mc="http://schemas.openxmlformats.org/markup-compatibility/2006">
-    <mc:Choice xmlns:p14="http://schemas.microsoft.com/office/powerpoint/2010/main" Requires="p14">
+  <mc:AlternateContent xmlns:mc="http://schemas.openxmlformats.org/markup-compatibility/2006" xmlns:p14="http://schemas.microsoft.com/office/powerpoint/2010/main">
+    <mc:Choice Requires="p14">
       <p:transition p14:dur="100">
         <p:cut/>
       </p:transition>
     </mc:Choice>
-    <mc:Fallback>
+    <mc:Fallback xmlns="">
       <p:transition>
         <p:cut/>
       </p:transition>
@@ -22769,7 +22829,7 @@
           <a:p>
             <a:r>
               <a:rPr lang="en-US" sz="3600" b="1" dirty="0"/>
-              <a:t>Async patterns</a:t>
+              <a:t>Callbacks</a:t>
             </a:r>
             <a:endParaRPr lang="en-IN" sz="3600" b="1" dirty="0"/>
           </a:p>
@@ -22804,6 +22864,13 @@
           <a:lstStyle/>
           <a:p>
             <a:pPr algn="l"/>
+            <a:r>
+              <a:rPr lang="en-US" dirty="0"/>
+              <a:t>Node JS handle all asynchronous calls via callback. callbacks in the general definition are just functions that you pass to other functions. It is called at the completion of certain task.</a:t>
+            </a:r>
+          </a:p>
+          <a:p>
+            <a:pPr algn="l"/>
             <a:br>
               <a:rPr lang="en-US" dirty="0"/>
             </a:br>
@@ -22811,48 +22878,13 @@
               <a:rPr lang="en-US" dirty="0">
                 <a:hlinkClick r:id="rId2"/>
               </a:rPr>
-              <a:t>async_patterns.js</a:t>
+              <a:t>callbacks.js</a:t>
             </a:r>
             <a:endParaRPr lang="en-US" dirty="0"/>
           </a:p>
           <a:p>
             <a:pPr algn="l"/>
             <a:endParaRPr lang="en-US" dirty="0"/>
-          </a:p>
-          <a:p>
-            <a:pPr marL="342900" indent="-342900" algn="l">
-              <a:buFont typeface="Arial" panose="020B0604020202020204" pitchFamily="34" charset="0"/>
-              <a:buChar char="•"/>
-            </a:pPr>
-            <a:r>
-              <a:rPr lang="en-IN" b="1" dirty="0" err="1"/>
-              <a:t>callbacks</a:t>
-            </a:r>
-            <a:endParaRPr lang="en-IN" b="1" dirty="0"/>
-          </a:p>
-          <a:p>
-            <a:pPr marL="342900" indent="-342900" algn="l">
-              <a:buFont typeface="Arial" panose="020B0604020202020204" pitchFamily="34" charset="0"/>
-              <a:buChar char="•"/>
-            </a:pPr>
-            <a:r>
-              <a:rPr lang="en-IN" b="1" dirty="0"/>
-              <a:t>Promises</a:t>
-            </a:r>
-          </a:p>
-          <a:p>
-            <a:pPr marL="342900" indent="-342900" algn="l">
-              <a:buFont typeface="Arial" panose="020B0604020202020204" pitchFamily="34" charset="0"/>
-              <a:buChar char="•"/>
-            </a:pPr>
-            <a:r>
-              <a:rPr lang="en-IN" b="1" dirty="0" err="1"/>
-              <a:t>aync</a:t>
-            </a:r>
-            <a:r>
-              <a:rPr lang="en-IN" b="1" dirty="0"/>
-              <a:t>/await</a:t>
-            </a:r>
           </a:p>
           <a:p>
             <a:pPr algn="l"/>
@@ -22867,20 +22899,20 @@
     </p:spTree>
     <p:extLst>
       <p:ext uri="{BB962C8B-B14F-4D97-AF65-F5344CB8AC3E}">
-        <p14:creationId xmlns:p14="http://schemas.microsoft.com/office/powerpoint/2010/main" val="2082431062"/>
+        <p14:creationId xmlns:p14="http://schemas.microsoft.com/office/powerpoint/2010/main" val="1712950228"/>
       </p:ext>
     </p:extLst>
   </p:cSld>
   <p:clrMapOvr>
     <a:masterClrMapping/>
   </p:clrMapOvr>
-  <mc:AlternateContent xmlns:mc="http://schemas.openxmlformats.org/markup-compatibility/2006">
-    <mc:Choice xmlns:p14="http://schemas.microsoft.com/office/powerpoint/2010/main" Requires="p14">
+  <mc:AlternateContent xmlns:mc="http://schemas.openxmlformats.org/markup-compatibility/2006" xmlns:p14="http://schemas.microsoft.com/office/powerpoint/2010/main">
+    <mc:Choice Requires="p14">
       <p:transition p14:dur="100">
         <p:cut/>
       </p:transition>
     </mc:Choice>
-    <mc:Fallback>
+    <mc:Fallback xmlns="">
       <p:transition>
         <p:cut/>
       </p:transition>
@@ -22970,7 +23002,7 @@
           <a:p>
             <a:r>
               <a:rPr lang="en-US" sz="3600" b="1" dirty="0"/>
-              <a:t>Callbacks</a:t>
+              <a:t>Callback Hell</a:t>
             </a:r>
             <a:endParaRPr lang="en-IN" sz="3600" b="1" dirty="0"/>
           </a:p>
@@ -23005,13 +23037,6 @@
           <a:lstStyle/>
           <a:p>
             <a:pPr algn="l"/>
-            <a:r>
-              <a:rPr lang="en-US" dirty="0"/>
-              <a:t>Node JS handle all asynchronous calls via callback. callbacks in the general definition are just functions that you pass to other functions. It is called at the completion of certain task.</a:t>
-            </a:r>
-          </a:p>
-          <a:p>
-            <a:pPr algn="l"/>
             <a:br>
               <a:rPr lang="en-US" dirty="0"/>
             </a:br>
@@ -23019,7 +23044,7 @@
               <a:rPr lang="en-US" dirty="0">
                 <a:hlinkClick r:id="rId2"/>
               </a:rPr>
-              <a:t>callbacks.js</a:t>
+              <a:t>callback_hell.js</a:t>
             </a:r>
             <a:endParaRPr lang="en-US" dirty="0"/>
           </a:p>
@@ -23040,20 +23065,20 @@
     </p:spTree>
     <p:extLst>
       <p:ext uri="{BB962C8B-B14F-4D97-AF65-F5344CB8AC3E}">
-        <p14:creationId xmlns:p14="http://schemas.microsoft.com/office/powerpoint/2010/main" val="1712950228"/>
+        <p14:creationId xmlns:p14="http://schemas.microsoft.com/office/powerpoint/2010/main" val="2595920085"/>
       </p:ext>
     </p:extLst>
   </p:cSld>
   <p:clrMapOvr>
     <a:masterClrMapping/>
   </p:clrMapOvr>
-  <mc:AlternateContent xmlns:mc="http://schemas.openxmlformats.org/markup-compatibility/2006">
-    <mc:Choice xmlns:p14="http://schemas.microsoft.com/office/powerpoint/2010/main" Requires="p14">
+  <mc:AlternateContent xmlns:mc="http://schemas.openxmlformats.org/markup-compatibility/2006" xmlns:p14="http://schemas.microsoft.com/office/powerpoint/2010/main">
+    <mc:Choice Requires="p14">
       <p:transition p14:dur="100">
         <p:cut/>
       </p:transition>
     </mc:Choice>
-    <mc:Fallback>
+    <mc:Fallback xmlns="">
       <p:transition>
         <p:cut/>
       </p:transition>
@@ -23063,6 +23088,309 @@
 </file>
 
 <file path=ppt/slides/slide72.xml><?xml version="1.0" encoding="utf-8"?>
+<p:sld xmlns:a="http://schemas.openxmlformats.org/drawingml/2006/main" xmlns:r="http://schemas.openxmlformats.org/officeDocument/2006/relationships" xmlns:p="http://schemas.openxmlformats.org/presentationml/2006/main">
+  <p:cSld>
+    <p:bg>
+      <p:bgPr>
+        <a:gradFill>
+          <a:gsLst>
+            <a:gs pos="0">
+              <a:schemeClr val="accent1">
+                <a:lumMod val="5000"/>
+                <a:lumOff val="95000"/>
+              </a:schemeClr>
+            </a:gs>
+            <a:gs pos="74000">
+              <a:schemeClr val="accent1">
+                <a:lumMod val="45000"/>
+                <a:lumOff val="55000"/>
+              </a:schemeClr>
+            </a:gs>
+            <a:gs pos="83000">
+              <a:schemeClr val="accent1">
+                <a:lumMod val="45000"/>
+                <a:lumOff val="55000"/>
+              </a:schemeClr>
+            </a:gs>
+            <a:gs pos="100000">
+              <a:schemeClr val="accent1">
+                <a:lumMod val="30000"/>
+                <a:lumOff val="70000"/>
+              </a:schemeClr>
+            </a:gs>
+          </a:gsLst>
+          <a:lin ang="5400000" scaled="1"/>
+        </a:gradFill>
+        <a:effectLst/>
+      </p:bgPr>
+    </p:bg>
+    <p:spTree>
+      <p:nvGrpSpPr>
+        <p:cNvPr id="1" name=""/>
+        <p:cNvGrpSpPr/>
+        <p:nvPr/>
+      </p:nvGrpSpPr>
+      <p:grpSpPr>
+        <a:xfrm>
+          <a:off x="0" y="0"/>
+          <a:ext cx="0" cy="0"/>
+          <a:chOff x="0" y="0"/>
+          <a:chExt cx="0" cy="0"/>
+        </a:xfrm>
+      </p:grpSpPr>
+      <p:pic>
+        <p:nvPicPr>
+          <p:cNvPr id="5" name="Picture 4">
+            <a:extLst>
+              <a:ext uri="{FF2B5EF4-FFF2-40B4-BE49-F238E27FC236}">
+                <a16:creationId xmlns:a16="http://schemas.microsoft.com/office/drawing/2014/main" id="{43AD41C6-8CBE-4276-9B82-B33F230997E3}"/>
+              </a:ext>
+            </a:extLst>
+          </p:cNvPr>
+          <p:cNvPicPr>
+            <a:picLocks noChangeAspect="1"/>
+          </p:cNvPicPr>
+          <p:nvPr/>
+        </p:nvPicPr>
+        <p:blipFill>
+          <a:blip r:embed="rId2">
+            <a:extLst>
+              <a:ext uri="{28A0092B-C50C-407E-A947-70E740481C1C}">
+                <a14:useLocalDpi xmlns:a14="http://schemas.microsoft.com/office/drawing/2010/main" val="0"/>
+              </a:ext>
+            </a:extLst>
+          </a:blip>
+          <a:stretch>
+            <a:fillRect/>
+          </a:stretch>
+        </p:blipFill>
+        <p:spPr>
+          <a:xfrm>
+            <a:off x="2286000" y="1035728"/>
+            <a:ext cx="6334217" cy="3136777"/>
+          </a:xfrm>
+          <a:prstGeom prst="rect">
+            <a:avLst/>
+          </a:prstGeom>
+        </p:spPr>
+      </p:pic>
+      <p:sp>
+        <p:nvSpPr>
+          <p:cNvPr id="2" name="Title 1">
+            <a:extLst>
+              <a:ext uri="{FF2B5EF4-FFF2-40B4-BE49-F238E27FC236}">
+                <a16:creationId xmlns:a16="http://schemas.microsoft.com/office/drawing/2014/main" id="{5097CFF2-D16F-4914-B618-C328B9E97F19}"/>
+              </a:ext>
+            </a:extLst>
+          </p:cNvPr>
+          <p:cNvSpPr>
+            <a:spLocks noGrp="1"/>
+          </p:cNvSpPr>
+          <p:nvPr>
+            <p:ph type="title"/>
+          </p:nvPr>
+        </p:nvSpPr>
+        <p:spPr>
+          <a:xfrm>
+            <a:off x="838200" y="365125"/>
+            <a:ext cx="10515600" cy="451621"/>
+          </a:xfrm>
+        </p:spPr>
+        <p:txBody>
+          <a:bodyPr>
+            <a:noAutofit/>
+          </a:bodyPr>
+          <a:lstStyle/>
+          <a:p>
+            <a:pPr algn="ctr"/>
+            <a:r>
+              <a:rPr lang="en-US" sz="3600" b="1" dirty="0"/>
+              <a:t>Promises</a:t>
+            </a:r>
+            <a:endParaRPr lang="en-IN" sz="3600" b="1" dirty="0"/>
+          </a:p>
+        </p:txBody>
+      </p:sp>
+      <p:sp>
+        <p:nvSpPr>
+          <p:cNvPr id="3" name="Content Placeholder 2">
+            <a:extLst>
+              <a:ext uri="{FF2B5EF4-FFF2-40B4-BE49-F238E27FC236}">
+                <a16:creationId xmlns:a16="http://schemas.microsoft.com/office/drawing/2014/main" id="{3989E1D4-F423-4C1F-92A2-4C95E9D2344E}"/>
+              </a:ext>
+            </a:extLst>
+          </p:cNvPr>
+          <p:cNvSpPr>
+            <a:spLocks noGrp="1"/>
+          </p:cNvSpPr>
+          <p:nvPr>
+            <p:ph idx="1"/>
+          </p:nvPr>
+        </p:nvSpPr>
+        <p:spPr>
+          <a:xfrm>
+            <a:off x="838200" y="1825625"/>
+            <a:ext cx="9806126" cy="4761606"/>
+          </a:xfrm>
+        </p:spPr>
+        <p:txBody>
+          <a:bodyPr>
+            <a:normAutofit fontScale="62500" lnSpcReduction="20000"/>
+          </a:bodyPr>
+          <a:lstStyle/>
+          <a:p>
+            <a:pPr marL="0" indent="0" algn="l">
+              <a:buNone/>
+            </a:pPr>
+            <a:br>
+              <a:rPr lang="en-US" dirty="0"/>
+            </a:br>
+            <a:endParaRPr lang="en-US" dirty="0"/>
+          </a:p>
+          <a:p>
+            <a:pPr algn="l"/>
+            <a:endParaRPr lang="en-US" dirty="0">
+              <a:hlinkClick r:id="rId3" action="ppaction://hlinkfile"/>
+            </a:endParaRPr>
+          </a:p>
+          <a:p>
+            <a:pPr algn="l"/>
+            <a:endParaRPr lang="en-US" dirty="0">
+              <a:hlinkClick r:id="rId3" action="ppaction://hlinkfile"/>
+            </a:endParaRPr>
+          </a:p>
+          <a:p>
+            <a:pPr algn="l"/>
+            <a:endParaRPr lang="en-US" dirty="0">
+              <a:hlinkClick r:id="rId3" action="ppaction://hlinkfile"/>
+            </a:endParaRPr>
+          </a:p>
+          <a:p>
+            <a:pPr algn="l"/>
+            <a:endParaRPr lang="en-US" dirty="0">
+              <a:hlinkClick r:id="rId3" action="ppaction://hlinkfile"/>
+            </a:endParaRPr>
+          </a:p>
+          <a:p>
+            <a:pPr algn="l"/>
+            <a:endParaRPr lang="en-US" dirty="0">
+              <a:hlinkClick r:id="rId3" action="ppaction://hlinkfile"/>
+            </a:endParaRPr>
+          </a:p>
+          <a:p>
+            <a:pPr algn="l"/>
+            <a:endParaRPr lang="en-US" dirty="0">
+              <a:hlinkClick r:id="rId3" action="ppaction://hlinkfile"/>
+            </a:endParaRPr>
+          </a:p>
+          <a:p>
+            <a:pPr algn="l"/>
+            <a:endParaRPr lang="en-US" dirty="0">
+              <a:hlinkClick r:id="rId3" action="ppaction://hlinkfile"/>
+            </a:endParaRPr>
+          </a:p>
+          <a:p>
+            <a:r>
+              <a:rPr lang="en-US" dirty="0"/>
+              <a:t>A promise can be created in our JavaScript code. Or else it can be returned from an external node package</a:t>
+            </a:r>
+          </a:p>
+          <a:p>
+            <a:r>
+              <a:rPr lang="en-US" dirty="0"/>
+              <a:t>Any promise that performs async operations should call any one of the two methods </a:t>
+            </a:r>
+            <a:r>
+              <a:rPr lang="en-US" b="1" dirty="0"/>
+              <a:t>resolve</a:t>
+            </a:r>
+            <a:r>
+              <a:rPr lang="en-US" dirty="0"/>
+              <a:t> or </a:t>
+            </a:r>
+            <a:r>
+              <a:rPr lang="en-US" b="1" dirty="0"/>
+              <a:t>reject. </a:t>
+            </a:r>
+            <a:r>
+              <a:rPr lang="en-US" dirty="0"/>
+              <a:t>Promise will consume using </a:t>
+            </a:r>
+            <a:r>
+              <a:rPr lang="en-US" b="1" dirty="0"/>
+              <a:t>then</a:t>
+            </a:r>
+            <a:r>
+              <a:rPr lang="en-US" dirty="0"/>
+              <a:t> method</a:t>
+            </a:r>
+          </a:p>
+          <a:p>
+            <a:r>
+              <a:rPr lang="en-US" dirty="0"/>
+              <a:t>What happens if you try to access the value from promise before it is resolved or rejected. Then promise will be in the </a:t>
+            </a:r>
+            <a:r>
+              <a:rPr lang="en-US" b="1" dirty="0"/>
+              <a:t>pending</a:t>
+            </a:r>
+            <a:r>
+              <a:rPr lang="en-US" dirty="0"/>
+              <a:t> state.</a:t>
+            </a:r>
+          </a:p>
+          <a:p>
+            <a:r>
+              <a:rPr lang="en-US" dirty="0">
+                <a:hlinkClick r:id="rId4"/>
+              </a:rPr>
+              <a:t>promise.js</a:t>
+            </a:r>
+            <a:endParaRPr lang="en-US" dirty="0"/>
+          </a:p>
+          <a:p>
+            <a:endParaRPr lang="en-US" dirty="0"/>
+          </a:p>
+          <a:p>
+            <a:pPr algn="l"/>
+            <a:endParaRPr lang="en-US" dirty="0"/>
+          </a:p>
+          <a:p>
+            <a:pPr algn="l"/>
+            <a:endParaRPr lang="en-IN" dirty="0"/>
+          </a:p>
+          <a:p>
+            <a:pPr algn="l"/>
+            <a:endParaRPr lang="en-IN" dirty="0"/>
+          </a:p>
+        </p:txBody>
+      </p:sp>
+    </p:spTree>
+    <p:extLst>
+      <p:ext uri="{BB962C8B-B14F-4D97-AF65-F5344CB8AC3E}">
+        <p14:creationId xmlns:p14="http://schemas.microsoft.com/office/powerpoint/2010/main" val="2500105051"/>
+      </p:ext>
+    </p:extLst>
+  </p:cSld>
+  <p:clrMapOvr>
+    <a:masterClrMapping/>
+  </p:clrMapOvr>
+  <mc:AlternateContent xmlns:mc="http://schemas.openxmlformats.org/markup-compatibility/2006" xmlns:p14="http://schemas.microsoft.com/office/powerpoint/2010/main">
+    <mc:Choice Requires="p14">
+      <p:transition p14:dur="100">
+        <p:cut/>
+      </p:transition>
+    </mc:Choice>
+    <mc:Fallback xmlns="">
+      <p:transition>
+        <p:cut/>
+      </p:transition>
+    </mc:Fallback>
+  </mc:AlternateContent>
+</p:sld>
+</file>
+
+<file path=ppt/slides/slide73.xml><?xml version="1.0" encoding="utf-8"?>
 <p:sld xmlns:a="http://schemas.openxmlformats.org/drawingml/2006/main" xmlns:r="http://schemas.openxmlformats.org/officeDocument/2006/relationships" xmlns:p="http://schemas.openxmlformats.org/presentationml/2006/main">
   <p:cSld>
     <p:bg>
@@ -23131,21 +23459,49 @@
         </p:nvSpPr>
         <p:spPr>
           <a:xfrm>
-            <a:off x="1524000" y="1122363"/>
-            <a:ext cx="9144000" cy="1185831"/>
+            <a:off x="355107" y="1122363"/>
+            <a:ext cx="11674136" cy="1754002"/>
           </a:xfrm>
         </p:spPr>
         <p:txBody>
           <a:bodyPr>
-            <a:normAutofit/>
+            <a:normAutofit fontScale="90000"/>
           </a:bodyPr>
           <a:lstStyle/>
           <a:p>
-            <a:r>
-              <a:rPr lang="en-US" sz="3600" b="1" dirty="0"/>
-              <a:t>Callback Hell</a:t>
-            </a:r>
-            <a:endParaRPr lang="en-IN" sz="3600" b="1" dirty="0"/>
+            <a:br>
+              <a:rPr lang="en-US" sz="6700" b="1" dirty="0">
+                <a:solidFill>
+                  <a:schemeClr val="accent6"/>
+                </a:solidFill>
+              </a:rPr>
+            </a:br>
+            <a:br>
+              <a:rPr lang="en-US" sz="6700" b="1" dirty="0">
+                <a:solidFill>
+                  <a:schemeClr val="accent6"/>
+                </a:solidFill>
+              </a:rPr>
+            </a:br>
+            <a:r>
+              <a:rPr lang="en-US" sz="4000" b="1" dirty="0"/>
+              <a:t>Replacing Callbacks with Promises</a:t>
+            </a:r>
+            <a:br>
+              <a:rPr lang="en-US" sz="4000" b="1" dirty="0"/>
+            </a:br>
+            <a:r>
+              <a:rPr lang="en-US" sz="4000" b="1" dirty="0"/>
+              <a:t>And </a:t>
+            </a:r>
+            <a:br>
+              <a:rPr lang="en-US" sz="4000" b="1" dirty="0"/>
+            </a:br>
+            <a:r>
+              <a:rPr lang="en-US" sz="4000" b="1" dirty="0"/>
+              <a:t>Consuming Promise</a:t>
+            </a:r>
+            <a:endParaRPr lang="en-IN" sz="4000" b="1" dirty="0"/>
           </a:p>
         </p:txBody>
       </p:sp>
@@ -23185,7 +23541,7 @@
               <a:rPr lang="en-US" dirty="0">
                 <a:hlinkClick r:id="rId2"/>
               </a:rPr>
-              <a:t>callback_hell.js</a:t>
+              <a:t>calllback_to_promise.js</a:t>
             </a:r>
             <a:endParaRPr lang="en-US" dirty="0"/>
           </a:p>
@@ -23206,323 +23562,20 @@
     </p:spTree>
     <p:extLst>
       <p:ext uri="{BB962C8B-B14F-4D97-AF65-F5344CB8AC3E}">
-        <p14:creationId xmlns:p14="http://schemas.microsoft.com/office/powerpoint/2010/main" val="2595920085"/>
+        <p14:creationId xmlns:p14="http://schemas.microsoft.com/office/powerpoint/2010/main" val="1402188774"/>
       </p:ext>
     </p:extLst>
   </p:cSld>
   <p:clrMapOvr>
     <a:masterClrMapping/>
   </p:clrMapOvr>
-  <mc:AlternateContent xmlns:mc="http://schemas.openxmlformats.org/markup-compatibility/2006">
-    <mc:Choice xmlns:p14="http://schemas.microsoft.com/office/powerpoint/2010/main" Requires="p14">
+  <mc:AlternateContent xmlns:mc="http://schemas.openxmlformats.org/markup-compatibility/2006" xmlns:p14="http://schemas.microsoft.com/office/powerpoint/2010/main">
+    <mc:Choice Requires="p14">
       <p:transition p14:dur="100">
         <p:cut/>
       </p:transition>
     </mc:Choice>
-    <mc:Fallback>
-      <p:transition>
-        <p:cut/>
-      </p:transition>
-    </mc:Fallback>
-  </mc:AlternateContent>
-</p:sld>
-</file>
-
-<file path=ppt/slides/slide73.xml><?xml version="1.0" encoding="utf-8"?>
-<p:sld xmlns:a="http://schemas.openxmlformats.org/drawingml/2006/main" xmlns:r="http://schemas.openxmlformats.org/officeDocument/2006/relationships" xmlns:p="http://schemas.openxmlformats.org/presentationml/2006/main">
-  <p:cSld>
-    <p:bg>
-      <p:bgPr>
-        <a:gradFill>
-          <a:gsLst>
-            <a:gs pos="0">
-              <a:schemeClr val="accent1">
-                <a:lumMod val="5000"/>
-                <a:lumOff val="95000"/>
-              </a:schemeClr>
-            </a:gs>
-            <a:gs pos="74000">
-              <a:schemeClr val="accent1">
-                <a:lumMod val="45000"/>
-                <a:lumOff val="55000"/>
-              </a:schemeClr>
-            </a:gs>
-            <a:gs pos="83000">
-              <a:schemeClr val="accent1">
-                <a:lumMod val="45000"/>
-                <a:lumOff val="55000"/>
-              </a:schemeClr>
-            </a:gs>
-            <a:gs pos="100000">
-              <a:schemeClr val="accent1">
-                <a:lumMod val="30000"/>
-                <a:lumOff val="70000"/>
-              </a:schemeClr>
-            </a:gs>
-          </a:gsLst>
-          <a:lin ang="5400000" scaled="1"/>
-        </a:gradFill>
-        <a:effectLst/>
-      </p:bgPr>
-    </p:bg>
-    <p:spTree>
-      <p:nvGrpSpPr>
-        <p:cNvPr id="1" name=""/>
-        <p:cNvGrpSpPr/>
-        <p:nvPr/>
-      </p:nvGrpSpPr>
-      <p:grpSpPr>
-        <a:xfrm>
-          <a:off x="0" y="0"/>
-          <a:ext cx="0" cy="0"/>
-          <a:chOff x="0" y="0"/>
-          <a:chExt cx="0" cy="0"/>
-        </a:xfrm>
-      </p:grpSpPr>
-      <p:pic>
-        <p:nvPicPr>
-          <p:cNvPr id="5" name="Picture 4">
-            <a:extLst>
-              <a:ext uri="{FF2B5EF4-FFF2-40B4-BE49-F238E27FC236}">
-                <a16:creationId xmlns:a16="http://schemas.microsoft.com/office/drawing/2014/main" id="{43AD41C6-8CBE-4276-9B82-B33F230997E3}"/>
-              </a:ext>
-            </a:extLst>
-          </p:cNvPr>
-          <p:cNvPicPr>
-            <a:picLocks noChangeAspect="1"/>
-          </p:cNvPicPr>
-          <p:nvPr/>
-        </p:nvPicPr>
-        <p:blipFill>
-          <a:blip r:embed="rId2">
-            <a:extLst>
-              <a:ext uri="{28A0092B-C50C-407E-A947-70E740481C1C}">
-                <a14:useLocalDpi xmlns:a14="http://schemas.microsoft.com/office/drawing/2010/main" val="0"/>
-              </a:ext>
-            </a:extLst>
-          </a:blip>
-          <a:stretch>
-            <a:fillRect/>
-          </a:stretch>
-        </p:blipFill>
-        <p:spPr>
-          <a:xfrm>
-            <a:off x="2286000" y="1035728"/>
-            <a:ext cx="6334217" cy="3136777"/>
-          </a:xfrm>
-          <a:prstGeom prst="rect">
-            <a:avLst/>
-          </a:prstGeom>
-        </p:spPr>
-      </p:pic>
-      <p:sp>
-        <p:nvSpPr>
-          <p:cNvPr id="2" name="Title 1">
-            <a:extLst>
-              <a:ext uri="{FF2B5EF4-FFF2-40B4-BE49-F238E27FC236}">
-                <a16:creationId xmlns:a16="http://schemas.microsoft.com/office/drawing/2014/main" id="{5097CFF2-D16F-4914-B618-C328B9E97F19}"/>
-              </a:ext>
-            </a:extLst>
-          </p:cNvPr>
-          <p:cNvSpPr>
-            <a:spLocks noGrp="1"/>
-          </p:cNvSpPr>
-          <p:nvPr>
-            <p:ph type="title"/>
-          </p:nvPr>
-        </p:nvSpPr>
-        <p:spPr>
-          <a:xfrm>
-            <a:off x="838200" y="365125"/>
-            <a:ext cx="10515600" cy="451621"/>
-          </a:xfrm>
-        </p:spPr>
-        <p:txBody>
-          <a:bodyPr>
-            <a:noAutofit/>
-          </a:bodyPr>
-          <a:lstStyle/>
-          <a:p>
-            <a:pPr algn="ctr"/>
-            <a:r>
-              <a:rPr lang="en-US" sz="3600" b="1" dirty="0"/>
-              <a:t>Promises</a:t>
-            </a:r>
-            <a:endParaRPr lang="en-IN" sz="3600" b="1" dirty="0"/>
-          </a:p>
-        </p:txBody>
-      </p:sp>
-      <p:sp>
-        <p:nvSpPr>
-          <p:cNvPr id="3" name="Content Placeholder 2">
-            <a:extLst>
-              <a:ext uri="{FF2B5EF4-FFF2-40B4-BE49-F238E27FC236}">
-                <a16:creationId xmlns:a16="http://schemas.microsoft.com/office/drawing/2014/main" id="{3989E1D4-F423-4C1F-92A2-4C95E9D2344E}"/>
-              </a:ext>
-            </a:extLst>
-          </p:cNvPr>
-          <p:cNvSpPr>
-            <a:spLocks noGrp="1"/>
-          </p:cNvSpPr>
-          <p:nvPr>
-            <p:ph idx="1"/>
-          </p:nvPr>
-        </p:nvSpPr>
-        <p:spPr>
-          <a:xfrm>
-            <a:off x="838200" y="1825625"/>
-            <a:ext cx="9806126" cy="4761606"/>
-          </a:xfrm>
-        </p:spPr>
-        <p:txBody>
-          <a:bodyPr>
-            <a:normAutofit fontScale="62500" lnSpcReduction="20000"/>
-          </a:bodyPr>
-          <a:lstStyle/>
-          <a:p>
-            <a:pPr marL="0" indent="0" algn="l">
-              <a:buNone/>
-            </a:pPr>
-            <a:br>
-              <a:rPr lang="en-US" dirty="0"/>
-            </a:br>
-            <a:endParaRPr lang="en-US" dirty="0"/>
-          </a:p>
-          <a:p>
-            <a:pPr algn="l"/>
-            <a:endParaRPr lang="en-US" dirty="0">
-              <a:hlinkClick r:id="rId3" action="ppaction://hlinkfile"/>
-            </a:endParaRPr>
-          </a:p>
-          <a:p>
-            <a:pPr algn="l"/>
-            <a:endParaRPr lang="en-US" dirty="0">
-              <a:hlinkClick r:id="rId3" action="ppaction://hlinkfile"/>
-            </a:endParaRPr>
-          </a:p>
-          <a:p>
-            <a:pPr algn="l"/>
-            <a:endParaRPr lang="en-US" dirty="0">
-              <a:hlinkClick r:id="rId3" action="ppaction://hlinkfile"/>
-            </a:endParaRPr>
-          </a:p>
-          <a:p>
-            <a:pPr algn="l"/>
-            <a:endParaRPr lang="en-US" dirty="0">
-              <a:hlinkClick r:id="rId3" action="ppaction://hlinkfile"/>
-            </a:endParaRPr>
-          </a:p>
-          <a:p>
-            <a:pPr algn="l"/>
-            <a:endParaRPr lang="en-US" dirty="0">
-              <a:hlinkClick r:id="rId3" action="ppaction://hlinkfile"/>
-            </a:endParaRPr>
-          </a:p>
-          <a:p>
-            <a:pPr algn="l"/>
-            <a:endParaRPr lang="en-US" dirty="0">
-              <a:hlinkClick r:id="rId3" action="ppaction://hlinkfile"/>
-            </a:endParaRPr>
-          </a:p>
-          <a:p>
-            <a:pPr algn="l"/>
-            <a:endParaRPr lang="en-US" dirty="0">
-              <a:hlinkClick r:id="rId3" action="ppaction://hlinkfile"/>
-            </a:endParaRPr>
-          </a:p>
-          <a:p>
-            <a:r>
-              <a:rPr lang="en-US" dirty="0"/>
-              <a:t>A promise can be created in our JavaScript code. Or else it can be returned from an external node package</a:t>
-            </a:r>
-          </a:p>
-          <a:p>
-            <a:r>
-              <a:rPr lang="en-US" dirty="0"/>
-              <a:t>Any promise that performs async operations should call any one of the two methods </a:t>
-            </a:r>
-            <a:r>
-              <a:rPr lang="en-US" b="1" dirty="0"/>
-              <a:t>resolve</a:t>
-            </a:r>
-            <a:r>
-              <a:rPr lang="en-US" dirty="0"/>
-              <a:t> or </a:t>
-            </a:r>
-            <a:r>
-              <a:rPr lang="en-US" b="1" dirty="0"/>
-              <a:t>reject. </a:t>
-            </a:r>
-            <a:r>
-              <a:rPr lang="en-US" dirty="0"/>
-              <a:t>Promise will consume using </a:t>
-            </a:r>
-            <a:r>
-              <a:rPr lang="en-US" b="1" dirty="0"/>
-              <a:t>then</a:t>
-            </a:r>
-            <a:r>
-              <a:rPr lang="en-US" dirty="0"/>
-              <a:t> method</a:t>
-            </a:r>
-          </a:p>
-          <a:p>
-            <a:r>
-              <a:rPr lang="en-US" dirty="0"/>
-              <a:t>What happens if you try to access the value from promise before it is resolved or rejected. Then promise will be in the </a:t>
-            </a:r>
-            <a:r>
-              <a:rPr lang="en-US" b="1" dirty="0"/>
-              <a:t>pending</a:t>
-            </a:r>
-            <a:r>
-              <a:rPr lang="en-US" dirty="0"/>
-              <a:t> state.</a:t>
-            </a:r>
-          </a:p>
-          <a:p>
-            <a:r>
-              <a:rPr lang="en-US" dirty="0">
-                <a:hlinkClick r:id="rId4"/>
-              </a:rPr>
-              <a:t>promise.js</a:t>
-            </a:r>
-            <a:endParaRPr lang="en-US" dirty="0"/>
-          </a:p>
-          <a:p>
-            <a:endParaRPr lang="en-US" dirty="0"/>
-          </a:p>
-          <a:p>
-            <a:pPr algn="l"/>
-            <a:endParaRPr lang="en-US" dirty="0"/>
-          </a:p>
-          <a:p>
-            <a:pPr algn="l"/>
-            <a:endParaRPr lang="en-IN" dirty="0"/>
-          </a:p>
-          <a:p>
-            <a:pPr algn="l"/>
-            <a:endParaRPr lang="en-IN" dirty="0"/>
-          </a:p>
-        </p:txBody>
-      </p:sp>
-    </p:spTree>
-    <p:extLst>
-      <p:ext uri="{BB962C8B-B14F-4D97-AF65-F5344CB8AC3E}">
-        <p14:creationId xmlns:p14="http://schemas.microsoft.com/office/powerpoint/2010/main" val="2500105051"/>
-      </p:ext>
-    </p:extLst>
-  </p:cSld>
-  <p:clrMapOvr>
-    <a:masterClrMapping/>
-  </p:clrMapOvr>
-  <mc:AlternateContent xmlns:mc="http://schemas.openxmlformats.org/markup-compatibility/2006">
-    <mc:Choice xmlns:p14="http://schemas.microsoft.com/office/powerpoint/2010/main" Requires="p14">
-      <p:transition p14:dur="100">
-        <p:cut/>
-      </p:transition>
-    </mc:Choice>
-    <mc:Fallback>
+    <mc:Fallback xmlns="">
       <p:transition>
         <p:cut/>
       </p:transition>
@@ -23601,7 +23654,7 @@
         <p:spPr>
           <a:xfrm>
             <a:off x="355107" y="1122363"/>
-            <a:ext cx="11674136" cy="1754002"/>
+            <a:ext cx="11674136" cy="928380"/>
           </a:xfrm>
         </p:spPr>
         <p:txBody>
@@ -23617,30 +23670,9 @@
                 </a:solidFill>
               </a:rPr>
             </a:br>
-            <a:br>
-              <a:rPr lang="en-US" sz="6700" b="1" dirty="0">
-                <a:solidFill>
-                  <a:schemeClr val="accent6"/>
-                </a:solidFill>
-              </a:rPr>
-            </a:br>
             <a:r>
               <a:rPr lang="en-US" sz="4000" b="1" dirty="0"/>
-              <a:t>Replacing Callbacks with Promises</a:t>
-            </a:r>
-            <a:br>
-              <a:rPr lang="en-US" sz="4000" b="1" dirty="0"/>
-            </a:br>
-            <a:r>
-              <a:rPr lang="en-US" sz="4000" b="1" dirty="0"/>
-              <a:t>And </a:t>
-            </a:r>
-            <a:br>
-              <a:rPr lang="en-US" sz="4000" b="1" dirty="0"/>
-            </a:br>
-            <a:r>
-              <a:rPr lang="en-US" sz="4000" b="1" dirty="0"/>
-              <a:t>Consuming Promise</a:t>
+              <a:t>Running Parallel Promises</a:t>
             </a:r>
             <a:endParaRPr lang="en-IN" sz="4000" b="1" dirty="0"/>
           </a:p>
@@ -23682,7 +23714,7 @@
               <a:rPr lang="en-US" dirty="0">
                 <a:hlinkClick r:id="rId2"/>
               </a:rPr>
-              <a:t>calllback_to_promise.js</a:t>
+              <a:t>multi_promises.js</a:t>
             </a:r>
             <a:endParaRPr lang="en-US" dirty="0"/>
           </a:p>
@@ -23703,20 +23735,20 @@
     </p:spTree>
     <p:extLst>
       <p:ext uri="{BB962C8B-B14F-4D97-AF65-F5344CB8AC3E}">
-        <p14:creationId xmlns:p14="http://schemas.microsoft.com/office/powerpoint/2010/main" val="1402188774"/>
+        <p14:creationId xmlns:p14="http://schemas.microsoft.com/office/powerpoint/2010/main" val="2758259054"/>
       </p:ext>
     </p:extLst>
   </p:cSld>
   <p:clrMapOvr>
     <a:masterClrMapping/>
   </p:clrMapOvr>
-  <mc:AlternateContent xmlns:mc="http://schemas.openxmlformats.org/markup-compatibility/2006">
-    <mc:Choice xmlns:p14="http://schemas.microsoft.com/office/powerpoint/2010/main" Requires="p14">
+  <mc:AlternateContent xmlns:mc="http://schemas.openxmlformats.org/markup-compatibility/2006" xmlns:p14="http://schemas.microsoft.com/office/powerpoint/2010/main">
+    <mc:Choice Requires="p14">
       <p:transition p14:dur="100">
         <p:cut/>
       </p:transition>
     </mc:Choice>
-    <mc:Fallback>
+    <mc:Fallback xmlns="">
       <p:transition>
         <p:cut/>
       </p:transition>
@@ -23795,7 +23827,7 @@
         <p:spPr>
           <a:xfrm>
             <a:off x="355107" y="1122363"/>
-            <a:ext cx="11674136" cy="928380"/>
+            <a:ext cx="11674136" cy="795214"/>
           </a:xfrm>
         </p:spPr>
         <p:txBody>
@@ -23811,9 +23843,16 @@
                 </a:solidFill>
               </a:rPr>
             </a:br>
+            <a:br>
+              <a:rPr lang="en-US" sz="6700" b="1" dirty="0">
+                <a:solidFill>
+                  <a:schemeClr val="accent6"/>
+                </a:solidFill>
+              </a:rPr>
+            </a:br>
             <a:r>
               <a:rPr lang="en-US" sz="4000" b="1" dirty="0"/>
-              <a:t>Running Parallel Promises</a:t>
+              <a:t>Async and Await</a:t>
             </a:r>
             <a:endParaRPr lang="en-IN" sz="4000" b="1" dirty="0"/>
           </a:p>
@@ -23852,186 +23891,6 @@
               <a:rPr lang="en-US" dirty="0"/>
             </a:br>
             <a:r>
-              <a:rPr lang="en-US" dirty="0">
-                <a:hlinkClick r:id="rId2"/>
-              </a:rPr>
-              <a:t>multi_promises.js</a:t>
-            </a:r>
-            <a:endParaRPr lang="en-US" dirty="0"/>
-          </a:p>
-          <a:p>
-            <a:pPr algn="l"/>
-            <a:endParaRPr lang="en-US" dirty="0"/>
-          </a:p>
-          <a:p>
-            <a:pPr algn="l"/>
-            <a:endParaRPr lang="en-IN" dirty="0"/>
-          </a:p>
-          <a:p>
-            <a:pPr algn="l"/>
-            <a:endParaRPr lang="en-IN" dirty="0"/>
-          </a:p>
-        </p:txBody>
-      </p:sp>
-    </p:spTree>
-    <p:extLst>
-      <p:ext uri="{BB962C8B-B14F-4D97-AF65-F5344CB8AC3E}">
-        <p14:creationId xmlns:p14="http://schemas.microsoft.com/office/powerpoint/2010/main" val="2758259054"/>
-      </p:ext>
-    </p:extLst>
-  </p:cSld>
-  <p:clrMapOvr>
-    <a:masterClrMapping/>
-  </p:clrMapOvr>
-  <mc:AlternateContent xmlns:mc="http://schemas.openxmlformats.org/markup-compatibility/2006">
-    <mc:Choice xmlns:p14="http://schemas.microsoft.com/office/powerpoint/2010/main" Requires="p14">
-      <p:transition p14:dur="100">
-        <p:cut/>
-      </p:transition>
-    </mc:Choice>
-    <mc:Fallback>
-      <p:transition>
-        <p:cut/>
-      </p:transition>
-    </mc:Fallback>
-  </mc:AlternateContent>
-</p:sld>
-</file>
-
-<file path=ppt/slides/slide76.xml><?xml version="1.0" encoding="utf-8"?>
-<p:sld xmlns:a="http://schemas.openxmlformats.org/drawingml/2006/main" xmlns:r="http://schemas.openxmlformats.org/officeDocument/2006/relationships" xmlns:p="http://schemas.openxmlformats.org/presentationml/2006/main">
-  <p:cSld>
-    <p:bg>
-      <p:bgPr>
-        <a:gradFill>
-          <a:gsLst>
-            <a:gs pos="0">
-              <a:schemeClr val="accent1">
-                <a:lumMod val="5000"/>
-                <a:lumOff val="95000"/>
-              </a:schemeClr>
-            </a:gs>
-            <a:gs pos="74000">
-              <a:schemeClr val="accent1">
-                <a:lumMod val="45000"/>
-                <a:lumOff val="55000"/>
-              </a:schemeClr>
-            </a:gs>
-            <a:gs pos="83000">
-              <a:schemeClr val="accent1">
-                <a:lumMod val="45000"/>
-                <a:lumOff val="55000"/>
-              </a:schemeClr>
-            </a:gs>
-            <a:gs pos="100000">
-              <a:schemeClr val="accent1">
-                <a:lumMod val="30000"/>
-                <a:lumOff val="70000"/>
-              </a:schemeClr>
-            </a:gs>
-          </a:gsLst>
-          <a:lin ang="5400000" scaled="1"/>
-        </a:gradFill>
-        <a:effectLst/>
-      </p:bgPr>
-    </p:bg>
-    <p:spTree>
-      <p:nvGrpSpPr>
-        <p:cNvPr id="1" name=""/>
-        <p:cNvGrpSpPr/>
-        <p:nvPr/>
-      </p:nvGrpSpPr>
-      <p:grpSpPr>
-        <a:xfrm>
-          <a:off x="0" y="0"/>
-          <a:ext cx="0" cy="0"/>
-          <a:chOff x="0" y="0"/>
-          <a:chExt cx="0" cy="0"/>
-        </a:xfrm>
-      </p:grpSpPr>
-      <p:sp>
-        <p:nvSpPr>
-          <p:cNvPr id="2" name="Title 1">
-            <a:extLst>
-              <a:ext uri="{FF2B5EF4-FFF2-40B4-BE49-F238E27FC236}">
-                <a16:creationId xmlns:a16="http://schemas.microsoft.com/office/drawing/2014/main" id="{5097CFF2-D16F-4914-B618-C328B9E97F19}"/>
-              </a:ext>
-            </a:extLst>
-          </p:cNvPr>
-          <p:cNvSpPr>
-            <a:spLocks noGrp="1"/>
-          </p:cNvSpPr>
-          <p:nvPr>
-            <p:ph type="ctrTitle"/>
-          </p:nvPr>
-        </p:nvSpPr>
-        <p:spPr>
-          <a:xfrm>
-            <a:off x="355107" y="1122363"/>
-            <a:ext cx="11674136" cy="795214"/>
-          </a:xfrm>
-        </p:spPr>
-        <p:txBody>
-          <a:bodyPr>
-            <a:normAutofit fontScale="90000"/>
-          </a:bodyPr>
-          <a:lstStyle/>
-          <a:p>
-            <a:br>
-              <a:rPr lang="en-US" sz="6700" b="1" dirty="0">
-                <a:solidFill>
-                  <a:schemeClr val="accent6"/>
-                </a:solidFill>
-              </a:rPr>
-            </a:br>
-            <a:br>
-              <a:rPr lang="en-US" sz="6700" b="1" dirty="0">
-                <a:solidFill>
-                  <a:schemeClr val="accent6"/>
-                </a:solidFill>
-              </a:rPr>
-            </a:br>
-            <a:r>
-              <a:rPr lang="en-US" sz="4000" b="1" dirty="0"/>
-              <a:t>Async and Await</a:t>
-            </a:r>
-            <a:endParaRPr lang="en-IN" sz="4000" b="1" dirty="0"/>
-          </a:p>
-        </p:txBody>
-      </p:sp>
-      <p:sp>
-        <p:nvSpPr>
-          <p:cNvPr id="3" name="Content Placeholder 2">
-            <a:extLst>
-              <a:ext uri="{FF2B5EF4-FFF2-40B4-BE49-F238E27FC236}">
-                <a16:creationId xmlns:a16="http://schemas.microsoft.com/office/drawing/2014/main" id="{3989E1D4-F423-4C1F-92A2-4C95E9D2344E}"/>
-              </a:ext>
-            </a:extLst>
-          </p:cNvPr>
-          <p:cNvSpPr>
-            <a:spLocks noGrp="1"/>
-          </p:cNvSpPr>
-          <p:nvPr>
-            <p:ph type="subTitle" idx="1"/>
-          </p:nvPr>
-        </p:nvSpPr>
-        <p:spPr>
-          <a:xfrm>
-            <a:off x="1639410" y="2776414"/>
-            <a:ext cx="9144000" cy="2665597"/>
-          </a:xfrm>
-        </p:spPr>
-        <p:txBody>
-          <a:bodyPr>
-            <a:normAutofit/>
-          </a:bodyPr>
-          <a:lstStyle/>
-          <a:p>
-            <a:pPr algn="l"/>
-            <a:br>
-              <a:rPr lang="en-US" dirty="0"/>
-            </a:br>
-            <a:r>
               <a:rPr lang="en-US" dirty="0"/>
               <a:t>Operators : async and await</a:t>
             </a:r>
@@ -24083,13 +23942,13 @@
   <p:clrMapOvr>
     <a:masterClrMapping/>
   </p:clrMapOvr>
-  <mc:AlternateContent xmlns:mc="http://schemas.openxmlformats.org/markup-compatibility/2006">
-    <mc:Choice xmlns:p14="http://schemas.microsoft.com/office/powerpoint/2010/main" Requires="p14">
+  <mc:AlternateContent xmlns:mc="http://schemas.openxmlformats.org/markup-compatibility/2006" xmlns:p14="http://schemas.microsoft.com/office/powerpoint/2010/main">
+    <mc:Choice Requires="p14">
       <p:transition p14:dur="100">
         <p:cut/>
       </p:transition>
     </mc:Choice>
-    <mc:Fallback>
+    <mc:Fallback xmlns="">
       <p:transition>
         <p:cut/>
       </p:transition>
@@ -24098,7 +23957,7 @@
 </p:sld>
 </file>
 
-<file path=ppt/slides/slide77.xml><?xml version="1.0" encoding="utf-8"?>
+<file path=ppt/slides/slide76.xml><?xml version="1.0" encoding="utf-8"?>
 <p:sld xmlns:a="http://schemas.openxmlformats.org/drawingml/2006/main" xmlns:r="http://schemas.openxmlformats.org/officeDocument/2006/relationships" xmlns:p="http://schemas.openxmlformats.org/presentationml/2006/main">
   <p:cSld>
     <p:bg>
@@ -24365,13 +24224,13 @@
   <p:clrMapOvr>
     <a:overrideClrMapping bg1="dk1" tx1="lt1" bg2="dk2" tx2="lt2" accent1="accent1" accent2="accent2" accent3="accent3" accent4="accent4" accent5="accent5" accent6="accent6" hlink="hlink" folHlink="folHlink"/>
   </p:clrMapOvr>
-  <mc:AlternateContent xmlns:mc="http://schemas.openxmlformats.org/markup-compatibility/2006">
-    <mc:Choice xmlns:p14="http://schemas.microsoft.com/office/powerpoint/2010/main" Requires="p14">
+  <mc:AlternateContent xmlns:mc="http://schemas.openxmlformats.org/markup-compatibility/2006" xmlns:p14="http://schemas.microsoft.com/office/powerpoint/2010/main">
+    <mc:Choice Requires="p14">
       <p:transition p14:dur="100">
         <p:cut/>
       </p:transition>
     </mc:Choice>
-    <mc:Fallback>
+    <mc:Fallback xmlns="">
       <p:transition>
         <p:cut/>
       </p:transition>
@@ -24380,7 +24239,7 @@
 </p:sld>
 </file>
 
-<file path=ppt/slides/slide78.xml><?xml version="1.0" encoding="utf-8"?>
+<file path=ppt/slides/slide77.xml><?xml version="1.0" encoding="utf-8"?>
 <p:sld xmlns:a="http://schemas.openxmlformats.org/drawingml/2006/main" xmlns:r="http://schemas.openxmlformats.org/officeDocument/2006/relationships" xmlns:p="http://schemas.openxmlformats.org/presentationml/2006/main">
   <p:cSld>
     <p:bg>
@@ -24571,13 +24430,13 @@
   <p:clrMapOvr>
     <a:masterClrMapping/>
   </p:clrMapOvr>
-  <mc:AlternateContent xmlns:mc="http://schemas.openxmlformats.org/markup-compatibility/2006">
-    <mc:Choice xmlns:p14="http://schemas.microsoft.com/office/powerpoint/2010/main" Requires="p14">
+  <mc:AlternateContent xmlns:mc="http://schemas.openxmlformats.org/markup-compatibility/2006" xmlns:p14="http://schemas.microsoft.com/office/powerpoint/2010/main">
+    <mc:Choice Requires="p14">
       <p:transition p14:dur="100">
         <p:cut/>
       </p:transition>
     </mc:Choice>
-    <mc:Fallback>
+    <mc:Fallback xmlns="">
       <p:transition>
         <p:cut/>
       </p:transition>
@@ -24586,7 +24445,7 @@
 </p:sld>
 </file>
 
-<file path=ppt/slides/slide79.xml><?xml version="1.0" encoding="utf-8"?>
+<file path=ppt/slides/slide78.xml><?xml version="1.0" encoding="utf-8"?>
 <p:sld xmlns:a="http://schemas.openxmlformats.org/drawingml/2006/main" xmlns:r="http://schemas.openxmlformats.org/officeDocument/2006/relationships" xmlns:p="http://schemas.openxmlformats.org/presentationml/2006/main">
   <p:cSld>
     <p:bg>
@@ -24737,13 +24596,13 @@
   <p:clrMapOvr>
     <a:masterClrMapping/>
   </p:clrMapOvr>
-  <mc:AlternateContent xmlns:mc="http://schemas.openxmlformats.org/markup-compatibility/2006">
-    <mc:Choice xmlns:p14="http://schemas.microsoft.com/office/powerpoint/2010/main" Requires="p14">
+  <mc:AlternateContent xmlns:mc="http://schemas.openxmlformats.org/markup-compatibility/2006" xmlns:p14="http://schemas.microsoft.com/office/powerpoint/2010/main">
+    <mc:Choice Requires="p14">
       <p:transition p14:dur="100">
         <p:cut/>
       </p:transition>
     </mc:Choice>
-    <mc:Fallback>
+    <mc:Fallback xmlns="">
       <p:transition>
         <p:cut/>
       </p:transition>
@@ -24752,165 +24611,7 @@
 </p:sld>
 </file>
 
-<file path=ppt/slides/slide8.xml><?xml version="1.0" encoding="utf-8"?>
-<p:sld xmlns:a="http://schemas.openxmlformats.org/drawingml/2006/main" xmlns:r="http://schemas.openxmlformats.org/officeDocument/2006/relationships" xmlns:p="http://schemas.openxmlformats.org/presentationml/2006/main">
-  <p:cSld>
-    <p:bg>
-      <p:bgPr>
-        <a:gradFill>
-          <a:gsLst>
-            <a:gs pos="0">
-              <a:schemeClr val="accent1">
-                <a:lumMod val="5000"/>
-                <a:lumOff val="95000"/>
-              </a:schemeClr>
-            </a:gs>
-            <a:gs pos="74000">
-              <a:schemeClr val="accent1">
-                <a:lumMod val="45000"/>
-                <a:lumOff val="55000"/>
-              </a:schemeClr>
-            </a:gs>
-            <a:gs pos="83000">
-              <a:schemeClr val="accent1">
-                <a:lumMod val="45000"/>
-                <a:lumOff val="55000"/>
-              </a:schemeClr>
-            </a:gs>
-            <a:gs pos="100000">
-              <a:schemeClr val="accent1">
-                <a:lumMod val="30000"/>
-                <a:lumOff val="70000"/>
-              </a:schemeClr>
-            </a:gs>
-          </a:gsLst>
-          <a:lin ang="5400000" scaled="1"/>
-        </a:gradFill>
-        <a:effectLst/>
-      </p:bgPr>
-    </p:bg>
-    <p:spTree>
-      <p:nvGrpSpPr>
-        <p:cNvPr id="1" name=""/>
-        <p:cNvGrpSpPr/>
-        <p:nvPr/>
-      </p:nvGrpSpPr>
-      <p:grpSpPr>
-        <a:xfrm>
-          <a:off x="0" y="0"/>
-          <a:ext cx="0" cy="0"/>
-          <a:chOff x="0" y="0"/>
-          <a:chExt cx="0" cy="0"/>
-        </a:xfrm>
-      </p:grpSpPr>
-      <p:sp>
-        <p:nvSpPr>
-          <p:cNvPr id="2" name="Title 1">
-            <a:extLst>
-              <a:ext uri="{FF2B5EF4-FFF2-40B4-BE49-F238E27FC236}">
-                <a16:creationId xmlns:a16="http://schemas.microsoft.com/office/drawing/2014/main" id="{77A7F335-B462-46CC-88B0-EB871DBE623E}"/>
-              </a:ext>
-            </a:extLst>
-          </p:cNvPr>
-          <p:cNvSpPr>
-            <a:spLocks noGrp="1"/>
-          </p:cNvSpPr>
-          <p:nvPr>
-            <p:ph type="title"/>
-          </p:nvPr>
-        </p:nvSpPr>
-        <p:spPr/>
-        <p:txBody>
-          <a:bodyPr>
-            <a:normAutofit/>
-          </a:bodyPr>
-          <a:lstStyle/>
-          <a:p>
-            <a:pPr algn="ctr"/>
-            <a:r>
-              <a:rPr lang="en-US" sz="3600" b="1" dirty="0"/>
-              <a:t>Installing Node JS</a:t>
-            </a:r>
-            <a:endParaRPr lang="en-IN" sz="3600" b="1" dirty="0"/>
-          </a:p>
-        </p:txBody>
-      </p:sp>
-      <p:sp>
-        <p:nvSpPr>
-          <p:cNvPr id="4" name="Content Placeholder 3">
-            <a:extLst>
-              <a:ext uri="{FF2B5EF4-FFF2-40B4-BE49-F238E27FC236}">
-                <a16:creationId xmlns:a16="http://schemas.microsoft.com/office/drawing/2014/main" id="{9D257855-26C2-4E2F-BFFE-299830C33598}"/>
-              </a:ext>
-            </a:extLst>
-          </p:cNvPr>
-          <p:cNvSpPr>
-            <a:spLocks noGrp="1"/>
-          </p:cNvSpPr>
-          <p:nvPr>
-            <p:ph idx="1"/>
-          </p:nvPr>
-        </p:nvSpPr>
-        <p:spPr/>
-        <p:txBody>
-          <a:bodyPr/>
-          <a:lstStyle/>
-          <a:p>
-            <a:r>
-              <a:rPr lang="en-IN" dirty="0">
-                <a:hlinkClick r:id="rId2"/>
-              </a:rPr>
-              <a:t>https://nodejs.org/en/</a:t>
-            </a:r>
-            <a:endParaRPr lang="en-IN" dirty="0"/>
-          </a:p>
-          <a:p>
-            <a:r>
-              <a:rPr lang="en-IN" dirty="0"/>
-              <a:t>Node –version</a:t>
-            </a:r>
-          </a:p>
-          <a:p>
-            <a:r>
-              <a:rPr lang="en-IN" dirty="0" err="1"/>
-              <a:t>Npm</a:t>
-            </a:r>
-            <a:r>
-              <a:rPr lang="en-IN" dirty="0"/>
-              <a:t> –v</a:t>
-            </a:r>
-          </a:p>
-          <a:p>
-            <a:endParaRPr lang="en-IN" dirty="0"/>
-          </a:p>
-        </p:txBody>
-      </p:sp>
-    </p:spTree>
-    <p:extLst>
-      <p:ext uri="{BB962C8B-B14F-4D97-AF65-F5344CB8AC3E}">
-        <p14:creationId xmlns:p14="http://schemas.microsoft.com/office/powerpoint/2010/main" val="3198967060"/>
-      </p:ext>
-    </p:extLst>
-  </p:cSld>
-  <p:clrMapOvr>
-    <a:masterClrMapping/>
-  </p:clrMapOvr>
-  <mc:AlternateContent xmlns:mc="http://schemas.openxmlformats.org/markup-compatibility/2006">
-    <mc:Choice xmlns:p14="http://schemas.microsoft.com/office/powerpoint/2010/main" Requires="p14">
-      <p:transition p14:dur="100">
-        <p:cut/>
-      </p:transition>
-    </mc:Choice>
-    <mc:Fallback>
-      <p:transition>
-        <p:cut/>
-      </p:transition>
-    </mc:Fallback>
-  </mc:AlternateContent>
-</p:sld>
-</file>
-
-<file path=ppt/slides/slide80.xml><?xml version="1.0" encoding="utf-8"?>
+<file path=ppt/slides/slide79.xml><?xml version="1.0" encoding="utf-8"?>
 <p:sld xmlns:a="http://schemas.openxmlformats.org/drawingml/2006/main" xmlns:r="http://schemas.openxmlformats.org/officeDocument/2006/relationships" xmlns:p="http://schemas.openxmlformats.org/presentationml/2006/main">
   <p:cSld>
     <p:bg>
@@ -25110,13 +24811,13 @@
   <p:clrMapOvr>
     <a:masterClrMapping/>
   </p:clrMapOvr>
-  <mc:AlternateContent xmlns:mc="http://schemas.openxmlformats.org/markup-compatibility/2006">
-    <mc:Choice xmlns:p14="http://schemas.microsoft.com/office/powerpoint/2010/main" Requires="p14">
+  <mc:AlternateContent xmlns:mc="http://schemas.openxmlformats.org/markup-compatibility/2006" xmlns:p14="http://schemas.microsoft.com/office/powerpoint/2010/main">
+    <mc:Choice Requires="p14">
       <p:transition p14:dur="100">
         <p:cut/>
       </p:transition>
     </mc:Choice>
-    <mc:Fallback>
+    <mc:Fallback xmlns="">
       <p:transition>
         <p:cut/>
       </p:transition>
@@ -25125,7 +24826,165 @@
 </p:sld>
 </file>
 
-<file path=ppt/slides/slide81.xml><?xml version="1.0" encoding="utf-8"?>
+<file path=ppt/slides/slide8.xml><?xml version="1.0" encoding="utf-8"?>
+<p:sld xmlns:a="http://schemas.openxmlformats.org/drawingml/2006/main" xmlns:r="http://schemas.openxmlformats.org/officeDocument/2006/relationships" xmlns:p="http://schemas.openxmlformats.org/presentationml/2006/main">
+  <p:cSld>
+    <p:bg>
+      <p:bgPr>
+        <a:gradFill>
+          <a:gsLst>
+            <a:gs pos="0">
+              <a:schemeClr val="accent1">
+                <a:lumMod val="5000"/>
+                <a:lumOff val="95000"/>
+              </a:schemeClr>
+            </a:gs>
+            <a:gs pos="74000">
+              <a:schemeClr val="accent1">
+                <a:lumMod val="45000"/>
+                <a:lumOff val="55000"/>
+              </a:schemeClr>
+            </a:gs>
+            <a:gs pos="83000">
+              <a:schemeClr val="accent1">
+                <a:lumMod val="45000"/>
+                <a:lumOff val="55000"/>
+              </a:schemeClr>
+            </a:gs>
+            <a:gs pos="100000">
+              <a:schemeClr val="accent1">
+                <a:lumMod val="30000"/>
+                <a:lumOff val="70000"/>
+              </a:schemeClr>
+            </a:gs>
+          </a:gsLst>
+          <a:lin ang="5400000" scaled="1"/>
+        </a:gradFill>
+        <a:effectLst/>
+      </p:bgPr>
+    </p:bg>
+    <p:spTree>
+      <p:nvGrpSpPr>
+        <p:cNvPr id="1" name=""/>
+        <p:cNvGrpSpPr/>
+        <p:nvPr/>
+      </p:nvGrpSpPr>
+      <p:grpSpPr>
+        <a:xfrm>
+          <a:off x="0" y="0"/>
+          <a:ext cx="0" cy="0"/>
+          <a:chOff x="0" y="0"/>
+          <a:chExt cx="0" cy="0"/>
+        </a:xfrm>
+      </p:grpSpPr>
+      <p:sp>
+        <p:nvSpPr>
+          <p:cNvPr id="2" name="Title 1">
+            <a:extLst>
+              <a:ext uri="{FF2B5EF4-FFF2-40B4-BE49-F238E27FC236}">
+                <a16:creationId xmlns:a16="http://schemas.microsoft.com/office/drawing/2014/main" id="{77A7F335-B462-46CC-88B0-EB871DBE623E}"/>
+              </a:ext>
+            </a:extLst>
+          </p:cNvPr>
+          <p:cNvSpPr>
+            <a:spLocks noGrp="1"/>
+          </p:cNvSpPr>
+          <p:nvPr>
+            <p:ph type="title"/>
+          </p:nvPr>
+        </p:nvSpPr>
+        <p:spPr/>
+        <p:txBody>
+          <a:bodyPr>
+            <a:normAutofit/>
+          </a:bodyPr>
+          <a:lstStyle/>
+          <a:p>
+            <a:pPr algn="ctr"/>
+            <a:r>
+              <a:rPr lang="en-US" sz="3600" b="1" dirty="0"/>
+              <a:t>Installing Node JS</a:t>
+            </a:r>
+            <a:endParaRPr lang="en-IN" sz="3600" b="1" dirty="0"/>
+          </a:p>
+        </p:txBody>
+      </p:sp>
+      <p:sp>
+        <p:nvSpPr>
+          <p:cNvPr id="4" name="Content Placeholder 3">
+            <a:extLst>
+              <a:ext uri="{FF2B5EF4-FFF2-40B4-BE49-F238E27FC236}">
+                <a16:creationId xmlns:a16="http://schemas.microsoft.com/office/drawing/2014/main" id="{9D257855-26C2-4E2F-BFFE-299830C33598}"/>
+              </a:ext>
+            </a:extLst>
+          </p:cNvPr>
+          <p:cNvSpPr>
+            <a:spLocks noGrp="1"/>
+          </p:cNvSpPr>
+          <p:nvPr>
+            <p:ph idx="1"/>
+          </p:nvPr>
+        </p:nvSpPr>
+        <p:spPr/>
+        <p:txBody>
+          <a:bodyPr/>
+          <a:lstStyle/>
+          <a:p>
+            <a:r>
+              <a:rPr lang="en-IN" dirty="0">
+                <a:hlinkClick r:id="rId2"/>
+              </a:rPr>
+              <a:t>https://nodejs.org/en/</a:t>
+            </a:r>
+            <a:endParaRPr lang="en-IN" dirty="0"/>
+          </a:p>
+          <a:p>
+            <a:r>
+              <a:rPr lang="en-IN" dirty="0"/>
+              <a:t>Node –version</a:t>
+            </a:r>
+          </a:p>
+          <a:p>
+            <a:r>
+              <a:rPr lang="en-IN" dirty="0" err="1"/>
+              <a:t>Npm</a:t>
+            </a:r>
+            <a:r>
+              <a:rPr lang="en-IN" dirty="0"/>
+              <a:t> –v</a:t>
+            </a:r>
+          </a:p>
+          <a:p>
+            <a:endParaRPr lang="en-IN" dirty="0"/>
+          </a:p>
+        </p:txBody>
+      </p:sp>
+    </p:spTree>
+    <p:extLst>
+      <p:ext uri="{BB962C8B-B14F-4D97-AF65-F5344CB8AC3E}">
+        <p14:creationId xmlns:p14="http://schemas.microsoft.com/office/powerpoint/2010/main" val="3198967060"/>
+      </p:ext>
+    </p:extLst>
+  </p:cSld>
+  <p:clrMapOvr>
+    <a:masterClrMapping/>
+  </p:clrMapOvr>
+  <mc:AlternateContent xmlns:mc="http://schemas.openxmlformats.org/markup-compatibility/2006" xmlns:p14="http://schemas.microsoft.com/office/powerpoint/2010/main">
+    <mc:Choice Requires="p14">
+      <p:transition p14:dur="100">
+        <p:cut/>
+      </p:transition>
+    </mc:Choice>
+    <mc:Fallback xmlns="">
+      <p:transition>
+        <p:cut/>
+      </p:transition>
+    </mc:Fallback>
+  </mc:AlternateContent>
+</p:sld>
+</file>
+
+<file path=ppt/slides/slide80.xml><?xml version="1.0" encoding="utf-8"?>
 <p:sld xmlns:a="http://schemas.openxmlformats.org/drawingml/2006/main" xmlns:r="http://schemas.openxmlformats.org/officeDocument/2006/relationships" xmlns:p="http://schemas.openxmlformats.org/presentationml/2006/main">
   <p:cSld>
     <p:bg>
@@ -25276,13 +25135,13 @@
   <p:clrMapOvr>
     <a:masterClrMapping/>
   </p:clrMapOvr>
-  <mc:AlternateContent xmlns:mc="http://schemas.openxmlformats.org/markup-compatibility/2006">
-    <mc:Choice xmlns:p14="http://schemas.microsoft.com/office/powerpoint/2010/main" Requires="p14">
+  <mc:AlternateContent xmlns:mc="http://schemas.openxmlformats.org/markup-compatibility/2006" xmlns:p14="http://schemas.microsoft.com/office/powerpoint/2010/main">
+    <mc:Choice Requires="p14">
       <p:transition p14:dur="100">
         <p:cut/>
       </p:transition>
     </mc:Choice>
-    <mc:Fallback>
+    <mc:Fallback xmlns="">
       <p:transition>
         <p:cut/>
       </p:transition>
@@ -25291,7 +25150,7 @@
 </p:sld>
 </file>
 
-<file path=ppt/slides/slide82.xml><?xml version="1.0" encoding="utf-8"?>
+<file path=ppt/slides/slide81.xml><?xml version="1.0" encoding="utf-8"?>
 <p:sld xmlns:a="http://schemas.openxmlformats.org/drawingml/2006/main" xmlns:r="http://schemas.openxmlformats.org/officeDocument/2006/relationships" xmlns:p="http://schemas.openxmlformats.org/presentationml/2006/main">
   <p:cSld>
     <p:bg>
@@ -25563,13 +25422,13 @@
   <p:clrMapOvr>
     <a:masterClrMapping/>
   </p:clrMapOvr>
-  <mc:AlternateContent xmlns:mc="http://schemas.openxmlformats.org/markup-compatibility/2006">
-    <mc:Choice xmlns:p14="http://schemas.microsoft.com/office/powerpoint/2010/main" Requires="p14">
+  <mc:AlternateContent xmlns:mc="http://schemas.openxmlformats.org/markup-compatibility/2006" xmlns:p14="http://schemas.microsoft.com/office/powerpoint/2010/main">
+    <mc:Choice Requires="p14">
       <p:transition p14:dur="100">
         <p:cut/>
       </p:transition>
     </mc:Choice>
-    <mc:Fallback>
+    <mc:Fallback xmlns="">
       <p:transition>
         <p:cut/>
       </p:transition>
@@ -25578,7 +25437,7 @@
 </p:sld>
 </file>
 
-<file path=ppt/slides/slide83.xml><?xml version="1.0" encoding="utf-8"?>
+<file path=ppt/slides/slide82.xml><?xml version="1.0" encoding="utf-8"?>
 <p:sld xmlns:a="http://schemas.openxmlformats.org/drawingml/2006/main" xmlns:r="http://schemas.openxmlformats.org/officeDocument/2006/relationships" xmlns:p="http://schemas.openxmlformats.org/presentationml/2006/main">
   <p:cSld>
     <p:bg>
@@ -25758,13 +25617,13 @@
   <p:clrMapOvr>
     <a:masterClrMapping/>
   </p:clrMapOvr>
-  <mc:AlternateContent xmlns:mc="http://schemas.openxmlformats.org/markup-compatibility/2006">
-    <mc:Choice xmlns:p14="http://schemas.microsoft.com/office/powerpoint/2010/main" Requires="p14">
+  <mc:AlternateContent xmlns:mc="http://schemas.openxmlformats.org/markup-compatibility/2006" xmlns:p14="http://schemas.microsoft.com/office/powerpoint/2010/main">
+    <mc:Choice Requires="p14">
       <p:transition p14:dur="100">
         <p:cut/>
       </p:transition>
     </mc:Choice>
-    <mc:Fallback>
+    <mc:Fallback xmlns="">
       <p:transition>
         <p:cut/>
       </p:transition>
@@ -25773,7 +25632,7 @@
 </p:sld>
 </file>
 
-<file path=ppt/slides/slide84.xml><?xml version="1.0" encoding="utf-8"?>
+<file path=ppt/slides/slide83.xml><?xml version="1.0" encoding="utf-8"?>
 <p:sld xmlns:a="http://schemas.openxmlformats.org/drawingml/2006/main" xmlns:r="http://schemas.openxmlformats.org/officeDocument/2006/relationships" xmlns:p="http://schemas.openxmlformats.org/presentationml/2006/main">
   <p:cSld>
     <p:bg>
@@ -25912,13 +25771,13 @@
   <p:clrMapOvr>
     <a:masterClrMapping/>
   </p:clrMapOvr>
-  <mc:AlternateContent xmlns:mc="http://schemas.openxmlformats.org/markup-compatibility/2006">
-    <mc:Choice xmlns:p14="http://schemas.microsoft.com/office/powerpoint/2010/main" Requires="p14">
+  <mc:AlternateContent xmlns:mc="http://schemas.openxmlformats.org/markup-compatibility/2006" xmlns:p14="http://schemas.microsoft.com/office/powerpoint/2010/main">
+    <mc:Choice Requires="p14">
       <p:transition p14:dur="100">
         <p:cut/>
       </p:transition>
     </mc:Choice>
-    <mc:Fallback>
+    <mc:Fallback xmlns="">
       <p:transition>
         <p:cut/>
       </p:transition>
@@ -25927,7 +25786,7 @@
 </p:sld>
 </file>
 
-<file path=ppt/slides/slide85.xml><?xml version="1.0" encoding="utf-8"?>
+<file path=ppt/slides/slide84.xml><?xml version="1.0" encoding="utf-8"?>
 <p:sld xmlns:a="http://schemas.openxmlformats.org/drawingml/2006/main" xmlns:r="http://schemas.openxmlformats.org/officeDocument/2006/relationships" xmlns:p="http://schemas.openxmlformats.org/presentationml/2006/main">
   <p:cSld>
     <p:bg>
@@ -26025,7 +25884,7 @@
             <p:ph idx="1"/>
             <p:extLst>
               <p:ext uri="{D42A27DB-BD31-4B8C-83A1-F6EECF244321}">
-                <p14:modId xmlns:p14="http://schemas.microsoft.com/office/powerpoint/2010/main" val="431758339"/>
+                <p14:modId xmlns:p14="http://schemas.microsoft.com/office/powerpoint/2010/main" val="3742244570"/>
               </p:ext>
             </p:extLst>
           </p:nvPr>
@@ -26154,8 +26013,29 @@
                           <a:ea typeface="+mn-ea"/>
                           <a:cs typeface="+mn-cs"/>
                         </a:rPr>
-                        <a:t>/courses</a:t>
+                        <a:t>/</a:t>
                       </a:r>
+                      <a:r>
+                        <a:rPr lang="en-IN" sz="1800" b="0" i="0" kern="1200" dirty="0">
+                          <a:solidFill>
+                            <a:schemeClr val="dk1"/>
+                          </a:solidFill>
+                          <a:effectLst/>
+                          <a:latin typeface="+mn-lt"/>
+                          <a:ea typeface="+mn-ea"/>
+                          <a:cs typeface="+mn-cs"/>
+                        </a:rPr>
+                        <a:t>employees</a:t>
+                      </a:r>
+                      <a:endParaRPr lang="en-IN" sz="1800" b="0" kern="1200" dirty="0">
+                        <a:solidFill>
+                          <a:schemeClr val="dk1"/>
+                        </a:solidFill>
+                        <a:effectLst/>
+                        <a:latin typeface="+mn-lt"/>
+                        <a:ea typeface="+mn-ea"/>
+                        <a:cs typeface="+mn-cs"/>
+                      </a:endParaRPr>
                     </a:p>
                   </a:txBody>
                   <a:tcPr/>
@@ -26237,7 +26117,31 @@
                           <a:ea typeface="+mn-ea"/>
                           <a:cs typeface="+mn-cs"/>
                         </a:rPr>
-                        <a:t>/courses/:id</a:t>
+                        <a:t>/</a:t>
+                      </a:r>
+                      <a:r>
+                        <a:rPr lang="en-IN" sz="1800" b="0" i="0" kern="1200" dirty="0">
+                          <a:solidFill>
+                            <a:schemeClr val="dk1"/>
+                          </a:solidFill>
+                          <a:effectLst/>
+                          <a:latin typeface="+mn-lt"/>
+                          <a:ea typeface="+mn-ea"/>
+                          <a:cs typeface="+mn-cs"/>
+                        </a:rPr>
+                        <a:t>employees</a:t>
+                      </a:r>
+                      <a:r>
+                        <a:rPr lang="en-IN" sz="1800" b="0" kern="1200" dirty="0">
+                          <a:solidFill>
+                            <a:schemeClr val="dk1"/>
+                          </a:solidFill>
+                          <a:effectLst/>
+                          <a:latin typeface="+mn-lt"/>
+                          <a:ea typeface="+mn-ea"/>
+                          <a:cs typeface="+mn-cs"/>
+                        </a:rPr>
+                        <a:t>/:id</a:t>
                       </a:r>
                     </a:p>
                   </a:txBody>
@@ -26320,8 +26224,29 @@
                           <a:ea typeface="+mn-ea"/>
                           <a:cs typeface="+mn-cs"/>
                         </a:rPr>
-                        <a:t>/courses</a:t>
+                        <a:t>/</a:t>
                       </a:r>
+                      <a:r>
+                        <a:rPr lang="en-IN" sz="1800" b="0" i="0" kern="1200" dirty="0">
+                          <a:solidFill>
+                            <a:schemeClr val="dk1"/>
+                          </a:solidFill>
+                          <a:effectLst/>
+                          <a:latin typeface="+mn-lt"/>
+                          <a:ea typeface="+mn-ea"/>
+                          <a:cs typeface="+mn-cs"/>
+                        </a:rPr>
+                        <a:t>employees</a:t>
+                      </a:r>
+                      <a:endParaRPr lang="en-IN" sz="1800" b="0" kern="1200" dirty="0">
+                        <a:solidFill>
+                          <a:schemeClr val="dk1"/>
+                        </a:solidFill>
+                        <a:effectLst/>
+                        <a:latin typeface="+mn-lt"/>
+                        <a:ea typeface="+mn-ea"/>
+                        <a:cs typeface="+mn-cs"/>
+                      </a:endParaRPr>
                     </a:p>
                   </a:txBody>
                   <a:tcPr/>
@@ -26403,7 +26328,31 @@
                           <a:ea typeface="+mn-ea"/>
                           <a:cs typeface="+mn-cs"/>
                         </a:rPr>
-                        <a:t>/courses/:id</a:t>
+                        <a:t>/</a:t>
+                      </a:r>
+                      <a:r>
+                        <a:rPr lang="en-IN" sz="1800" b="0" i="0" kern="1200" dirty="0">
+                          <a:solidFill>
+                            <a:schemeClr val="dk1"/>
+                          </a:solidFill>
+                          <a:effectLst/>
+                          <a:latin typeface="+mn-lt"/>
+                          <a:ea typeface="+mn-ea"/>
+                          <a:cs typeface="+mn-cs"/>
+                        </a:rPr>
+                        <a:t>employees</a:t>
+                      </a:r>
+                      <a:r>
+                        <a:rPr lang="en-IN" sz="1800" b="0" kern="1200" dirty="0">
+                          <a:solidFill>
+                            <a:schemeClr val="dk1"/>
+                          </a:solidFill>
+                          <a:effectLst/>
+                          <a:latin typeface="+mn-lt"/>
+                          <a:ea typeface="+mn-ea"/>
+                          <a:cs typeface="+mn-cs"/>
+                        </a:rPr>
+                        <a:t>/:id</a:t>
                       </a:r>
                     </a:p>
                   </a:txBody>
@@ -26486,7 +26435,31 @@
                           <a:ea typeface="+mn-ea"/>
                           <a:cs typeface="+mn-cs"/>
                         </a:rPr>
-                        <a:t>/courses/:id</a:t>
+                        <a:t>/</a:t>
+                      </a:r>
+                      <a:r>
+                        <a:rPr lang="en-IN" sz="1800" b="0" i="0" kern="1200" dirty="0">
+                          <a:solidFill>
+                            <a:schemeClr val="dk1"/>
+                          </a:solidFill>
+                          <a:effectLst/>
+                          <a:latin typeface="+mn-lt"/>
+                          <a:ea typeface="+mn-ea"/>
+                          <a:cs typeface="+mn-cs"/>
+                        </a:rPr>
+                        <a:t>employees</a:t>
+                      </a:r>
+                      <a:r>
+                        <a:rPr lang="en-IN" sz="1800" b="0" kern="1200" dirty="0">
+                          <a:solidFill>
+                            <a:schemeClr val="dk1"/>
+                          </a:solidFill>
+                          <a:effectLst/>
+                          <a:latin typeface="+mn-lt"/>
+                          <a:ea typeface="+mn-ea"/>
+                          <a:cs typeface="+mn-cs"/>
+                        </a:rPr>
+                        <a:t>/:id</a:t>
                       </a:r>
                     </a:p>
                   </a:txBody>
@@ -26549,13 +26522,13 @@
   <p:clrMapOvr>
     <a:masterClrMapping/>
   </p:clrMapOvr>
-  <mc:AlternateContent xmlns:mc="http://schemas.openxmlformats.org/markup-compatibility/2006">
-    <mc:Choice xmlns:p14="http://schemas.microsoft.com/office/powerpoint/2010/main" Requires="p14">
+  <mc:AlternateContent xmlns:mc="http://schemas.openxmlformats.org/markup-compatibility/2006" xmlns:p14="http://schemas.microsoft.com/office/powerpoint/2010/main">
+    <mc:Choice Requires="p14">
       <p:transition p14:dur="100">
         <p:cut/>
       </p:transition>
     </mc:Choice>
-    <mc:Fallback>
+    <mc:Fallback xmlns="">
       <p:transition>
         <p:cut/>
       </p:transition>
@@ -26687,13 +26660,13 @@
   <p:clrMapOvr>
     <a:masterClrMapping/>
   </p:clrMapOvr>
-  <mc:AlternateContent xmlns:mc="http://schemas.openxmlformats.org/markup-compatibility/2006">
-    <mc:Choice xmlns:p14="http://schemas.microsoft.com/office/powerpoint/2010/main" Requires="p14">
+  <mc:AlternateContent xmlns:mc="http://schemas.openxmlformats.org/markup-compatibility/2006" xmlns:p14="http://schemas.microsoft.com/office/powerpoint/2010/main">
+    <mc:Choice Requires="p14">
       <p:transition p14:dur="100">
         <p:cut/>
       </p:transition>
     </mc:Choice>
-    <mc:Fallback>
+    <mc:Fallback xmlns="">
       <p:transition>
         <p:cut/>
       </p:transition>
